--- a/Udemy/Vue JS - Curso completo projeto reais - HCODE/Seção 8 - Animação/04. Animaçoes com Javascript.pptx
+++ b/Udemy/Vue JS - Curso completo projeto reais - HCODE/Seção 8 - Animação/04. Animaçoes com Javascript.pptx
@@ -1,38 +1,45 @@
 
 <file path=ppt/presentation.xml><?xml version="1.0" encoding="utf-8"?>
-<p:presentation xmlns:a="http://schemas.openxmlformats.org/drawingml/2006/main" xmlns:r="http://schemas.openxmlformats.org/officeDocument/2006/relationships" xmlns:mc="http://schemas.openxmlformats.org/markup-compatibility/2006" xmlns:mv="urn:schemas-microsoft-com:mac:vml" xmlns:p="http://schemas.openxmlformats.org/presentationml/2006/main" xmlns:c="http://schemas.openxmlformats.org/drawingml/2006/chart" xmlns:dgm="http://schemas.openxmlformats.org/drawingml/2006/diagram" xmlns:o="urn:schemas-microsoft-com:office:office" xmlns:v="urn:schemas-microsoft-com:vml" xmlns:pvml="urn:schemas-microsoft-com:office:powerpoint" xmlns:com="http://schemas.openxmlformats.org/drawingml/2006/compatibility" xmlns:p14="http://schemas.microsoft.com/office/powerpoint/2010/main" xmlns:p15="http://schemas.microsoft.com/office/powerpoint/2012/main" autoCompressPictures="0" embedTrueTypeFonts="1" strictFirstAndLastChars="0" saveSubsetFonts="1">
+<p:presentation xmlns:a="http://schemas.openxmlformats.org/drawingml/2006/main" xmlns:r="http://schemas.openxmlformats.org/officeDocument/2006/relationships" xmlns:p="http://schemas.openxmlformats.org/presentationml/2006/main" strictFirstAndLastChars="0" embedTrueTypeFonts="1" saveSubsetFonts="1" autoCompressPictures="0">
   <p:sldMasterIdLst>
-    <p:sldMasterId id="2147483659" r:id="rId4"/>
+    <p:sldMasterId id="2147483659" r:id="rId1"/>
   </p:sldMasterIdLst>
   <p:notesMasterIdLst>
-    <p:notesMasterId r:id="rId5"/>
+    <p:notesMasterId r:id="rId6"/>
   </p:notesMasterIdLst>
   <p:sldIdLst>
-    <p:sldId id="256" r:id="rId6"/>
-    <p:sldId id="257" r:id="rId7"/>
-    <p:sldId id="258" r:id="rId8"/>
-    <p:sldId id="259" r:id="rId9"/>
+    <p:sldId id="256" r:id="rId2"/>
+    <p:sldId id="257" r:id="rId3"/>
+    <p:sldId id="258" r:id="rId4"/>
+    <p:sldId id="259" r:id="rId5"/>
   </p:sldIdLst>
-  <p:sldSz cy="6858000" cx="12192000"/>
+  <p:sldSz cx="12192000" cy="6858000"/>
   <p:notesSz cx="6858000" cy="9144000"/>
   <p:embeddedFontLst>
     <p:embeddedFont>
-      <p:font typeface="Roboto Mono Medium"/>
-      <p:regular r:id="rId10"/>
-      <p:bold r:id="rId11"/>
-      <p:italic r:id="rId12"/>
-      <p:boldItalic r:id="rId13"/>
+      <p:font typeface="Roboto Light" charset="0"/>
+      <p:regular r:id="rId7"/>
+      <p:bold r:id="rId8"/>
+      <p:italic r:id="rId9"/>
+      <p:boldItalic r:id="rId10"/>
     </p:embeddedFont>
     <p:embeddedFont>
-      <p:font typeface="Roboto Light"/>
-      <p:regular r:id="rId14"/>
-      <p:bold r:id="rId15"/>
-      <p:italic r:id="rId16"/>
-      <p:boldItalic r:id="rId17"/>
+      <p:font typeface="Calibri" pitchFamily="34" charset="0"/>
+      <p:regular r:id="rId11"/>
+      <p:bold r:id="rId12"/>
+      <p:italic r:id="rId13"/>
+      <p:boldItalic r:id="rId14"/>
+    </p:embeddedFont>
+    <p:embeddedFont>
+      <p:font typeface="Roboto Mono Medium" charset="0"/>
+      <p:regular r:id="rId15"/>
+      <p:bold r:id="rId16"/>
+      <p:italic r:id="rId17"/>
+      <p:boldItalic r:id="rId18"/>
     </p:embeddedFont>
   </p:embeddedFontLst>
   <p:defaultTextStyle>
-    <a:defPPr lvl="0" marR="0" rtl="0" algn="l">
+    <a:defPPr marR="0" lvl="0" algn="l" rtl="0">
       <a:lnSpc>
         <a:spcPct val="100000"/>
       </a:lnSpc>
@@ -43,7 +50,7 @@
         <a:spcPts val="0"/>
       </a:spcAft>
     </a:defPPr>
-    <a:lvl1pPr lvl="0" marR="0" rtl="0" algn="l">
+    <a:lvl1pPr marR="0" lvl="0" algn="l" rtl="0">
       <a:lnSpc>
         <a:spcPct val="100000"/>
       </a:lnSpc>
@@ -57,7 +64,7 @@
         <a:srgbClr val="000000"/>
       </a:buClr>
       <a:buFont typeface="Arial"/>
-      <a:defRPr b="0" i="0" sz="1400" u="none" cap="none" strike="noStrike">
+      <a:defRPr sz="1400" b="0" i="0" u="none" strike="noStrike" cap="none">
         <a:solidFill>
           <a:srgbClr val="000000"/>
         </a:solidFill>
@@ -67,7 +74,7 @@
         <a:sym typeface="Arial"/>
       </a:defRPr>
     </a:lvl1pPr>
-    <a:lvl2pPr lvl="1" marR="0" rtl="0" algn="l">
+    <a:lvl2pPr marR="0" lvl="1" algn="l" rtl="0">
       <a:lnSpc>
         <a:spcPct val="100000"/>
       </a:lnSpc>
@@ -81,7 +88,7 @@
         <a:srgbClr val="000000"/>
       </a:buClr>
       <a:buFont typeface="Arial"/>
-      <a:defRPr b="0" i="0" sz="1400" u="none" cap="none" strike="noStrike">
+      <a:defRPr sz="1400" b="0" i="0" u="none" strike="noStrike" cap="none">
         <a:solidFill>
           <a:srgbClr val="000000"/>
         </a:solidFill>
@@ -91,7 +98,7 @@
         <a:sym typeface="Arial"/>
       </a:defRPr>
     </a:lvl2pPr>
-    <a:lvl3pPr lvl="2" marR="0" rtl="0" algn="l">
+    <a:lvl3pPr marR="0" lvl="2" algn="l" rtl="0">
       <a:lnSpc>
         <a:spcPct val="100000"/>
       </a:lnSpc>
@@ -105,7 +112,7 @@
         <a:srgbClr val="000000"/>
       </a:buClr>
       <a:buFont typeface="Arial"/>
-      <a:defRPr b="0" i="0" sz="1400" u="none" cap="none" strike="noStrike">
+      <a:defRPr sz="1400" b="0" i="0" u="none" strike="noStrike" cap="none">
         <a:solidFill>
           <a:srgbClr val="000000"/>
         </a:solidFill>
@@ -115,7 +122,7 @@
         <a:sym typeface="Arial"/>
       </a:defRPr>
     </a:lvl3pPr>
-    <a:lvl4pPr lvl="3" marR="0" rtl="0" algn="l">
+    <a:lvl4pPr marR="0" lvl="3" algn="l" rtl="0">
       <a:lnSpc>
         <a:spcPct val="100000"/>
       </a:lnSpc>
@@ -129,7 +136,7 @@
         <a:srgbClr val="000000"/>
       </a:buClr>
       <a:buFont typeface="Arial"/>
-      <a:defRPr b="0" i="0" sz="1400" u="none" cap="none" strike="noStrike">
+      <a:defRPr sz="1400" b="0" i="0" u="none" strike="noStrike" cap="none">
         <a:solidFill>
           <a:srgbClr val="000000"/>
         </a:solidFill>
@@ -139,7 +146,7 @@
         <a:sym typeface="Arial"/>
       </a:defRPr>
     </a:lvl4pPr>
-    <a:lvl5pPr lvl="4" marR="0" rtl="0" algn="l">
+    <a:lvl5pPr marR="0" lvl="4" algn="l" rtl="0">
       <a:lnSpc>
         <a:spcPct val="100000"/>
       </a:lnSpc>
@@ -153,7 +160,7 @@
         <a:srgbClr val="000000"/>
       </a:buClr>
       <a:buFont typeface="Arial"/>
-      <a:defRPr b="0" i="0" sz="1400" u="none" cap="none" strike="noStrike">
+      <a:defRPr sz="1400" b="0" i="0" u="none" strike="noStrike" cap="none">
         <a:solidFill>
           <a:srgbClr val="000000"/>
         </a:solidFill>
@@ -163,7 +170,7 @@
         <a:sym typeface="Arial"/>
       </a:defRPr>
     </a:lvl5pPr>
-    <a:lvl6pPr lvl="5" marR="0" rtl="0" algn="l">
+    <a:lvl6pPr marR="0" lvl="5" algn="l" rtl="0">
       <a:lnSpc>
         <a:spcPct val="100000"/>
       </a:lnSpc>
@@ -177,7 +184,7 @@
         <a:srgbClr val="000000"/>
       </a:buClr>
       <a:buFont typeface="Arial"/>
-      <a:defRPr b="0" i="0" sz="1400" u="none" cap="none" strike="noStrike">
+      <a:defRPr sz="1400" b="0" i="0" u="none" strike="noStrike" cap="none">
         <a:solidFill>
           <a:srgbClr val="000000"/>
         </a:solidFill>
@@ -187,7 +194,7 @@
         <a:sym typeface="Arial"/>
       </a:defRPr>
     </a:lvl6pPr>
-    <a:lvl7pPr lvl="6" marR="0" rtl="0" algn="l">
+    <a:lvl7pPr marR="0" lvl="6" algn="l" rtl="0">
       <a:lnSpc>
         <a:spcPct val="100000"/>
       </a:lnSpc>
@@ -201,7 +208,7 @@
         <a:srgbClr val="000000"/>
       </a:buClr>
       <a:buFont typeface="Arial"/>
-      <a:defRPr b="0" i="0" sz="1400" u="none" cap="none" strike="noStrike">
+      <a:defRPr sz="1400" b="0" i="0" u="none" strike="noStrike" cap="none">
         <a:solidFill>
           <a:srgbClr val="000000"/>
         </a:solidFill>
@@ -211,7 +218,7 @@
         <a:sym typeface="Arial"/>
       </a:defRPr>
     </a:lvl7pPr>
-    <a:lvl8pPr lvl="7" marR="0" rtl="0" algn="l">
+    <a:lvl8pPr marR="0" lvl="7" algn="l" rtl="0">
       <a:lnSpc>
         <a:spcPct val="100000"/>
       </a:lnSpc>
@@ -225,7 +232,7 @@
         <a:srgbClr val="000000"/>
       </a:buClr>
       <a:buFont typeface="Arial"/>
-      <a:defRPr b="0" i="0" sz="1400" u="none" cap="none" strike="noStrike">
+      <a:defRPr sz="1400" b="0" i="0" u="none" strike="noStrike" cap="none">
         <a:solidFill>
           <a:srgbClr val="000000"/>
         </a:solidFill>
@@ -235,7 +242,7 @@
         <a:sym typeface="Arial"/>
       </a:defRPr>
     </a:lvl8pPr>
-    <a:lvl9pPr lvl="8" marR="0" rtl="0" algn="l">
+    <a:lvl9pPr marR="0" lvl="8" algn="l" rtl="0">
       <a:lnSpc>
         <a:spcPct val="100000"/>
       </a:lnSpc>
@@ -249,7 +256,7 @@
         <a:srgbClr val="000000"/>
       </a:buClr>
       <a:buFont typeface="Arial"/>
-      <a:defRPr b="0" i="0" sz="1400" u="none" cap="none" strike="noStrike">
+      <a:defRPr sz="1400" b="0" i="0" u="none" strike="noStrike" cap="none">
         <a:solidFill>
           <a:srgbClr val="000000"/>
         </a:solidFill>
@@ -262,7 +269,7 @@
   </p:defaultTextStyle>
   <p:extLst>
     <p:ext uri="{EFAFB233-063F-42B5-8137-9DF3F51BA10A}">
-      <p15:sldGuideLst>
+      <p15:sldGuideLst xmlns:p15="http://schemas.microsoft.com/office/powerpoint/2012/main" xmlns:p14="http://schemas.microsoft.com/office/powerpoint/2010/main" xmlns:com="http://schemas.openxmlformats.org/drawingml/2006/compatibility" xmlns:pvml="urn:schemas-microsoft-com:office:powerpoint" xmlns:v="urn:schemas-microsoft-com:vml" xmlns:o="urn:schemas-microsoft-com:office:office" xmlns:dgm="http://schemas.openxmlformats.org/drawingml/2006/diagram" xmlns:c="http://schemas.openxmlformats.org/drawingml/2006/chart" xmlns:mv="urn:schemas-microsoft-com:mac:vml" xmlns:mc="http://schemas.openxmlformats.org/markup-compatibility/2006" xmlns="">
         <p15:guide id="1" orient="horz" pos="2160">
           <p15:clr>
             <a:srgbClr val="A4A3A4"/>
@@ -280,11 +287,16 @@
 </file>
 
 <file path=ppt/notesMasters/notesMaster1.xml><?xml version="1.0" encoding="utf-8"?>
-<p:notesMaster xmlns:a="http://schemas.openxmlformats.org/drawingml/2006/main" xmlns:r="http://schemas.openxmlformats.org/officeDocument/2006/relationships" xmlns:mc="http://schemas.openxmlformats.org/markup-compatibility/2006" xmlns:mv="urn:schemas-microsoft-com:mac:vml" xmlns:p="http://schemas.openxmlformats.org/presentationml/2006/main" xmlns:c="http://schemas.openxmlformats.org/drawingml/2006/chart" xmlns:dgm="http://schemas.openxmlformats.org/drawingml/2006/diagram" xmlns:o="urn:schemas-microsoft-com:office:office" xmlns:v="urn:schemas-microsoft-com:vml" xmlns:pvml="urn:schemas-microsoft-com:office:powerpoint" xmlns:com="http://schemas.openxmlformats.org/drawingml/2006/compatibility" xmlns:p14="http://schemas.microsoft.com/office/powerpoint/2010/main" xmlns:p15="http://schemas.microsoft.com/office/powerpoint/2012/main">
+<p:notesMaster xmlns:a="http://schemas.openxmlformats.org/drawingml/2006/main" xmlns:r="http://schemas.openxmlformats.org/officeDocument/2006/relationships" xmlns:p="http://schemas.openxmlformats.org/presentationml/2006/main">
   <p:cSld>
+    <p:bg>
+      <p:bgRef idx="1001">
+        <a:schemeClr val="bg1"/>
+      </p:bgRef>
+    </p:bg>
     <p:spTree>
       <p:nvGrpSpPr>
-        <p:cNvPr id="2" name="Shape 2"/>
+        <p:cNvPr id="1" name="Shape 2"/>
         <p:cNvGrpSpPr/>
         <p:nvPr/>
       </p:nvGrpSpPr>
@@ -299,9 +311,11 @@
       <p:sp>
         <p:nvSpPr>
           <p:cNvPr id="3" name="Google Shape;3;n"/>
-          <p:cNvSpPr/>
+          <p:cNvSpPr>
+            <a:spLocks noGrp="1" noRot="1" noChangeAspect="1"/>
+          </p:cNvSpPr>
           <p:nvPr>
-            <p:ph idx="2" type="sldImg"/>
+            <p:ph type="sldImg" idx="2"/>
           </p:nvPr>
         </p:nvSpPr>
         <p:spPr>
@@ -310,9 +324,13 @@
             <a:ext cx="4572225" cy="3429000"/>
           </a:xfrm>
           <a:custGeom>
-            <a:rect b="b" l="l" r="r" t="t"/>
+            <a:avLst/>
+            <a:gdLst/>
+            <a:ahLst/>
+            <a:cxnLst/>
+            <a:rect l="l" t="t" r="r" b="b"/>
             <a:pathLst>
-              <a:path extrusionOk="0" h="120000" w="120000">
+              <a:path w="120000" h="120000" extrusionOk="0">
                 <a:moveTo>
                   <a:pt x="0" y="0"/>
                 </a:moveTo>
@@ -330,23 +348,25 @@
             </a:pathLst>
           </a:custGeom>
           <a:noFill/>
-          <a:ln cap="flat" cmpd="sng" w="9525">
+          <a:ln w="9525" cap="flat" cmpd="sng">
             <a:solidFill>
               <a:srgbClr val="000000"/>
             </a:solidFill>
             <a:prstDash val="solid"/>
             <a:round/>
-            <a:headEnd len="sm" w="sm" type="none"/>
-            <a:tailEnd len="sm" w="sm" type="none"/>
+            <a:headEnd type="none" w="sm" len="sm"/>
+            <a:tailEnd type="none" w="sm" len="sm"/>
           </a:ln>
         </p:spPr>
       </p:sp>
       <p:sp>
         <p:nvSpPr>
           <p:cNvPr id="4" name="Google Shape;4;n"/>
-          <p:cNvSpPr txBox="1"/>
+          <p:cNvSpPr txBox="1">
+            <a:spLocks noGrp="1"/>
+          </p:cNvSpPr>
           <p:nvPr>
-            <p:ph idx="1" type="body"/>
+            <p:ph type="body" idx="1"/>
           </p:nvPr>
         </p:nvSpPr>
         <p:spPr>
@@ -363,11 +383,11 @@
           </a:ln>
         </p:spPr>
         <p:txBody>
-          <a:bodyPr anchorCtr="0" anchor="t" bIns="91425" lIns="91425" spcFirstLastPara="1" rIns="91425" wrap="square" tIns="91425">
+          <a:bodyPr spcFirstLastPara="1" wrap="square" lIns="91425" tIns="91425" rIns="91425" bIns="91425" anchor="t" anchorCtr="0">
             <a:noAutofit/>
           </a:bodyPr>
           <a:lstStyle>
-            <a:lvl1pPr indent="-298450" lvl="0" marL="457200">
+            <a:lvl1pPr marL="457200" lvl="0" indent="-298450">
               <a:spcBef>
                 <a:spcPts val="0"/>
               </a:spcBef>
@@ -378,7 +398,7 @@
               <a:buChar char="●"/>
               <a:defRPr sz="1100"/>
             </a:lvl1pPr>
-            <a:lvl2pPr indent="-298450" lvl="1" marL="914400">
+            <a:lvl2pPr marL="914400" lvl="1" indent="-298450">
               <a:spcBef>
                 <a:spcPts val="0"/>
               </a:spcBef>
@@ -389,7 +409,7 @@
               <a:buChar char="○"/>
               <a:defRPr sz="1100"/>
             </a:lvl2pPr>
-            <a:lvl3pPr indent="-298450" lvl="2" marL="1371600">
+            <a:lvl3pPr marL="1371600" lvl="2" indent="-298450">
               <a:spcBef>
                 <a:spcPts val="0"/>
               </a:spcBef>
@@ -400,7 +420,7 @@
               <a:buChar char="■"/>
               <a:defRPr sz="1100"/>
             </a:lvl3pPr>
-            <a:lvl4pPr indent="-298450" lvl="3" marL="1828800">
+            <a:lvl4pPr marL="1828800" lvl="3" indent="-298450">
               <a:spcBef>
                 <a:spcPts val="0"/>
               </a:spcBef>
@@ -411,7 +431,7 @@
               <a:buChar char="●"/>
               <a:defRPr sz="1100"/>
             </a:lvl4pPr>
-            <a:lvl5pPr indent="-298450" lvl="4" marL="2286000">
+            <a:lvl5pPr marL="2286000" lvl="4" indent="-298450">
               <a:spcBef>
                 <a:spcPts val="0"/>
               </a:spcBef>
@@ -422,7 +442,7 @@
               <a:buChar char="○"/>
               <a:defRPr sz="1100"/>
             </a:lvl5pPr>
-            <a:lvl6pPr indent="-298450" lvl="5" marL="2743200">
+            <a:lvl6pPr marL="2743200" lvl="5" indent="-298450">
               <a:spcBef>
                 <a:spcPts val="0"/>
               </a:spcBef>
@@ -433,7 +453,7 @@
               <a:buChar char="■"/>
               <a:defRPr sz="1100"/>
             </a:lvl6pPr>
-            <a:lvl7pPr indent="-298450" lvl="6" marL="3200400">
+            <a:lvl7pPr marL="3200400" lvl="6" indent="-298450">
               <a:spcBef>
                 <a:spcPts val="0"/>
               </a:spcBef>
@@ -444,7 +464,7 @@
               <a:buChar char="●"/>
               <a:defRPr sz="1100"/>
             </a:lvl7pPr>
-            <a:lvl8pPr indent="-298450" lvl="7" marL="3657600">
+            <a:lvl8pPr marL="3657600" lvl="7" indent="-298450">
               <a:spcBef>
                 <a:spcPts val="0"/>
               </a:spcBef>
@@ -455,7 +475,7 @@
               <a:buChar char="○"/>
               <a:defRPr sz="1100"/>
             </a:lvl8pPr>
-            <a:lvl9pPr indent="-298450" lvl="8" marL="4114800">
+            <a:lvl9pPr marL="4114800" lvl="8" indent="-298450">
               <a:spcBef>
                 <a:spcPts val="0"/>
               </a:spcBef>
@@ -467,14 +487,21 @@
               <a:defRPr sz="1100"/>
             </a:lvl9pPr>
           </a:lstStyle>
-          <a:p/>
+          <a:p>
+            <a:endParaRPr/>
+          </a:p>
         </p:txBody>
       </p:sp>
     </p:spTree>
+    <p:extLst>
+      <p:ext uri="{BB962C8B-B14F-4D97-AF65-F5344CB8AC3E}">
+        <p14:creationId xmlns:p14="http://schemas.microsoft.com/office/powerpoint/2010/main" val="2129916404"/>
+      </p:ext>
+    </p:extLst>
   </p:cSld>
-  <p:clrMap accent1="accent1" accent2="accent2" accent3="accent3" accent4="accent4" accent5="accent5" accent6="accent6" bg1="lt1" bg2="dk2" tx1="dk1" tx2="lt2" folHlink="folHlink" hlink="hlink"/>
+  <p:clrMap bg1="lt1" tx1="dk1" bg2="dk2" tx2="lt2" accent1="accent1" accent2="accent2" accent3="accent3" accent4="accent4" accent5="accent5" accent6="accent6" hlink="hlink" folHlink="folHlink"/>
   <p:notesStyle>
-    <a:defPPr lvl="0" marR="0" rtl="0" algn="l">
+    <a:defPPr marR="0" lvl="0" algn="l" rtl="0">
       <a:lnSpc>
         <a:spcPct val="100000"/>
       </a:lnSpc>
@@ -485,7 +512,7 @@
         <a:spcPts val="0"/>
       </a:spcAft>
     </a:defPPr>
-    <a:lvl1pPr lvl="0" marR="0" rtl="0" algn="l">
+    <a:lvl1pPr marR="0" lvl="0" algn="l" rtl="0">
       <a:lnSpc>
         <a:spcPct val="100000"/>
       </a:lnSpc>
@@ -499,7 +526,7 @@
         <a:srgbClr val="000000"/>
       </a:buClr>
       <a:buFont typeface="Arial"/>
-      <a:defRPr b="0" i="0" sz="1400" u="none" cap="none" strike="noStrike">
+      <a:defRPr sz="1400" b="0" i="0" u="none" strike="noStrike" cap="none">
         <a:solidFill>
           <a:srgbClr val="000000"/>
         </a:solidFill>
@@ -509,7 +536,7 @@
         <a:sym typeface="Arial"/>
       </a:defRPr>
     </a:lvl1pPr>
-    <a:lvl2pPr lvl="1" marR="0" rtl="0" algn="l">
+    <a:lvl2pPr marR="0" lvl="1" algn="l" rtl="0">
       <a:lnSpc>
         <a:spcPct val="100000"/>
       </a:lnSpc>
@@ -523,7 +550,7 @@
         <a:srgbClr val="000000"/>
       </a:buClr>
       <a:buFont typeface="Arial"/>
-      <a:defRPr b="0" i="0" sz="1400" u="none" cap="none" strike="noStrike">
+      <a:defRPr sz="1400" b="0" i="0" u="none" strike="noStrike" cap="none">
         <a:solidFill>
           <a:srgbClr val="000000"/>
         </a:solidFill>
@@ -533,7 +560,7 @@
         <a:sym typeface="Arial"/>
       </a:defRPr>
     </a:lvl2pPr>
-    <a:lvl3pPr lvl="2" marR="0" rtl="0" algn="l">
+    <a:lvl3pPr marR="0" lvl="2" algn="l" rtl="0">
       <a:lnSpc>
         <a:spcPct val="100000"/>
       </a:lnSpc>
@@ -547,7 +574,7 @@
         <a:srgbClr val="000000"/>
       </a:buClr>
       <a:buFont typeface="Arial"/>
-      <a:defRPr b="0" i="0" sz="1400" u="none" cap="none" strike="noStrike">
+      <a:defRPr sz="1400" b="0" i="0" u="none" strike="noStrike" cap="none">
         <a:solidFill>
           <a:srgbClr val="000000"/>
         </a:solidFill>
@@ -557,7 +584,7 @@
         <a:sym typeface="Arial"/>
       </a:defRPr>
     </a:lvl3pPr>
-    <a:lvl4pPr lvl="3" marR="0" rtl="0" algn="l">
+    <a:lvl4pPr marR="0" lvl="3" algn="l" rtl="0">
       <a:lnSpc>
         <a:spcPct val="100000"/>
       </a:lnSpc>
@@ -571,7 +598,7 @@
         <a:srgbClr val="000000"/>
       </a:buClr>
       <a:buFont typeface="Arial"/>
-      <a:defRPr b="0" i="0" sz="1400" u="none" cap="none" strike="noStrike">
+      <a:defRPr sz="1400" b="0" i="0" u="none" strike="noStrike" cap="none">
         <a:solidFill>
           <a:srgbClr val="000000"/>
         </a:solidFill>
@@ -581,7 +608,7 @@
         <a:sym typeface="Arial"/>
       </a:defRPr>
     </a:lvl4pPr>
-    <a:lvl5pPr lvl="4" marR="0" rtl="0" algn="l">
+    <a:lvl5pPr marR="0" lvl="4" algn="l" rtl="0">
       <a:lnSpc>
         <a:spcPct val="100000"/>
       </a:lnSpc>
@@ -595,7 +622,7 @@
         <a:srgbClr val="000000"/>
       </a:buClr>
       <a:buFont typeface="Arial"/>
-      <a:defRPr b="0" i="0" sz="1400" u="none" cap="none" strike="noStrike">
+      <a:defRPr sz="1400" b="0" i="0" u="none" strike="noStrike" cap="none">
         <a:solidFill>
           <a:srgbClr val="000000"/>
         </a:solidFill>
@@ -605,7 +632,7 @@
         <a:sym typeface="Arial"/>
       </a:defRPr>
     </a:lvl5pPr>
-    <a:lvl6pPr lvl="5" marR="0" rtl="0" algn="l">
+    <a:lvl6pPr marR="0" lvl="5" algn="l" rtl="0">
       <a:lnSpc>
         <a:spcPct val="100000"/>
       </a:lnSpc>
@@ -619,7 +646,7 @@
         <a:srgbClr val="000000"/>
       </a:buClr>
       <a:buFont typeface="Arial"/>
-      <a:defRPr b="0" i="0" sz="1400" u="none" cap="none" strike="noStrike">
+      <a:defRPr sz="1400" b="0" i="0" u="none" strike="noStrike" cap="none">
         <a:solidFill>
           <a:srgbClr val="000000"/>
         </a:solidFill>
@@ -629,7 +656,7 @@
         <a:sym typeface="Arial"/>
       </a:defRPr>
     </a:lvl6pPr>
-    <a:lvl7pPr lvl="6" marR="0" rtl="0" algn="l">
+    <a:lvl7pPr marR="0" lvl="6" algn="l" rtl="0">
       <a:lnSpc>
         <a:spcPct val="100000"/>
       </a:lnSpc>
@@ -643,7 +670,7 @@
         <a:srgbClr val="000000"/>
       </a:buClr>
       <a:buFont typeface="Arial"/>
-      <a:defRPr b="0" i="0" sz="1400" u="none" cap="none" strike="noStrike">
+      <a:defRPr sz="1400" b="0" i="0" u="none" strike="noStrike" cap="none">
         <a:solidFill>
           <a:srgbClr val="000000"/>
         </a:solidFill>
@@ -653,7 +680,7 @@
         <a:sym typeface="Arial"/>
       </a:defRPr>
     </a:lvl7pPr>
-    <a:lvl8pPr lvl="7" marR="0" rtl="0" algn="l">
+    <a:lvl8pPr marR="0" lvl="7" algn="l" rtl="0">
       <a:lnSpc>
         <a:spcPct val="100000"/>
       </a:lnSpc>
@@ -667,7 +694,7 @@
         <a:srgbClr val="000000"/>
       </a:buClr>
       <a:buFont typeface="Arial"/>
-      <a:defRPr b="0" i="0" sz="1400" u="none" cap="none" strike="noStrike">
+      <a:defRPr sz="1400" b="0" i="0" u="none" strike="noStrike" cap="none">
         <a:solidFill>
           <a:srgbClr val="000000"/>
         </a:solidFill>
@@ -677,7 +704,7 @@
         <a:sym typeface="Arial"/>
       </a:defRPr>
     </a:lvl8pPr>
-    <a:lvl9pPr lvl="8" marR="0" rtl="0" algn="l">
+    <a:lvl9pPr marR="0" lvl="8" algn="l" rtl="0">
       <a:lnSpc>
         <a:spcPct val="100000"/>
       </a:lnSpc>
@@ -691,7 +718,7 @@
         <a:srgbClr val="000000"/>
       </a:buClr>
       <a:buFont typeface="Arial"/>
-      <a:defRPr b="0" i="0" sz="1400" u="none" cap="none" strike="noStrike">
+      <a:defRPr sz="1400" b="0" i="0" u="none" strike="noStrike" cap="none">
         <a:solidFill>
           <a:srgbClr val="000000"/>
         </a:solidFill>
@@ -706,11 +733,11 @@
 </file>
 
 <file path=ppt/notesSlides/notesSlide1.xml><?xml version="1.0" encoding="utf-8"?>
-<p:notes xmlns:a="http://schemas.openxmlformats.org/drawingml/2006/main" xmlns:r="http://schemas.openxmlformats.org/officeDocument/2006/relationships" xmlns:mc="http://schemas.openxmlformats.org/markup-compatibility/2006" xmlns:mv="urn:schemas-microsoft-com:mac:vml" xmlns:p="http://schemas.openxmlformats.org/presentationml/2006/main" xmlns:c="http://schemas.openxmlformats.org/drawingml/2006/chart" xmlns:dgm="http://schemas.openxmlformats.org/drawingml/2006/diagram" xmlns:o="urn:schemas-microsoft-com:office:office" xmlns:v="urn:schemas-microsoft-com:vml" xmlns:pvml="urn:schemas-microsoft-com:office:powerpoint" xmlns:com="http://schemas.openxmlformats.org/drawingml/2006/compatibility" xmlns:p14="http://schemas.microsoft.com/office/powerpoint/2010/main" xmlns:p15="http://schemas.microsoft.com/office/powerpoint/2012/main" showMasterPhAnim="0" showMasterSp="0">
+<p:notes xmlns:a="http://schemas.openxmlformats.org/drawingml/2006/main" xmlns:r="http://schemas.openxmlformats.org/officeDocument/2006/relationships" xmlns:p="http://schemas.openxmlformats.org/presentationml/2006/main" showMasterSp="0" showMasterPhAnim="0">
   <p:cSld>
     <p:spTree>
       <p:nvGrpSpPr>
-        <p:cNvPr id="80" name="Shape 80"/>
+        <p:cNvPr id="1" name="Shape 80"/>
         <p:cNvGrpSpPr/>
         <p:nvPr/>
       </p:nvGrpSpPr>
@@ -725,9 +752,11 @@
       <p:sp>
         <p:nvSpPr>
           <p:cNvPr id="81" name="Google Shape;81;p1:notes"/>
-          <p:cNvSpPr txBox="1"/>
+          <p:cNvSpPr txBox="1">
+            <a:spLocks noGrp="1"/>
+          </p:cNvSpPr>
           <p:nvPr>
-            <p:ph idx="1" type="body"/>
+            <p:ph type="body" idx="1"/>
           </p:nvPr>
         </p:nvSpPr>
         <p:spPr>
@@ -740,12 +769,12 @@
           </a:prstGeom>
         </p:spPr>
         <p:txBody>
-          <a:bodyPr anchorCtr="0" anchor="t" bIns="91425" lIns="91425" spcFirstLastPara="1" rIns="91425" wrap="square" tIns="91425">
+          <a:bodyPr spcFirstLastPara="1" wrap="square" lIns="91425" tIns="91425" rIns="91425" bIns="91425" anchor="t" anchorCtr="0">
             <a:noAutofit/>
           </a:bodyPr>
           <a:lstStyle/>
           <a:p>
-            <a:pPr indent="0" lvl="0" marL="0" rtl="0" algn="l">
+            <a:pPr marL="0" lvl="0" indent="0" algn="l" rtl="0">
               <a:spcBef>
                 <a:spcPts val="0"/>
               </a:spcBef>
@@ -754,9 +783,6 @@
               </a:spcAft>
               <a:buNone/>
             </a:pPr>
-            <a:r>
-              <a:t/>
-            </a:r>
             <a:endParaRPr/>
           </a:p>
         </p:txBody>
@@ -764,9 +790,11 @@
       <p:sp>
         <p:nvSpPr>
           <p:cNvPr id="82" name="Google Shape;82;p1:notes"/>
-          <p:cNvSpPr/>
+          <p:cNvSpPr>
+            <a:spLocks noGrp="1" noRot="1" noChangeAspect="1"/>
+          </p:cNvSpPr>
           <p:nvPr>
-            <p:ph idx="2" type="sldImg"/>
+            <p:ph type="sldImg" idx="2"/>
           </p:nvPr>
         </p:nvSpPr>
         <p:spPr>
@@ -775,9 +803,13 @@
             <a:ext cx="4572225" cy="3429000"/>
           </a:xfrm>
           <a:custGeom>
-            <a:rect b="b" l="l" r="r" t="t"/>
+            <a:avLst/>
+            <a:gdLst/>
+            <a:ahLst/>
+            <a:cxnLst/>
+            <a:rect l="l" t="t" r="r" b="b"/>
             <a:pathLst>
-              <a:path extrusionOk="0" h="120000" w="120000">
+              <a:path w="120000" h="120000" extrusionOk="0">
                 <a:moveTo>
                   <a:pt x="0" y="0"/>
                 </a:moveTo>
@@ -805,11 +837,11 @@
 </file>
 
 <file path=ppt/notesSlides/notesSlide2.xml><?xml version="1.0" encoding="utf-8"?>
-<p:notes xmlns:a="http://schemas.openxmlformats.org/drawingml/2006/main" xmlns:r="http://schemas.openxmlformats.org/officeDocument/2006/relationships" xmlns:mc="http://schemas.openxmlformats.org/markup-compatibility/2006" xmlns:mv="urn:schemas-microsoft-com:mac:vml" xmlns:p="http://schemas.openxmlformats.org/presentationml/2006/main" xmlns:c="http://schemas.openxmlformats.org/drawingml/2006/chart" xmlns:dgm="http://schemas.openxmlformats.org/drawingml/2006/diagram" xmlns:o="urn:schemas-microsoft-com:office:office" xmlns:v="urn:schemas-microsoft-com:vml" xmlns:pvml="urn:schemas-microsoft-com:office:powerpoint" xmlns:com="http://schemas.openxmlformats.org/drawingml/2006/compatibility" xmlns:p14="http://schemas.microsoft.com/office/powerpoint/2010/main" xmlns:p15="http://schemas.microsoft.com/office/powerpoint/2012/main" showMasterPhAnim="0" showMasterSp="0">
+<p:notes xmlns:a="http://schemas.openxmlformats.org/drawingml/2006/main" xmlns:r="http://schemas.openxmlformats.org/officeDocument/2006/relationships" xmlns:p="http://schemas.openxmlformats.org/presentationml/2006/main" showMasterSp="0" showMasterPhAnim="0">
   <p:cSld>
     <p:spTree>
       <p:nvGrpSpPr>
-        <p:cNvPr id="87" name="Shape 87"/>
+        <p:cNvPr id="1" name="Shape 87"/>
         <p:cNvGrpSpPr/>
         <p:nvPr/>
       </p:nvGrpSpPr>
@@ -824,9 +856,11 @@
       <p:sp>
         <p:nvSpPr>
           <p:cNvPr id="88" name="Google Shape;88;g76ab66ba04_0_0:notes"/>
-          <p:cNvSpPr txBox="1"/>
+          <p:cNvSpPr txBox="1">
+            <a:spLocks noGrp="1"/>
+          </p:cNvSpPr>
           <p:nvPr>
-            <p:ph idx="1" type="body"/>
+            <p:ph type="body" idx="1"/>
           </p:nvPr>
         </p:nvSpPr>
         <p:spPr>
@@ -839,12 +873,12 @@
           </a:prstGeom>
         </p:spPr>
         <p:txBody>
-          <a:bodyPr anchorCtr="0" anchor="t" bIns="91425" lIns="91425" spcFirstLastPara="1" rIns="91425" wrap="square" tIns="91425">
+          <a:bodyPr spcFirstLastPara="1" wrap="square" lIns="91425" tIns="91425" rIns="91425" bIns="91425" anchor="t" anchorCtr="0">
             <a:noAutofit/>
           </a:bodyPr>
           <a:lstStyle/>
           <a:p>
-            <a:pPr indent="0" lvl="0" marL="0" rtl="0" algn="l">
+            <a:pPr marL="0" lvl="0" indent="0" algn="l" rtl="0">
               <a:spcBef>
                 <a:spcPts val="0"/>
               </a:spcBef>
@@ -853,9 +887,6 @@
               </a:spcAft>
               <a:buNone/>
             </a:pPr>
-            <a:r>
-              <a:t/>
-            </a:r>
             <a:endParaRPr/>
           </a:p>
         </p:txBody>
@@ -863,9 +894,11 @@
       <p:sp>
         <p:nvSpPr>
           <p:cNvPr id="89" name="Google Shape;89;g76ab66ba04_0_0:notes"/>
-          <p:cNvSpPr/>
+          <p:cNvSpPr>
+            <a:spLocks noGrp="1" noRot="1" noChangeAspect="1"/>
+          </p:cNvSpPr>
           <p:nvPr>
-            <p:ph idx="2" type="sldImg"/>
+            <p:ph type="sldImg" idx="2"/>
           </p:nvPr>
         </p:nvSpPr>
         <p:spPr>
@@ -874,9 +907,13 @@
             <a:ext cx="4572300" cy="3429000"/>
           </a:xfrm>
           <a:custGeom>
-            <a:rect b="b" l="l" r="r" t="t"/>
+            <a:avLst/>
+            <a:gdLst/>
+            <a:ahLst/>
+            <a:cxnLst/>
+            <a:rect l="l" t="t" r="r" b="b"/>
             <a:pathLst>
-              <a:path extrusionOk="0" h="120000" w="120000">
+              <a:path w="120000" h="120000" extrusionOk="0">
                 <a:moveTo>
                   <a:pt x="0" y="0"/>
                 </a:moveTo>
@@ -904,11 +941,11 @@
 </file>
 
 <file path=ppt/notesSlides/notesSlide3.xml><?xml version="1.0" encoding="utf-8"?>
-<p:notes xmlns:a="http://schemas.openxmlformats.org/drawingml/2006/main" xmlns:r="http://schemas.openxmlformats.org/officeDocument/2006/relationships" xmlns:mc="http://schemas.openxmlformats.org/markup-compatibility/2006" xmlns:mv="urn:schemas-microsoft-com:mac:vml" xmlns:p="http://schemas.openxmlformats.org/presentationml/2006/main" xmlns:c="http://schemas.openxmlformats.org/drawingml/2006/chart" xmlns:dgm="http://schemas.openxmlformats.org/drawingml/2006/diagram" xmlns:o="urn:schemas-microsoft-com:office:office" xmlns:v="urn:schemas-microsoft-com:vml" xmlns:pvml="urn:schemas-microsoft-com:office:powerpoint" xmlns:com="http://schemas.openxmlformats.org/drawingml/2006/compatibility" xmlns:p14="http://schemas.microsoft.com/office/powerpoint/2010/main" xmlns:p15="http://schemas.microsoft.com/office/powerpoint/2012/main" showMasterPhAnim="0" showMasterSp="0">
+<p:notes xmlns:a="http://schemas.openxmlformats.org/drawingml/2006/main" xmlns:r="http://schemas.openxmlformats.org/officeDocument/2006/relationships" xmlns:p="http://schemas.openxmlformats.org/presentationml/2006/main" showMasterSp="0" showMasterPhAnim="0">
   <p:cSld>
     <p:spTree>
       <p:nvGrpSpPr>
-        <p:cNvPr id="97" name="Shape 97"/>
+        <p:cNvPr id="1" name="Shape 97"/>
         <p:cNvGrpSpPr/>
         <p:nvPr/>
       </p:nvGrpSpPr>
@@ -923,9 +960,11 @@
       <p:sp>
         <p:nvSpPr>
           <p:cNvPr id="98" name="Google Shape;98;g76ab66badd_0_0:notes"/>
-          <p:cNvSpPr txBox="1"/>
+          <p:cNvSpPr txBox="1">
+            <a:spLocks noGrp="1"/>
+          </p:cNvSpPr>
           <p:nvPr>
-            <p:ph idx="1" type="body"/>
+            <p:ph type="body" idx="1"/>
           </p:nvPr>
         </p:nvSpPr>
         <p:spPr>
@@ -938,12 +977,12 @@
           </a:prstGeom>
         </p:spPr>
         <p:txBody>
-          <a:bodyPr anchorCtr="0" anchor="t" bIns="91425" lIns="91425" spcFirstLastPara="1" rIns="91425" wrap="square" tIns="91425">
+          <a:bodyPr spcFirstLastPara="1" wrap="square" lIns="91425" tIns="91425" rIns="91425" bIns="91425" anchor="t" anchorCtr="0">
             <a:noAutofit/>
           </a:bodyPr>
           <a:lstStyle/>
           <a:p>
-            <a:pPr indent="0" lvl="0" marL="0" rtl="0" algn="l">
+            <a:pPr marL="0" lvl="0" indent="0" algn="l" rtl="0">
               <a:spcBef>
                 <a:spcPts val="0"/>
               </a:spcBef>
@@ -952,9 +991,6 @@
               </a:spcAft>
               <a:buNone/>
             </a:pPr>
-            <a:r>
-              <a:t/>
-            </a:r>
             <a:endParaRPr/>
           </a:p>
         </p:txBody>
@@ -962,20 +998,26 @@
       <p:sp>
         <p:nvSpPr>
           <p:cNvPr id="99" name="Google Shape;99;g76ab66badd_0_0:notes"/>
-          <p:cNvSpPr/>
+          <p:cNvSpPr>
+            <a:spLocks noGrp="1" noRot="1" noChangeAspect="1"/>
+          </p:cNvSpPr>
           <p:nvPr>
-            <p:ph idx="2" type="sldImg"/>
+            <p:ph type="sldImg" idx="2"/>
           </p:nvPr>
         </p:nvSpPr>
         <p:spPr>
           <a:xfrm>
-            <a:off x="1143225" y="685800"/>
-            <a:ext cx="4572300" cy="3429000"/>
+            <a:off x="381000" y="685800"/>
+            <a:ext cx="6096000" cy="3429000"/>
           </a:xfrm>
           <a:custGeom>
-            <a:rect b="b" l="l" r="r" t="t"/>
+            <a:avLst/>
+            <a:gdLst/>
+            <a:ahLst/>
+            <a:cxnLst/>
+            <a:rect l="l" t="t" r="r" b="b"/>
             <a:pathLst>
-              <a:path extrusionOk="0" h="120000" w="120000">
+              <a:path w="120000" h="120000" extrusionOk="0">
                 <a:moveTo>
                   <a:pt x="0" y="0"/>
                 </a:moveTo>
@@ -1003,11 +1045,11 @@
 </file>
 
 <file path=ppt/notesSlides/notesSlide4.xml><?xml version="1.0" encoding="utf-8"?>
-<p:notes xmlns:a="http://schemas.openxmlformats.org/drawingml/2006/main" xmlns:r="http://schemas.openxmlformats.org/officeDocument/2006/relationships" xmlns:mc="http://schemas.openxmlformats.org/markup-compatibility/2006" xmlns:mv="urn:schemas-microsoft-com:mac:vml" xmlns:p="http://schemas.openxmlformats.org/presentationml/2006/main" xmlns:c="http://schemas.openxmlformats.org/drawingml/2006/chart" xmlns:dgm="http://schemas.openxmlformats.org/drawingml/2006/diagram" xmlns:o="urn:schemas-microsoft-com:office:office" xmlns:v="urn:schemas-microsoft-com:vml" xmlns:pvml="urn:schemas-microsoft-com:office:powerpoint" xmlns:com="http://schemas.openxmlformats.org/drawingml/2006/compatibility" xmlns:p14="http://schemas.microsoft.com/office/powerpoint/2010/main" xmlns:p15="http://schemas.microsoft.com/office/powerpoint/2012/main" showMasterPhAnim="0" showMasterSp="0">
+<p:notes xmlns:a="http://schemas.openxmlformats.org/drawingml/2006/main" xmlns:r="http://schemas.openxmlformats.org/officeDocument/2006/relationships" xmlns:p="http://schemas.openxmlformats.org/presentationml/2006/main" showMasterSp="0" showMasterPhAnim="0">
   <p:cSld>
     <p:spTree>
       <p:nvGrpSpPr>
-        <p:cNvPr id="115" name="Shape 115"/>
+        <p:cNvPr id="1" name="Shape 115"/>
         <p:cNvGrpSpPr/>
         <p:nvPr/>
       </p:nvGrpSpPr>
@@ -1022,9 +1064,11 @@
       <p:sp>
         <p:nvSpPr>
           <p:cNvPr id="116" name="Google Shape;116;p8:notes"/>
-          <p:cNvSpPr txBox="1"/>
+          <p:cNvSpPr txBox="1">
+            <a:spLocks noGrp="1"/>
+          </p:cNvSpPr>
           <p:nvPr>
-            <p:ph idx="1" type="body"/>
+            <p:ph type="body" idx="1"/>
           </p:nvPr>
         </p:nvSpPr>
         <p:spPr>
@@ -1037,12 +1081,12 @@
           </a:prstGeom>
         </p:spPr>
         <p:txBody>
-          <a:bodyPr anchorCtr="0" anchor="t" bIns="91425" lIns="91425" spcFirstLastPara="1" rIns="91425" wrap="square" tIns="91425">
+          <a:bodyPr spcFirstLastPara="1" wrap="square" lIns="91425" tIns="91425" rIns="91425" bIns="91425" anchor="t" anchorCtr="0">
             <a:noAutofit/>
           </a:bodyPr>
           <a:lstStyle/>
           <a:p>
-            <a:pPr indent="0" lvl="0" marL="0" rtl="0" algn="l">
+            <a:pPr marL="0" lvl="0" indent="0" algn="l" rtl="0">
               <a:spcBef>
                 <a:spcPts val="0"/>
               </a:spcBef>
@@ -1051,9 +1095,6 @@
               </a:spcAft>
               <a:buNone/>
             </a:pPr>
-            <a:r>
-              <a:t/>
-            </a:r>
             <a:endParaRPr/>
           </a:p>
         </p:txBody>
@@ -1061,9 +1102,11 @@
       <p:sp>
         <p:nvSpPr>
           <p:cNvPr id="117" name="Google Shape;117;p8:notes"/>
-          <p:cNvSpPr/>
+          <p:cNvSpPr>
+            <a:spLocks noGrp="1" noRot="1" noChangeAspect="1"/>
+          </p:cNvSpPr>
           <p:nvPr>
-            <p:ph idx="2" type="sldImg"/>
+            <p:ph type="sldImg" idx="2"/>
           </p:nvPr>
         </p:nvSpPr>
         <p:spPr>
@@ -1072,9 +1115,13 @@
             <a:ext cx="4572225" cy="3429000"/>
           </a:xfrm>
           <a:custGeom>
-            <a:rect b="b" l="l" r="r" t="t"/>
+            <a:avLst/>
+            <a:gdLst/>
+            <a:ahLst/>
+            <a:cxnLst/>
+            <a:rect l="l" t="t" r="r" b="b"/>
             <a:pathLst>
-              <a:path extrusionOk="0" h="120000" w="120000">
+              <a:path w="120000" h="120000" extrusionOk="0">
                 <a:moveTo>
                   <a:pt x="0" y="0"/>
                 </a:moveTo>
@@ -1102,11 +1149,11 @@
 </file>
 
 <file path=ppt/slideLayouts/slideLayout1.xml><?xml version="1.0" encoding="utf-8"?>
-<p:sldLayout xmlns:a="http://schemas.openxmlformats.org/drawingml/2006/main" xmlns:r="http://schemas.openxmlformats.org/officeDocument/2006/relationships" xmlns:mc="http://schemas.openxmlformats.org/markup-compatibility/2006" xmlns:mv="urn:schemas-microsoft-com:mac:vml" xmlns:p="http://schemas.openxmlformats.org/presentationml/2006/main" xmlns:c="http://schemas.openxmlformats.org/drawingml/2006/chart" xmlns:dgm="http://schemas.openxmlformats.org/drawingml/2006/diagram" xmlns:o="urn:schemas-microsoft-com:office:office" xmlns:v="urn:schemas-microsoft-com:vml" xmlns:pvml="urn:schemas-microsoft-com:office:powerpoint" xmlns:com="http://schemas.openxmlformats.org/drawingml/2006/compatibility" xmlns:p14="http://schemas.microsoft.com/office/powerpoint/2010/main" xmlns:p15="http://schemas.microsoft.com/office/powerpoint/2012/main" matchingName="Slide de título" type="title">
+<p:sldLayout xmlns:a="http://schemas.openxmlformats.org/drawingml/2006/main" xmlns:r="http://schemas.openxmlformats.org/officeDocument/2006/relationships" xmlns:p="http://schemas.openxmlformats.org/presentationml/2006/main" matchingName="Slide de título" type="title">
   <p:cSld name="TITLE">
     <p:spTree>
       <p:nvGrpSpPr>
-        <p:cNvPr id="11" name="Shape 11"/>
+        <p:cNvPr id="1" name="Shape 11"/>
         <p:cNvGrpSpPr/>
         <p:nvPr/>
       </p:nvGrpSpPr>
@@ -1121,7 +1168,9 @@
       <p:sp>
         <p:nvSpPr>
           <p:cNvPr id="12" name="Google Shape;12;p2"/>
-          <p:cNvSpPr txBox="1"/>
+          <p:cNvSpPr txBox="1">
+            <a:spLocks noGrp="1"/>
+          </p:cNvSpPr>
           <p:nvPr>
             <p:ph type="ctrTitle"/>
           </p:nvPr>
@@ -1140,7 +1189,7 @@
           </a:ln>
         </p:spPr>
         <p:txBody>
-          <a:bodyPr anchorCtr="0" anchor="b" bIns="45700" lIns="91425" spcFirstLastPara="1" rIns="91425" wrap="square" tIns="45700">
+          <a:bodyPr spcFirstLastPara="1" wrap="square" lIns="91425" tIns="45700" rIns="91425" bIns="45700" anchor="b" anchorCtr="0">
             <a:noAutofit/>
           </a:bodyPr>
           <a:lstStyle>
@@ -1251,15 +1300,19 @@
               <a:defRPr/>
             </a:lvl9pPr>
           </a:lstStyle>
-          <a:p/>
+          <a:p>
+            <a:endParaRPr/>
+          </a:p>
         </p:txBody>
       </p:sp>
       <p:sp>
         <p:nvSpPr>
           <p:cNvPr id="13" name="Google Shape;13;p2"/>
-          <p:cNvSpPr txBox="1"/>
+          <p:cNvSpPr txBox="1">
+            <a:spLocks noGrp="1"/>
+          </p:cNvSpPr>
           <p:nvPr>
-            <p:ph idx="1" type="subTitle"/>
+            <p:ph type="subTitle" idx="1"/>
           </p:nvPr>
         </p:nvSpPr>
         <p:spPr>
@@ -1276,7 +1329,7 @@
           </a:ln>
         </p:spPr>
         <p:txBody>
-          <a:bodyPr anchorCtr="0" anchor="t" bIns="45700" lIns="91425" spcFirstLastPara="1" rIns="91425" wrap="square" tIns="45700">
+          <a:bodyPr spcFirstLastPara="1" wrap="square" lIns="91425" tIns="45700" rIns="91425" bIns="45700" anchor="t" anchorCtr="0">
             <a:noAutofit/>
           </a:bodyPr>
           <a:lstStyle>
@@ -1434,15 +1487,19 @@
               <a:defRPr sz="1600"/>
             </a:lvl9pPr>
           </a:lstStyle>
-          <a:p/>
+          <a:p>
+            <a:endParaRPr/>
+          </a:p>
         </p:txBody>
       </p:sp>
       <p:sp>
         <p:nvSpPr>
           <p:cNvPr id="14" name="Google Shape;14;p2"/>
-          <p:cNvSpPr txBox="1"/>
+          <p:cNvSpPr txBox="1">
+            <a:spLocks noGrp="1"/>
+          </p:cNvSpPr>
           <p:nvPr>
-            <p:ph idx="10" type="dt"/>
+            <p:ph type="dt" idx="10"/>
           </p:nvPr>
         </p:nvSpPr>
         <p:spPr>
@@ -1459,7 +1516,7 @@
           </a:ln>
         </p:spPr>
         <p:txBody>
-          <a:bodyPr anchorCtr="0" anchor="ctr" bIns="45700" lIns="91425" spcFirstLastPara="1" rIns="91425" wrap="square" tIns="45700">
+          <a:bodyPr spcFirstLastPara="1" wrap="square" lIns="91425" tIns="45700" rIns="91425" bIns="45700" anchor="ctr" anchorCtr="0">
             <a:noAutofit/>
           </a:bodyPr>
           <a:lstStyle>
@@ -1563,15 +1620,19 @@
               <a:defRPr/>
             </a:lvl9pPr>
           </a:lstStyle>
-          <a:p/>
+          <a:p>
+            <a:endParaRPr/>
+          </a:p>
         </p:txBody>
       </p:sp>
       <p:sp>
         <p:nvSpPr>
           <p:cNvPr id="15" name="Google Shape;15;p2"/>
-          <p:cNvSpPr txBox="1"/>
+          <p:cNvSpPr txBox="1">
+            <a:spLocks noGrp="1"/>
+          </p:cNvSpPr>
           <p:nvPr>
-            <p:ph idx="11" type="ftr"/>
+            <p:ph type="ftr" idx="11"/>
           </p:nvPr>
         </p:nvSpPr>
         <p:spPr>
@@ -1588,7 +1649,7 @@
           </a:ln>
         </p:spPr>
         <p:txBody>
-          <a:bodyPr anchorCtr="0" anchor="ctr" bIns="45700" lIns="91425" spcFirstLastPara="1" rIns="91425" wrap="square" tIns="45700">
+          <a:bodyPr spcFirstLastPara="1" wrap="square" lIns="91425" tIns="45700" rIns="91425" bIns="45700" anchor="ctr" anchorCtr="0">
             <a:noAutofit/>
           </a:bodyPr>
           <a:lstStyle>
@@ -1692,15 +1753,19 @@
               <a:defRPr/>
             </a:lvl9pPr>
           </a:lstStyle>
-          <a:p/>
+          <a:p>
+            <a:endParaRPr/>
+          </a:p>
         </p:txBody>
       </p:sp>
       <p:sp>
         <p:nvSpPr>
           <p:cNvPr id="16" name="Google Shape;16;p2"/>
-          <p:cNvSpPr txBox="1"/>
+          <p:cNvSpPr txBox="1">
+            <a:spLocks noGrp="1"/>
+          </p:cNvSpPr>
           <p:nvPr>
-            <p:ph idx="12" type="sldNum"/>
+            <p:ph type="sldNum" idx="12"/>
           </p:nvPr>
         </p:nvSpPr>
         <p:spPr>
@@ -1717,67 +1782,67 @@
           </a:ln>
         </p:spPr>
         <p:txBody>
-          <a:bodyPr anchorCtr="0" anchor="ctr" bIns="45700" lIns="91425" spcFirstLastPara="1" rIns="91425" wrap="square" tIns="45700">
+          <a:bodyPr spcFirstLastPara="1" wrap="square" lIns="91425" tIns="45700" rIns="91425" bIns="45700" anchor="ctr" anchorCtr="0">
             <a:noAutofit/>
           </a:bodyPr>
           <a:lstStyle>
-            <a:lvl1pPr indent="0" lvl="0" marL="0" algn="r">
+            <a:lvl1pPr marL="0" lvl="0" indent="0" algn="r">
               <a:spcBef>
                 <a:spcPts val="0"/>
               </a:spcBef>
               <a:buNone/>
               <a:defRPr/>
             </a:lvl1pPr>
-            <a:lvl2pPr indent="0" lvl="1" marL="0" algn="r">
+            <a:lvl2pPr marL="0" lvl="1" indent="0" algn="r">
               <a:spcBef>
                 <a:spcPts val="0"/>
               </a:spcBef>
               <a:buNone/>
               <a:defRPr/>
             </a:lvl2pPr>
-            <a:lvl3pPr indent="0" lvl="2" marL="0" algn="r">
+            <a:lvl3pPr marL="0" lvl="2" indent="0" algn="r">
               <a:spcBef>
                 <a:spcPts val="0"/>
               </a:spcBef>
               <a:buNone/>
               <a:defRPr/>
             </a:lvl3pPr>
-            <a:lvl4pPr indent="0" lvl="3" marL="0" algn="r">
+            <a:lvl4pPr marL="0" lvl="3" indent="0" algn="r">
               <a:spcBef>
                 <a:spcPts val="0"/>
               </a:spcBef>
               <a:buNone/>
               <a:defRPr/>
             </a:lvl4pPr>
-            <a:lvl5pPr indent="0" lvl="4" marL="0" algn="r">
+            <a:lvl5pPr marL="0" lvl="4" indent="0" algn="r">
               <a:spcBef>
                 <a:spcPts val="0"/>
               </a:spcBef>
               <a:buNone/>
               <a:defRPr/>
             </a:lvl5pPr>
-            <a:lvl6pPr indent="0" lvl="5" marL="0" algn="r">
+            <a:lvl6pPr marL="0" lvl="5" indent="0" algn="r">
               <a:spcBef>
                 <a:spcPts val="0"/>
               </a:spcBef>
               <a:buNone/>
               <a:defRPr/>
             </a:lvl6pPr>
-            <a:lvl7pPr indent="0" lvl="6" marL="0" algn="r">
+            <a:lvl7pPr marL="0" lvl="6" indent="0" algn="r">
               <a:spcBef>
                 <a:spcPts val="0"/>
               </a:spcBef>
               <a:buNone/>
               <a:defRPr/>
             </a:lvl7pPr>
-            <a:lvl8pPr indent="0" lvl="7" marL="0" algn="r">
+            <a:lvl8pPr marL="0" lvl="7" indent="0" algn="r">
               <a:spcBef>
                 <a:spcPts val="0"/>
               </a:spcBef>
               <a:buNone/>
               <a:defRPr/>
             </a:lvl8pPr>
-            <a:lvl9pPr indent="0" lvl="8" marL="0" algn="r">
+            <a:lvl9pPr marL="0" lvl="8" indent="0" algn="r">
               <a:spcBef>
                 <a:spcPts val="0"/>
               </a:spcBef>
@@ -1786,7 +1851,7 @@
             </a:lvl9pPr>
           </a:lstStyle>
           <a:p>
-            <a:pPr indent="0" lvl="0" marL="0" rtl="0" algn="r">
+            <a:pPr marL="0" lvl="0" indent="0" algn="r" rtl="0">
               <a:spcBef>
                 <a:spcPts val="0"/>
               </a:spcBef>
@@ -1797,7 +1862,7 @@
             </a:pPr>
             <a:fld id="{00000000-1234-1234-1234-123412341234}" type="slidenum">
               <a:rPr lang="pt-BR"/>
-              <a:t>‹#›</a:t>
+              <a:t>‹nº›</a:t>
             </a:fld>
             <a:endParaRPr/>
           </a:p>
@@ -1812,11 +1877,11 @@
 </file>
 
 <file path=ppt/slideLayouts/slideLayout10.xml><?xml version="1.0" encoding="utf-8"?>
-<p:sldLayout xmlns:a="http://schemas.openxmlformats.org/drawingml/2006/main" xmlns:r="http://schemas.openxmlformats.org/officeDocument/2006/relationships" xmlns:mc="http://schemas.openxmlformats.org/markup-compatibility/2006" xmlns:mv="urn:schemas-microsoft-com:mac:vml" xmlns:p="http://schemas.openxmlformats.org/presentationml/2006/main" xmlns:c="http://schemas.openxmlformats.org/drawingml/2006/chart" xmlns:dgm="http://schemas.openxmlformats.org/drawingml/2006/diagram" xmlns:o="urn:schemas-microsoft-com:office:office" xmlns:v="urn:schemas-microsoft-com:vml" xmlns:pvml="urn:schemas-microsoft-com:office:powerpoint" xmlns:com="http://schemas.openxmlformats.org/drawingml/2006/compatibility" xmlns:p14="http://schemas.microsoft.com/office/powerpoint/2010/main" xmlns:p15="http://schemas.microsoft.com/office/powerpoint/2012/main" matchingName="Título e texto vertical" type="vertTx">
+<p:sldLayout xmlns:a="http://schemas.openxmlformats.org/drawingml/2006/main" xmlns:r="http://schemas.openxmlformats.org/officeDocument/2006/relationships" xmlns:p="http://schemas.openxmlformats.org/presentationml/2006/main" matchingName="Título e texto vertical" type="vertTx">
   <p:cSld name="VERTICAL_TEXT">
     <p:spTree>
       <p:nvGrpSpPr>
-        <p:cNvPr id="68" name="Shape 68"/>
+        <p:cNvPr id="1" name="Shape 68"/>
         <p:cNvGrpSpPr/>
         <p:nvPr/>
       </p:nvGrpSpPr>
@@ -1831,7 +1896,9 @@
       <p:sp>
         <p:nvSpPr>
           <p:cNvPr id="69" name="Google Shape;69;p11"/>
-          <p:cNvSpPr txBox="1"/>
+          <p:cNvSpPr txBox="1">
+            <a:spLocks noGrp="1"/>
+          </p:cNvSpPr>
           <p:nvPr>
             <p:ph type="title"/>
           </p:nvPr>
@@ -1850,7 +1917,7 @@
           </a:ln>
         </p:spPr>
         <p:txBody>
-          <a:bodyPr anchorCtr="0" anchor="ctr" bIns="45700" lIns="91425" spcFirstLastPara="1" rIns="91425" wrap="square" tIns="45700">
+          <a:bodyPr spcFirstLastPara="1" wrap="square" lIns="91425" tIns="45700" rIns="91425" bIns="45700" anchor="ctr" anchorCtr="0">
             <a:noAutofit/>
           </a:bodyPr>
           <a:lstStyle>
@@ -1960,15 +2027,19 @@
               <a:defRPr/>
             </a:lvl9pPr>
           </a:lstStyle>
-          <a:p/>
+          <a:p>
+            <a:endParaRPr/>
+          </a:p>
         </p:txBody>
       </p:sp>
       <p:sp>
         <p:nvSpPr>
           <p:cNvPr id="70" name="Google Shape;70;p11"/>
-          <p:cNvSpPr txBox="1"/>
+          <p:cNvSpPr txBox="1">
+            <a:spLocks noGrp="1"/>
+          </p:cNvSpPr>
           <p:nvPr>
-            <p:ph idx="1" type="body"/>
+            <p:ph type="body" idx="1"/>
           </p:nvPr>
         </p:nvSpPr>
         <p:spPr>
@@ -1985,11 +2056,11 @@
           </a:ln>
         </p:spPr>
         <p:txBody>
-          <a:bodyPr anchorCtr="0" anchor="t" bIns="45700" lIns="91425" spcFirstLastPara="1" rIns="91425" wrap="square" tIns="45700">
+          <a:bodyPr spcFirstLastPara="1" wrap="square" lIns="91425" tIns="45700" rIns="91425" bIns="45700" anchor="t" anchorCtr="0">
             <a:noAutofit/>
           </a:bodyPr>
           <a:lstStyle>
-            <a:lvl1pPr indent="-342900" lvl="0" marL="457200" algn="l">
+            <a:lvl1pPr marL="457200" lvl="0" indent="-342900" algn="l">
               <a:lnSpc>
                 <a:spcPct val="90000"/>
               </a:lnSpc>
@@ -2006,7 +2077,7 @@
               <a:buChar char="•"/>
               <a:defRPr/>
             </a:lvl1pPr>
-            <a:lvl2pPr indent="-342900" lvl="1" marL="914400" algn="l">
+            <a:lvl2pPr marL="914400" lvl="1" indent="-342900" algn="l">
               <a:lnSpc>
                 <a:spcPct val="90000"/>
               </a:lnSpc>
@@ -2023,7 +2094,7 @@
               <a:buChar char="•"/>
               <a:defRPr/>
             </a:lvl2pPr>
-            <a:lvl3pPr indent="-342900" lvl="2" marL="1371600" algn="l">
+            <a:lvl3pPr marL="1371600" lvl="2" indent="-342900" algn="l">
               <a:lnSpc>
                 <a:spcPct val="90000"/>
               </a:lnSpc>
@@ -2040,7 +2111,7 @@
               <a:buChar char="•"/>
               <a:defRPr/>
             </a:lvl3pPr>
-            <a:lvl4pPr indent="-342900" lvl="3" marL="1828800" algn="l">
+            <a:lvl4pPr marL="1828800" lvl="3" indent="-342900" algn="l">
               <a:lnSpc>
                 <a:spcPct val="90000"/>
               </a:lnSpc>
@@ -2057,7 +2128,7 @@
               <a:buChar char="•"/>
               <a:defRPr/>
             </a:lvl4pPr>
-            <a:lvl5pPr indent="-342900" lvl="4" marL="2286000" algn="l">
+            <a:lvl5pPr marL="2286000" lvl="4" indent="-342900" algn="l">
               <a:lnSpc>
                 <a:spcPct val="90000"/>
               </a:lnSpc>
@@ -2074,7 +2145,7 @@
               <a:buChar char="•"/>
               <a:defRPr/>
             </a:lvl5pPr>
-            <a:lvl6pPr indent="-342900" lvl="5" marL="2743200" algn="l">
+            <a:lvl6pPr marL="2743200" lvl="5" indent="-342900" algn="l">
               <a:lnSpc>
                 <a:spcPct val="90000"/>
               </a:lnSpc>
@@ -2091,7 +2162,7 @@
               <a:buChar char="•"/>
               <a:defRPr/>
             </a:lvl6pPr>
-            <a:lvl7pPr indent="-342900" lvl="6" marL="3200400" algn="l">
+            <a:lvl7pPr marL="3200400" lvl="6" indent="-342900" algn="l">
               <a:lnSpc>
                 <a:spcPct val="90000"/>
               </a:lnSpc>
@@ -2108,7 +2179,7 @@
               <a:buChar char="•"/>
               <a:defRPr/>
             </a:lvl7pPr>
-            <a:lvl8pPr indent="-342900" lvl="7" marL="3657600" algn="l">
+            <a:lvl8pPr marL="3657600" lvl="7" indent="-342900" algn="l">
               <a:lnSpc>
                 <a:spcPct val="90000"/>
               </a:lnSpc>
@@ -2125,7 +2196,7 @@
               <a:buChar char="•"/>
               <a:defRPr/>
             </a:lvl8pPr>
-            <a:lvl9pPr indent="-342900" lvl="8" marL="4114800" algn="l">
+            <a:lvl9pPr marL="4114800" lvl="8" indent="-342900" algn="l">
               <a:lnSpc>
                 <a:spcPct val="90000"/>
               </a:lnSpc>
@@ -2143,15 +2214,19 @@
               <a:defRPr/>
             </a:lvl9pPr>
           </a:lstStyle>
-          <a:p/>
+          <a:p>
+            <a:endParaRPr/>
+          </a:p>
         </p:txBody>
       </p:sp>
       <p:sp>
         <p:nvSpPr>
           <p:cNvPr id="71" name="Google Shape;71;p11"/>
-          <p:cNvSpPr txBox="1"/>
+          <p:cNvSpPr txBox="1">
+            <a:spLocks noGrp="1"/>
+          </p:cNvSpPr>
           <p:nvPr>
-            <p:ph idx="10" type="dt"/>
+            <p:ph type="dt" idx="10"/>
           </p:nvPr>
         </p:nvSpPr>
         <p:spPr>
@@ -2168,7 +2243,7 @@
           </a:ln>
         </p:spPr>
         <p:txBody>
-          <a:bodyPr anchorCtr="0" anchor="ctr" bIns="45700" lIns="91425" spcFirstLastPara="1" rIns="91425" wrap="square" tIns="45700">
+          <a:bodyPr spcFirstLastPara="1" wrap="square" lIns="91425" tIns="45700" rIns="91425" bIns="45700" anchor="ctr" anchorCtr="0">
             <a:noAutofit/>
           </a:bodyPr>
           <a:lstStyle>
@@ -2272,15 +2347,19 @@
               <a:defRPr/>
             </a:lvl9pPr>
           </a:lstStyle>
-          <a:p/>
+          <a:p>
+            <a:endParaRPr/>
+          </a:p>
         </p:txBody>
       </p:sp>
       <p:sp>
         <p:nvSpPr>
           <p:cNvPr id="72" name="Google Shape;72;p11"/>
-          <p:cNvSpPr txBox="1"/>
+          <p:cNvSpPr txBox="1">
+            <a:spLocks noGrp="1"/>
+          </p:cNvSpPr>
           <p:nvPr>
-            <p:ph idx="11" type="ftr"/>
+            <p:ph type="ftr" idx="11"/>
           </p:nvPr>
         </p:nvSpPr>
         <p:spPr>
@@ -2297,7 +2376,7 @@
           </a:ln>
         </p:spPr>
         <p:txBody>
-          <a:bodyPr anchorCtr="0" anchor="ctr" bIns="45700" lIns="91425" spcFirstLastPara="1" rIns="91425" wrap="square" tIns="45700">
+          <a:bodyPr spcFirstLastPara="1" wrap="square" lIns="91425" tIns="45700" rIns="91425" bIns="45700" anchor="ctr" anchorCtr="0">
             <a:noAutofit/>
           </a:bodyPr>
           <a:lstStyle>
@@ -2401,15 +2480,19 @@
               <a:defRPr/>
             </a:lvl9pPr>
           </a:lstStyle>
-          <a:p/>
+          <a:p>
+            <a:endParaRPr/>
+          </a:p>
         </p:txBody>
       </p:sp>
       <p:sp>
         <p:nvSpPr>
           <p:cNvPr id="73" name="Google Shape;73;p11"/>
-          <p:cNvSpPr txBox="1"/>
+          <p:cNvSpPr txBox="1">
+            <a:spLocks noGrp="1"/>
+          </p:cNvSpPr>
           <p:nvPr>
-            <p:ph idx="12" type="sldNum"/>
+            <p:ph type="sldNum" idx="12"/>
           </p:nvPr>
         </p:nvSpPr>
         <p:spPr>
@@ -2426,67 +2509,67 @@
           </a:ln>
         </p:spPr>
         <p:txBody>
-          <a:bodyPr anchorCtr="0" anchor="ctr" bIns="45700" lIns="91425" spcFirstLastPara="1" rIns="91425" wrap="square" tIns="45700">
+          <a:bodyPr spcFirstLastPara="1" wrap="square" lIns="91425" tIns="45700" rIns="91425" bIns="45700" anchor="ctr" anchorCtr="0">
             <a:noAutofit/>
           </a:bodyPr>
           <a:lstStyle>
-            <a:lvl1pPr indent="0" lvl="0" marL="0" algn="r">
+            <a:lvl1pPr marL="0" lvl="0" indent="0" algn="r">
               <a:spcBef>
                 <a:spcPts val="0"/>
               </a:spcBef>
               <a:buNone/>
               <a:defRPr/>
             </a:lvl1pPr>
-            <a:lvl2pPr indent="0" lvl="1" marL="0" algn="r">
+            <a:lvl2pPr marL="0" lvl="1" indent="0" algn="r">
               <a:spcBef>
                 <a:spcPts val="0"/>
               </a:spcBef>
               <a:buNone/>
               <a:defRPr/>
             </a:lvl2pPr>
-            <a:lvl3pPr indent="0" lvl="2" marL="0" algn="r">
+            <a:lvl3pPr marL="0" lvl="2" indent="0" algn="r">
               <a:spcBef>
                 <a:spcPts val="0"/>
               </a:spcBef>
               <a:buNone/>
               <a:defRPr/>
             </a:lvl3pPr>
-            <a:lvl4pPr indent="0" lvl="3" marL="0" algn="r">
+            <a:lvl4pPr marL="0" lvl="3" indent="0" algn="r">
               <a:spcBef>
                 <a:spcPts val="0"/>
               </a:spcBef>
               <a:buNone/>
               <a:defRPr/>
             </a:lvl4pPr>
-            <a:lvl5pPr indent="0" lvl="4" marL="0" algn="r">
+            <a:lvl5pPr marL="0" lvl="4" indent="0" algn="r">
               <a:spcBef>
                 <a:spcPts val="0"/>
               </a:spcBef>
               <a:buNone/>
               <a:defRPr/>
             </a:lvl5pPr>
-            <a:lvl6pPr indent="0" lvl="5" marL="0" algn="r">
+            <a:lvl6pPr marL="0" lvl="5" indent="0" algn="r">
               <a:spcBef>
                 <a:spcPts val="0"/>
               </a:spcBef>
               <a:buNone/>
               <a:defRPr/>
             </a:lvl6pPr>
-            <a:lvl7pPr indent="0" lvl="6" marL="0" algn="r">
+            <a:lvl7pPr marL="0" lvl="6" indent="0" algn="r">
               <a:spcBef>
                 <a:spcPts val="0"/>
               </a:spcBef>
               <a:buNone/>
               <a:defRPr/>
             </a:lvl7pPr>
-            <a:lvl8pPr indent="0" lvl="7" marL="0" algn="r">
+            <a:lvl8pPr marL="0" lvl="7" indent="0" algn="r">
               <a:spcBef>
                 <a:spcPts val="0"/>
               </a:spcBef>
               <a:buNone/>
               <a:defRPr/>
             </a:lvl8pPr>
-            <a:lvl9pPr indent="0" lvl="8" marL="0" algn="r">
+            <a:lvl9pPr marL="0" lvl="8" indent="0" algn="r">
               <a:spcBef>
                 <a:spcPts val="0"/>
               </a:spcBef>
@@ -2495,7 +2578,7 @@
             </a:lvl9pPr>
           </a:lstStyle>
           <a:p>
-            <a:pPr indent="0" lvl="0" marL="0" rtl="0" algn="r">
+            <a:pPr marL="0" lvl="0" indent="0" algn="r" rtl="0">
               <a:spcBef>
                 <a:spcPts val="0"/>
               </a:spcBef>
@@ -2506,7 +2589,7 @@
             </a:pPr>
             <a:fld id="{00000000-1234-1234-1234-123412341234}" type="slidenum">
               <a:rPr lang="pt-BR"/>
-              <a:t>‹#›</a:t>
+              <a:t>‹nº›</a:t>
             </a:fld>
             <a:endParaRPr/>
           </a:p>
@@ -2521,11 +2604,11 @@
 </file>
 
 <file path=ppt/slideLayouts/slideLayout11.xml><?xml version="1.0" encoding="utf-8"?>
-<p:sldLayout xmlns:a="http://schemas.openxmlformats.org/drawingml/2006/main" xmlns:r="http://schemas.openxmlformats.org/officeDocument/2006/relationships" xmlns:mc="http://schemas.openxmlformats.org/markup-compatibility/2006" xmlns:mv="urn:schemas-microsoft-com:mac:vml" xmlns:p="http://schemas.openxmlformats.org/presentationml/2006/main" xmlns:c="http://schemas.openxmlformats.org/drawingml/2006/chart" xmlns:dgm="http://schemas.openxmlformats.org/drawingml/2006/diagram" xmlns:o="urn:schemas-microsoft-com:office:office" xmlns:v="urn:schemas-microsoft-com:vml" xmlns:pvml="urn:schemas-microsoft-com:office:powerpoint" xmlns:com="http://schemas.openxmlformats.org/drawingml/2006/compatibility" xmlns:p14="http://schemas.microsoft.com/office/powerpoint/2010/main" xmlns:p15="http://schemas.microsoft.com/office/powerpoint/2012/main" matchingName="Título e texto verticais" type="vertTitleAndTx">
+<p:sldLayout xmlns:a="http://schemas.openxmlformats.org/drawingml/2006/main" xmlns:r="http://schemas.openxmlformats.org/officeDocument/2006/relationships" xmlns:p="http://schemas.openxmlformats.org/presentationml/2006/main" matchingName="Título e texto verticais" type="vertTitleAndTx">
   <p:cSld name="VERTICAL_TITLE_AND_VERTICAL_TEXT">
     <p:spTree>
       <p:nvGrpSpPr>
-        <p:cNvPr id="74" name="Shape 74"/>
+        <p:cNvPr id="1" name="Shape 74"/>
         <p:cNvGrpSpPr/>
         <p:nvPr/>
       </p:nvGrpSpPr>
@@ -2540,7 +2623,9 @@
       <p:sp>
         <p:nvSpPr>
           <p:cNvPr id="75" name="Google Shape;75;p12"/>
-          <p:cNvSpPr txBox="1"/>
+          <p:cNvSpPr txBox="1">
+            <a:spLocks noGrp="1"/>
+          </p:cNvSpPr>
           <p:nvPr>
             <p:ph type="title"/>
           </p:nvPr>
@@ -2559,7 +2644,7 @@
           </a:ln>
         </p:spPr>
         <p:txBody>
-          <a:bodyPr anchorCtr="0" anchor="ctr" bIns="45700" lIns="91425" spcFirstLastPara="1" rIns="91425" wrap="square" tIns="45700">
+          <a:bodyPr spcFirstLastPara="1" wrap="square" lIns="91425" tIns="45700" rIns="91425" bIns="45700" anchor="ctr" anchorCtr="0">
             <a:noAutofit/>
           </a:bodyPr>
           <a:lstStyle>
@@ -2669,15 +2754,19 @@
               <a:defRPr/>
             </a:lvl9pPr>
           </a:lstStyle>
-          <a:p/>
+          <a:p>
+            <a:endParaRPr/>
+          </a:p>
         </p:txBody>
       </p:sp>
       <p:sp>
         <p:nvSpPr>
           <p:cNvPr id="76" name="Google Shape;76;p12"/>
-          <p:cNvSpPr txBox="1"/>
+          <p:cNvSpPr txBox="1">
+            <a:spLocks noGrp="1"/>
+          </p:cNvSpPr>
           <p:nvPr>
-            <p:ph idx="1" type="body"/>
+            <p:ph type="body" idx="1"/>
           </p:nvPr>
         </p:nvSpPr>
         <p:spPr>
@@ -2694,11 +2783,11 @@
           </a:ln>
         </p:spPr>
         <p:txBody>
-          <a:bodyPr anchorCtr="0" anchor="t" bIns="45700" lIns="91425" spcFirstLastPara="1" rIns="91425" wrap="square" tIns="45700">
+          <a:bodyPr spcFirstLastPara="1" wrap="square" lIns="91425" tIns="45700" rIns="91425" bIns="45700" anchor="t" anchorCtr="0">
             <a:noAutofit/>
           </a:bodyPr>
           <a:lstStyle>
-            <a:lvl1pPr indent="-342900" lvl="0" marL="457200" algn="l">
+            <a:lvl1pPr marL="457200" lvl="0" indent="-342900" algn="l">
               <a:lnSpc>
                 <a:spcPct val="90000"/>
               </a:lnSpc>
@@ -2715,7 +2804,7 @@
               <a:buChar char="•"/>
               <a:defRPr/>
             </a:lvl1pPr>
-            <a:lvl2pPr indent="-342900" lvl="1" marL="914400" algn="l">
+            <a:lvl2pPr marL="914400" lvl="1" indent="-342900" algn="l">
               <a:lnSpc>
                 <a:spcPct val="90000"/>
               </a:lnSpc>
@@ -2732,7 +2821,7 @@
               <a:buChar char="•"/>
               <a:defRPr/>
             </a:lvl2pPr>
-            <a:lvl3pPr indent="-342900" lvl="2" marL="1371600" algn="l">
+            <a:lvl3pPr marL="1371600" lvl="2" indent="-342900" algn="l">
               <a:lnSpc>
                 <a:spcPct val="90000"/>
               </a:lnSpc>
@@ -2749,7 +2838,7 @@
               <a:buChar char="•"/>
               <a:defRPr/>
             </a:lvl3pPr>
-            <a:lvl4pPr indent="-342900" lvl="3" marL="1828800" algn="l">
+            <a:lvl4pPr marL="1828800" lvl="3" indent="-342900" algn="l">
               <a:lnSpc>
                 <a:spcPct val="90000"/>
               </a:lnSpc>
@@ -2766,7 +2855,7 @@
               <a:buChar char="•"/>
               <a:defRPr/>
             </a:lvl4pPr>
-            <a:lvl5pPr indent="-342900" lvl="4" marL="2286000" algn="l">
+            <a:lvl5pPr marL="2286000" lvl="4" indent="-342900" algn="l">
               <a:lnSpc>
                 <a:spcPct val="90000"/>
               </a:lnSpc>
@@ -2783,7 +2872,7 @@
               <a:buChar char="•"/>
               <a:defRPr/>
             </a:lvl5pPr>
-            <a:lvl6pPr indent="-342900" lvl="5" marL="2743200" algn="l">
+            <a:lvl6pPr marL="2743200" lvl="5" indent="-342900" algn="l">
               <a:lnSpc>
                 <a:spcPct val="90000"/>
               </a:lnSpc>
@@ -2800,7 +2889,7 @@
               <a:buChar char="•"/>
               <a:defRPr/>
             </a:lvl6pPr>
-            <a:lvl7pPr indent="-342900" lvl="6" marL="3200400" algn="l">
+            <a:lvl7pPr marL="3200400" lvl="6" indent="-342900" algn="l">
               <a:lnSpc>
                 <a:spcPct val="90000"/>
               </a:lnSpc>
@@ -2817,7 +2906,7 @@
               <a:buChar char="•"/>
               <a:defRPr/>
             </a:lvl7pPr>
-            <a:lvl8pPr indent="-342900" lvl="7" marL="3657600" algn="l">
+            <a:lvl8pPr marL="3657600" lvl="7" indent="-342900" algn="l">
               <a:lnSpc>
                 <a:spcPct val="90000"/>
               </a:lnSpc>
@@ -2834,7 +2923,7 @@
               <a:buChar char="•"/>
               <a:defRPr/>
             </a:lvl8pPr>
-            <a:lvl9pPr indent="-342900" lvl="8" marL="4114800" algn="l">
+            <a:lvl9pPr marL="4114800" lvl="8" indent="-342900" algn="l">
               <a:lnSpc>
                 <a:spcPct val="90000"/>
               </a:lnSpc>
@@ -2852,15 +2941,19 @@
               <a:defRPr/>
             </a:lvl9pPr>
           </a:lstStyle>
-          <a:p/>
+          <a:p>
+            <a:endParaRPr/>
+          </a:p>
         </p:txBody>
       </p:sp>
       <p:sp>
         <p:nvSpPr>
           <p:cNvPr id="77" name="Google Shape;77;p12"/>
-          <p:cNvSpPr txBox="1"/>
+          <p:cNvSpPr txBox="1">
+            <a:spLocks noGrp="1"/>
+          </p:cNvSpPr>
           <p:nvPr>
-            <p:ph idx="10" type="dt"/>
+            <p:ph type="dt" idx="10"/>
           </p:nvPr>
         </p:nvSpPr>
         <p:spPr>
@@ -2877,7 +2970,7 @@
           </a:ln>
         </p:spPr>
         <p:txBody>
-          <a:bodyPr anchorCtr="0" anchor="ctr" bIns="45700" lIns="91425" spcFirstLastPara="1" rIns="91425" wrap="square" tIns="45700">
+          <a:bodyPr spcFirstLastPara="1" wrap="square" lIns="91425" tIns="45700" rIns="91425" bIns="45700" anchor="ctr" anchorCtr="0">
             <a:noAutofit/>
           </a:bodyPr>
           <a:lstStyle>
@@ -2981,15 +3074,19 @@
               <a:defRPr/>
             </a:lvl9pPr>
           </a:lstStyle>
-          <a:p/>
+          <a:p>
+            <a:endParaRPr/>
+          </a:p>
         </p:txBody>
       </p:sp>
       <p:sp>
         <p:nvSpPr>
           <p:cNvPr id="78" name="Google Shape;78;p12"/>
-          <p:cNvSpPr txBox="1"/>
+          <p:cNvSpPr txBox="1">
+            <a:spLocks noGrp="1"/>
+          </p:cNvSpPr>
           <p:nvPr>
-            <p:ph idx="11" type="ftr"/>
+            <p:ph type="ftr" idx="11"/>
           </p:nvPr>
         </p:nvSpPr>
         <p:spPr>
@@ -3006,7 +3103,7 @@
           </a:ln>
         </p:spPr>
         <p:txBody>
-          <a:bodyPr anchorCtr="0" anchor="ctr" bIns="45700" lIns="91425" spcFirstLastPara="1" rIns="91425" wrap="square" tIns="45700">
+          <a:bodyPr spcFirstLastPara="1" wrap="square" lIns="91425" tIns="45700" rIns="91425" bIns="45700" anchor="ctr" anchorCtr="0">
             <a:noAutofit/>
           </a:bodyPr>
           <a:lstStyle>
@@ -3110,15 +3207,19 @@
               <a:defRPr/>
             </a:lvl9pPr>
           </a:lstStyle>
-          <a:p/>
+          <a:p>
+            <a:endParaRPr/>
+          </a:p>
         </p:txBody>
       </p:sp>
       <p:sp>
         <p:nvSpPr>
           <p:cNvPr id="79" name="Google Shape;79;p12"/>
-          <p:cNvSpPr txBox="1"/>
+          <p:cNvSpPr txBox="1">
+            <a:spLocks noGrp="1"/>
+          </p:cNvSpPr>
           <p:nvPr>
-            <p:ph idx="12" type="sldNum"/>
+            <p:ph type="sldNum" idx="12"/>
           </p:nvPr>
         </p:nvSpPr>
         <p:spPr>
@@ -3135,67 +3236,67 @@
           </a:ln>
         </p:spPr>
         <p:txBody>
-          <a:bodyPr anchorCtr="0" anchor="ctr" bIns="45700" lIns="91425" spcFirstLastPara="1" rIns="91425" wrap="square" tIns="45700">
+          <a:bodyPr spcFirstLastPara="1" wrap="square" lIns="91425" tIns="45700" rIns="91425" bIns="45700" anchor="ctr" anchorCtr="0">
             <a:noAutofit/>
           </a:bodyPr>
           <a:lstStyle>
-            <a:lvl1pPr indent="0" lvl="0" marL="0" algn="r">
+            <a:lvl1pPr marL="0" lvl="0" indent="0" algn="r">
               <a:spcBef>
                 <a:spcPts val="0"/>
               </a:spcBef>
               <a:buNone/>
               <a:defRPr/>
             </a:lvl1pPr>
-            <a:lvl2pPr indent="0" lvl="1" marL="0" algn="r">
+            <a:lvl2pPr marL="0" lvl="1" indent="0" algn="r">
               <a:spcBef>
                 <a:spcPts val="0"/>
               </a:spcBef>
               <a:buNone/>
               <a:defRPr/>
             </a:lvl2pPr>
-            <a:lvl3pPr indent="0" lvl="2" marL="0" algn="r">
+            <a:lvl3pPr marL="0" lvl="2" indent="0" algn="r">
               <a:spcBef>
                 <a:spcPts val="0"/>
               </a:spcBef>
               <a:buNone/>
               <a:defRPr/>
             </a:lvl3pPr>
-            <a:lvl4pPr indent="0" lvl="3" marL="0" algn="r">
+            <a:lvl4pPr marL="0" lvl="3" indent="0" algn="r">
               <a:spcBef>
                 <a:spcPts val="0"/>
               </a:spcBef>
               <a:buNone/>
               <a:defRPr/>
             </a:lvl4pPr>
-            <a:lvl5pPr indent="0" lvl="4" marL="0" algn="r">
+            <a:lvl5pPr marL="0" lvl="4" indent="0" algn="r">
               <a:spcBef>
                 <a:spcPts val="0"/>
               </a:spcBef>
               <a:buNone/>
               <a:defRPr/>
             </a:lvl5pPr>
-            <a:lvl6pPr indent="0" lvl="5" marL="0" algn="r">
+            <a:lvl6pPr marL="0" lvl="5" indent="0" algn="r">
               <a:spcBef>
                 <a:spcPts val="0"/>
               </a:spcBef>
               <a:buNone/>
               <a:defRPr/>
             </a:lvl6pPr>
-            <a:lvl7pPr indent="0" lvl="6" marL="0" algn="r">
+            <a:lvl7pPr marL="0" lvl="6" indent="0" algn="r">
               <a:spcBef>
                 <a:spcPts val="0"/>
               </a:spcBef>
               <a:buNone/>
               <a:defRPr/>
             </a:lvl7pPr>
-            <a:lvl8pPr indent="0" lvl="7" marL="0" algn="r">
+            <a:lvl8pPr marL="0" lvl="7" indent="0" algn="r">
               <a:spcBef>
                 <a:spcPts val="0"/>
               </a:spcBef>
               <a:buNone/>
               <a:defRPr/>
             </a:lvl8pPr>
-            <a:lvl9pPr indent="0" lvl="8" marL="0" algn="r">
+            <a:lvl9pPr marL="0" lvl="8" indent="0" algn="r">
               <a:spcBef>
                 <a:spcPts val="0"/>
               </a:spcBef>
@@ -3204,7 +3305,7 @@
             </a:lvl9pPr>
           </a:lstStyle>
           <a:p>
-            <a:pPr indent="0" lvl="0" marL="0" rtl="0" algn="r">
+            <a:pPr marL="0" lvl="0" indent="0" algn="r" rtl="0">
               <a:spcBef>
                 <a:spcPts val="0"/>
               </a:spcBef>
@@ -3215,7 +3316,7 @@
             </a:pPr>
             <a:fld id="{00000000-1234-1234-1234-123412341234}" type="slidenum">
               <a:rPr lang="pt-BR"/>
-              <a:t>‹#›</a:t>
+              <a:t>‹nº›</a:t>
             </a:fld>
             <a:endParaRPr/>
           </a:p>
@@ -3230,11 +3331,11 @@
 </file>
 
 <file path=ppt/slideLayouts/slideLayout2.xml><?xml version="1.0" encoding="utf-8"?>
-<p:sldLayout xmlns:a="http://schemas.openxmlformats.org/drawingml/2006/main" xmlns:r="http://schemas.openxmlformats.org/officeDocument/2006/relationships" xmlns:mc="http://schemas.openxmlformats.org/markup-compatibility/2006" xmlns:mv="urn:schemas-microsoft-com:mac:vml" xmlns:p="http://schemas.openxmlformats.org/presentationml/2006/main" xmlns:c="http://schemas.openxmlformats.org/drawingml/2006/chart" xmlns:dgm="http://schemas.openxmlformats.org/drawingml/2006/diagram" xmlns:o="urn:schemas-microsoft-com:office:office" xmlns:v="urn:schemas-microsoft-com:vml" xmlns:pvml="urn:schemas-microsoft-com:office:powerpoint" xmlns:com="http://schemas.openxmlformats.org/drawingml/2006/compatibility" xmlns:p14="http://schemas.microsoft.com/office/powerpoint/2010/main" xmlns:p15="http://schemas.microsoft.com/office/powerpoint/2012/main" matchingName="Título e conteúdo" type="obj">
+<p:sldLayout xmlns:a="http://schemas.openxmlformats.org/drawingml/2006/main" xmlns:r="http://schemas.openxmlformats.org/officeDocument/2006/relationships" xmlns:p="http://schemas.openxmlformats.org/presentationml/2006/main" matchingName="Título e conteúdo" type="obj">
   <p:cSld name="OBJECT">
     <p:spTree>
       <p:nvGrpSpPr>
-        <p:cNvPr id="17" name="Shape 17"/>
+        <p:cNvPr id="1" name="Shape 17"/>
         <p:cNvGrpSpPr/>
         <p:nvPr/>
       </p:nvGrpSpPr>
@@ -3249,7 +3350,9 @@
       <p:sp>
         <p:nvSpPr>
           <p:cNvPr id="18" name="Google Shape;18;p3"/>
-          <p:cNvSpPr txBox="1"/>
+          <p:cNvSpPr txBox="1">
+            <a:spLocks noGrp="1"/>
+          </p:cNvSpPr>
           <p:nvPr>
             <p:ph type="title"/>
           </p:nvPr>
@@ -3268,7 +3371,7 @@
           </a:ln>
         </p:spPr>
         <p:txBody>
-          <a:bodyPr anchorCtr="0" anchor="ctr" bIns="45700" lIns="91425" spcFirstLastPara="1" rIns="91425" wrap="square" tIns="45700">
+          <a:bodyPr spcFirstLastPara="1" wrap="square" lIns="91425" tIns="45700" rIns="91425" bIns="45700" anchor="ctr" anchorCtr="0">
             <a:noAutofit/>
           </a:bodyPr>
           <a:lstStyle>
@@ -3378,15 +3481,19 @@
               <a:defRPr/>
             </a:lvl9pPr>
           </a:lstStyle>
-          <a:p/>
+          <a:p>
+            <a:endParaRPr/>
+          </a:p>
         </p:txBody>
       </p:sp>
       <p:sp>
         <p:nvSpPr>
           <p:cNvPr id="19" name="Google Shape;19;p3"/>
-          <p:cNvSpPr txBox="1"/>
+          <p:cNvSpPr txBox="1">
+            <a:spLocks noGrp="1"/>
+          </p:cNvSpPr>
           <p:nvPr>
-            <p:ph idx="1" type="body"/>
+            <p:ph type="body" idx="1"/>
           </p:nvPr>
         </p:nvSpPr>
         <p:spPr>
@@ -3403,11 +3510,11 @@
           </a:ln>
         </p:spPr>
         <p:txBody>
-          <a:bodyPr anchorCtr="0" anchor="t" bIns="45700" lIns="91425" spcFirstLastPara="1" rIns="91425" wrap="square" tIns="45700">
+          <a:bodyPr spcFirstLastPara="1" wrap="square" lIns="91425" tIns="45700" rIns="91425" bIns="45700" anchor="t" anchorCtr="0">
             <a:noAutofit/>
           </a:bodyPr>
           <a:lstStyle>
-            <a:lvl1pPr indent="-342900" lvl="0" marL="457200" algn="l">
+            <a:lvl1pPr marL="457200" lvl="0" indent="-342900" algn="l">
               <a:lnSpc>
                 <a:spcPct val="90000"/>
               </a:lnSpc>
@@ -3424,7 +3531,7 @@
               <a:buChar char="•"/>
               <a:defRPr/>
             </a:lvl1pPr>
-            <a:lvl2pPr indent="-342900" lvl="1" marL="914400" algn="l">
+            <a:lvl2pPr marL="914400" lvl="1" indent="-342900" algn="l">
               <a:lnSpc>
                 <a:spcPct val="90000"/>
               </a:lnSpc>
@@ -3441,7 +3548,7 @@
               <a:buChar char="•"/>
               <a:defRPr/>
             </a:lvl2pPr>
-            <a:lvl3pPr indent="-342900" lvl="2" marL="1371600" algn="l">
+            <a:lvl3pPr marL="1371600" lvl="2" indent="-342900" algn="l">
               <a:lnSpc>
                 <a:spcPct val="90000"/>
               </a:lnSpc>
@@ -3458,7 +3565,7 @@
               <a:buChar char="•"/>
               <a:defRPr/>
             </a:lvl3pPr>
-            <a:lvl4pPr indent="-342900" lvl="3" marL="1828800" algn="l">
+            <a:lvl4pPr marL="1828800" lvl="3" indent="-342900" algn="l">
               <a:lnSpc>
                 <a:spcPct val="90000"/>
               </a:lnSpc>
@@ -3475,7 +3582,7 @@
               <a:buChar char="•"/>
               <a:defRPr/>
             </a:lvl4pPr>
-            <a:lvl5pPr indent="-342900" lvl="4" marL="2286000" algn="l">
+            <a:lvl5pPr marL="2286000" lvl="4" indent="-342900" algn="l">
               <a:lnSpc>
                 <a:spcPct val="90000"/>
               </a:lnSpc>
@@ -3492,7 +3599,7 @@
               <a:buChar char="•"/>
               <a:defRPr/>
             </a:lvl5pPr>
-            <a:lvl6pPr indent="-342900" lvl="5" marL="2743200" algn="l">
+            <a:lvl6pPr marL="2743200" lvl="5" indent="-342900" algn="l">
               <a:lnSpc>
                 <a:spcPct val="90000"/>
               </a:lnSpc>
@@ -3509,7 +3616,7 @@
               <a:buChar char="•"/>
               <a:defRPr/>
             </a:lvl6pPr>
-            <a:lvl7pPr indent="-342900" lvl="6" marL="3200400" algn="l">
+            <a:lvl7pPr marL="3200400" lvl="6" indent="-342900" algn="l">
               <a:lnSpc>
                 <a:spcPct val="90000"/>
               </a:lnSpc>
@@ -3526,7 +3633,7 @@
               <a:buChar char="•"/>
               <a:defRPr/>
             </a:lvl7pPr>
-            <a:lvl8pPr indent="-342900" lvl="7" marL="3657600" algn="l">
+            <a:lvl8pPr marL="3657600" lvl="7" indent="-342900" algn="l">
               <a:lnSpc>
                 <a:spcPct val="90000"/>
               </a:lnSpc>
@@ -3543,7 +3650,7 @@
               <a:buChar char="•"/>
               <a:defRPr/>
             </a:lvl8pPr>
-            <a:lvl9pPr indent="-342900" lvl="8" marL="4114800" algn="l">
+            <a:lvl9pPr marL="4114800" lvl="8" indent="-342900" algn="l">
               <a:lnSpc>
                 <a:spcPct val="90000"/>
               </a:lnSpc>
@@ -3561,15 +3668,19 @@
               <a:defRPr/>
             </a:lvl9pPr>
           </a:lstStyle>
-          <a:p/>
+          <a:p>
+            <a:endParaRPr/>
+          </a:p>
         </p:txBody>
       </p:sp>
       <p:sp>
         <p:nvSpPr>
           <p:cNvPr id="20" name="Google Shape;20;p3"/>
-          <p:cNvSpPr txBox="1"/>
+          <p:cNvSpPr txBox="1">
+            <a:spLocks noGrp="1"/>
+          </p:cNvSpPr>
           <p:nvPr>
-            <p:ph idx="10" type="dt"/>
+            <p:ph type="dt" idx="10"/>
           </p:nvPr>
         </p:nvSpPr>
         <p:spPr>
@@ -3586,7 +3697,7 @@
           </a:ln>
         </p:spPr>
         <p:txBody>
-          <a:bodyPr anchorCtr="0" anchor="ctr" bIns="45700" lIns="91425" spcFirstLastPara="1" rIns="91425" wrap="square" tIns="45700">
+          <a:bodyPr spcFirstLastPara="1" wrap="square" lIns="91425" tIns="45700" rIns="91425" bIns="45700" anchor="ctr" anchorCtr="0">
             <a:noAutofit/>
           </a:bodyPr>
           <a:lstStyle>
@@ -3690,15 +3801,19 @@
               <a:defRPr/>
             </a:lvl9pPr>
           </a:lstStyle>
-          <a:p/>
+          <a:p>
+            <a:endParaRPr/>
+          </a:p>
         </p:txBody>
       </p:sp>
       <p:sp>
         <p:nvSpPr>
           <p:cNvPr id="21" name="Google Shape;21;p3"/>
-          <p:cNvSpPr txBox="1"/>
+          <p:cNvSpPr txBox="1">
+            <a:spLocks noGrp="1"/>
+          </p:cNvSpPr>
           <p:nvPr>
-            <p:ph idx="11" type="ftr"/>
+            <p:ph type="ftr" idx="11"/>
           </p:nvPr>
         </p:nvSpPr>
         <p:spPr>
@@ -3715,7 +3830,7 @@
           </a:ln>
         </p:spPr>
         <p:txBody>
-          <a:bodyPr anchorCtr="0" anchor="ctr" bIns="45700" lIns="91425" spcFirstLastPara="1" rIns="91425" wrap="square" tIns="45700">
+          <a:bodyPr spcFirstLastPara="1" wrap="square" lIns="91425" tIns="45700" rIns="91425" bIns="45700" anchor="ctr" anchorCtr="0">
             <a:noAutofit/>
           </a:bodyPr>
           <a:lstStyle>
@@ -3819,15 +3934,19 @@
               <a:defRPr/>
             </a:lvl9pPr>
           </a:lstStyle>
-          <a:p/>
+          <a:p>
+            <a:endParaRPr/>
+          </a:p>
         </p:txBody>
       </p:sp>
       <p:sp>
         <p:nvSpPr>
           <p:cNvPr id="22" name="Google Shape;22;p3"/>
-          <p:cNvSpPr txBox="1"/>
+          <p:cNvSpPr txBox="1">
+            <a:spLocks noGrp="1"/>
+          </p:cNvSpPr>
           <p:nvPr>
-            <p:ph idx="12" type="sldNum"/>
+            <p:ph type="sldNum" idx="12"/>
           </p:nvPr>
         </p:nvSpPr>
         <p:spPr>
@@ -3844,67 +3963,67 @@
           </a:ln>
         </p:spPr>
         <p:txBody>
-          <a:bodyPr anchorCtr="0" anchor="ctr" bIns="45700" lIns="91425" spcFirstLastPara="1" rIns="91425" wrap="square" tIns="45700">
+          <a:bodyPr spcFirstLastPara="1" wrap="square" lIns="91425" tIns="45700" rIns="91425" bIns="45700" anchor="ctr" anchorCtr="0">
             <a:noAutofit/>
           </a:bodyPr>
           <a:lstStyle>
-            <a:lvl1pPr indent="0" lvl="0" marL="0" algn="r">
+            <a:lvl1pPr marL="0" lvl="0" indent="0" algn="r">
               <a:spcBef>
                 <a:spcPts val="0"/>
               </a:spcBef>
               <a:buNone/>
               <a:defRPr/>
             </a:lvl1pPr>
-            <a:lvl2pPr indent="0" lvl="1" marL="0" algn="r">
+            <a:lvl2pPr marL="0" lvl="1" indent="0" algn="r">
               <a:spcBef>
                 <a:spcPts val="0"/>
               </a:spcBef>
               <a:buNone/>
               <a:defRPr/>
             </a:lvl2pPr>
-            <a:lvl3pPr indent="0" lvl="2" marL="0" algn="r">
+            <a:lvl3pPr marL="0" lvl="2" indent="0" algn="r">
               <a:spcBef>
                 <a:spcPts val="0"/>
               </a:spcBef>
               <a:buNone/>
               <a:defRPr/>
             </a:lvl3pPr>
-            <a:lvl4pPr indent="0" lvl="3" marL="0" algn="r">
+            <a:lvl4pPr marL="0" lvl="3" indent="0" algn="r">
               <a:spcBef>
                 <a:spcPts val="0"/>
               </a:spcBef>
               <a:buNone/>
               <a:defRPr/>
             </a:lvl4pPr>
-            <a:lvl5pPr indent="0" lvl="4" marL="0" algn="r">
+            <a:lvl5pPr marL="0" lvl="4" indent="0" algn="r">
               <a:spcBef>
                 <a:spcPts val="0"/>
               </a:spcBef>
               <a:buNone/>
               <a:defRPr/>
             </a:lvl5pPr>
-            <a:lvl6pPr indent="0" lvl="5" marL="0" algn="r">
+            <a:lvl6pPr marL="0" lvl="5" indent="0" algn="r">
               <a:spcBef>
                 <a:spcPts val="0"/>
               </a:spcBef>
               <a:buNone/>
               <a:defRPr/>
             </a:lvl6pPr>
-            <a:lvl7pPr indent="0" lvl="6" marL="0" algn="r">
+            <a:lvl7pPr marL="0" lvl="6" indent="0" algn="r">
               <a:spcBef>
                 <a:spcPts val="0"/>
               </a:spcBef>
               <a:buNone/>
               <a:defRPr/>
             </a:lvl7pPr>
-            <a:lvl8pPr indent="0" lvl="7" marL="0" algn="r">
+            <a:lvl8pPr marL="0" lvl="7" indent="0" algn="r">
               <a:spcBef>
                 <a:spcPts val="0"/>
               </a:spcBef>
               <a:buNone/>
               <a:defRPr/>
             </a:lvl8pPr>
-            <a:lvl9pPr indent="0" lvl="8" marL="0" algn="r">
+            <a:lvl9pPr marL="0" lvl="8" indent="0" algn="r">
               <a:spcBef>
                 <a:spcPts val="0"/>
               </a:spcBef>
@@ -3913,7 +4032,7 @@
             </a:lvl9pPr>
           </a:lstStyle>
           <a:p>
-            <a:pPr indent="0" lvl="0" marL="0" rtl="0" algn="r">
+            <a:pPr marL="0" lvl="0" indent="0" algn="r" rtl="0">
               <a:spcBef>
                 <a:spcPts val="0"/>
               </a:spcBef>
@@ -3924,7 +4043,7 @@
             </a:pPr>
             <a:fld id="{00000000-1234-1234-1234-123412341234}" type="slidenum">
               <a:rPr lang="pt-BR"/>
-              <a:t>‹#›</a:t>
+              <a:t>‹nº›</a:t>
             </a:fld>
             <a:endParaRPr/>
           </a:p>
@@ -3939,11 +4058,11 @@
 </file>
 
 <file path=ppt/slideLayouts/slideLayout3.xml><?xml version="1.0" encoding="utf-8"?>
-<p:sldLayout xmlns:a="http://schemas.openxmlformats.org/drawingml/2006/main" xmlns:r="http://schemas.openxmlformats.org/officeDocument/2006/relationships" xmlns:mc="http://schemas.openxmlformats.org/markup-compatibility/2006" xmlns:mv="urn:schemas-microsoft-com:mac:vml" xmlns:p="http://schemas.openxmlformats.org/presentationml/2006/main" xmlns:c="http://schemas.openxmlformats.org/drawingml/2006/chart" xmlns:dgm="http://schemas.openxmlformats.org/drawingml/2006/diagram" xmlns:o="urn:schemas-microsoft-com:office:office" xmlns:v="urn:schemas-microsoft-com:vml" xmlns:pvml="urn:schemas-microsoft-com:office:powerpoint" xmlns:com="http://schemas.openxmlformats.org/drawingml/2006/compatibility" xmlns:p14="http://schemas.microsoft.com/office/powerpoint/2010/main" xmlns:p15="http://schemas.microsoft.com/office/powerpoint/2012/main" matchingName="Cabeçalho da Seção" type="secHead">
+<p:sldLayout xmlns:a="http://schemas.openxmlformats.org/drawingml/2006/main" xmlns:r="http://schemas.openxmlformats.org/officeDocument/2006/relationships" xmlns:p="http://schemas.openxmlformats.org/presentationml/2006/main" matchingName="Cabeçalho da Seção" type="secHead">
   <p:cSld name="SECTION_HEADER">
     <p:spTree>
       <p:nvGrpSpPr>
-        <p:cNvPr id="23" name="Shape 23"/>
+        <p:cNvPr id="1" name="Shape 23"/>
         <p:cNvGrpSpPr/>
         <p:nvPr/>
       </p:nvGrpSpPr>
@@ -3958,7 +4077,9 @@
       <p:sp>
         <p:nvSpPr>
           <p:cNvPr id="24" name="Google Shape;24;p4"/>
-          <p:cNvSpPr txBox="1"/>
+          <p:cNvSpPr txBox="1">
+            <a:spLocks noGrp="1"/>
+          </p:cNvSpPr>
           <p:nvPr>
             <p:ph type="title"/>
           </p:nvPr>
@@ -3977,7 +4098,7 @@
           </a:ln>
         </p:spPr>
         <p:txBody>
-          <a:bodyPr anchorCtr="0" anchor="b" bIns="45700" lIns="91425" spcFirstLastPara="1" rIns="91425" wrap="square" tIns="45700">
+          <a:bodyPr spcFirstLastPara="1" wrap="square" lIns="91425" tIns="45700" rIns="91425" bIns="45700" anchor="b" anchorCtr="0">
             <a:noAutofit/>
           </a:bodyPr>
           <a:lstStyle>
@@ -4088,15 +4209,19 @@
               <a:defRPr/>
             </a:lvl9pPr>
           </a:lstStyle>
-          <a:p/>
+          <a:p>
+            <a:endParaRPr/>
+          </a:p>
         </p:txBody>
       </p:sp>
       <p:sp>
         <p:nvSpPr>
           <p:cNvPr id="25" name="Google Shape;25;p4"/>
-          <p:cNvSpPr txBox="1"/>
+          <p:cNvSpPr txBox="1">
+            <a:spLocks noGrp="1"/>
+          </p:cNvSpPr>
           <p:nvPr>
-            <p:ph idx="1" type="body"/>
+            <p:ph type="body" idx="1"/>
           </p:nvPr>
         </p:nvSpPr>
         <p:spPr>
@@ -4113,11 +4238,11 @@
           </a:ln>
         </p:spPr>
         <p:txBody>
-          <a:bodyPr anchorCtr="0" anchor="t" bIns="45700" lIns="91425" spcFirstLastPara="1" rIns="91425" wrap="square" tIns="45700">
+          <a:bodyPr spcFirstLastPara="1" wrap="square" lIns="91425" tIns="45700" rIns="91425" bIns="45700" anchor="t" anchorCtr="0">
             <a:noAutofit/>
           </a:bodyPr>
           <a:lstStyle>
-            <a:lvl1pPr indent="-228600" lvl="0" marL="457200" algn="l">
+            <a:lvl1pPr marL="457200" lvl="0" indent="-228600" algn="l">
               <a:lnSpc>
                 <a:spcPct val="90000"/>
               </a:lnSpc>
@@ -4138,7 +4263,7 @@
                 </a:solidFill>
               </a:defRPr>
             </a:lvl1pPr>
-            <a:lvl2pPr indent="-228600" lvl="1" marL="914400" algn="l">
+            <a:lvl2pPr marL="914400" lvl="1" indent="-228600" algn="l">
               <a:lnSpc>
                 <a:spcPct val="90000"/>
               </a:lnSpc>
@@ -4159,7 +4284,7 @@
                 </a:solidFill>
               </a:defRPr>
             </a:lvl2pPr>
-            <a:lvl3pPr indent="-228600" lvl="2" marL="1371600" algn="l">
+            <a:lvl3pPr marL="1371600" lvl="2" indent="-228600" algn="l">
               <a:lnSpc>
                 <a:spcPct val="90000"/>
               </a:lnSpc>
@@ -4180,7 +4305,7 @@
                 </a:solidFill>
               </a:defRPr>
             </a:lvl3pPr>
-            <a:lvl4pPr indent="-228600" lvl="3" marL="1828800" algn="l">
+            <a:lvl4pPr marL="1828800" lvl="3" indent="-228600" algn="l">
               <a:lnSpc>
                 <a:spcPct val="90000"/>
               </a:lnSpc>
@@ -4201,7 +4326,7 @@
                 </a:solidFill>
               </a:defRPr>
             </a:lvl4pPr>
-            <a:lvl5pPr indent="-228600" lvl="4" marL="2286000" algn="l">
+            <a:lvl5pPr marL="2286000" lvl="4" indent="-228600" algn="l">
               <a:lnSpc>
                 <a:spcPct val="90000"/>
               </a:lnSpc>
@@ -4222,7 +4347,7 @@
                 </a:solidFill>
               </a:defRPr>
             </a:lvl5pPr>
-            <a:lvl6pPr indent="-228600" lvl="5" marL="2743200" algn="l">
+            <a:lvl6pPr marL="2743200" lvl="5" indent="-228600" algn="l">
               <a:lnSpc>
                 <a:spcPct val="90000"/>
               </a:lnSpc>
@@ -4243,7 +4368,7 @@
                 </a:solidFill>
               </a:defRPr>
             </a:lvl6pPr>
-            <a:lvl7pPr indent="-228600" lvl="6" marL="3200400" algn="l">
+            <a:lvl7pPr marL="3200400" lvl="6" indent="-228600" algn="l">
               <a:lnSpc>
                 <a:spcPct val="90000"/>
               </a:lnSpc>
@@ -4264,7 +4389,7 @@
                 </a:solidFill>
               </a:defRPr>
             </a:lvl7pPr>
-            <a:lvl8pPr indent="-228600" lvl="7" marL="3657600" algn="l">
+            <a:lvl8pPr marL="3657600" lvl="7" indent="-228600" algn="l">
               <a:lnSpc>
                 <a:spcPct val="90000"/>
               </a:lnSpc>
@@ -4285,7 +4410,7 @@
                 </a:solidFill>
               </a:defRPr>
             </a:lvl8pPr>
-            <a:lvl9pPr indent="-228600" lvl="8" marL="4114800" algn="l">
+            <a:lvl9pPr marL="4114800" lvl="8" indent="-228600" algn="l">
               <a:lnSpc>
                 <a:spcPct val="90000"/>
               </a:lnSpc>
@@ -4307,15 +4432,19 @@
               </a:defRPr>
             </a:lvl9pPr>
           </a:lstStyle>
-          <a:p/>
+          <a:p>
+            <a:endParaRPr/>
+          </a:p>
         </p:txBody>
       </p:sp>
       <p:sp>
         <p:nvSpPr>
           <p:cNvPr id="26" name="Google Shape;26;p4"/>
-          <p:cNvSpPr txBox="1"/>
+          <p:cNvSpPr txBox="1">
+            <a:spLocks noGrp="1"/>
+          </p:cNvSpPr>
           <p:nvPr>
-            <p:ph idx="10" type="dt"/>
+            <p:ph type="dt" idx="10"/>
           </p:nvPr>
         </p:nvSpPr>
         <p:spPr>
@@ -4332,7 +4461,7 @@
           </a:ln>
         </p:spPr>
         <p:txBody>
-          <a:bodyPr anchorCtr="0" anchor="ctr" bIns="45700" lIns="91425" spcFirstLastPara="1" rIns="91425" wrap="square" tIns="45700">
+          <a:bodyPr spcFirstLastPara="1" wrap="square" lIns="91425" tIns="45700" rIns="91425" bIns="45700" anchor="ctr" anchorCtr="0">
             <a:noAutofit/>
           </a:bodyPr>
           <a:lstStyle>
@@ -4436,15 +4565,19 @@
               <a:defRPr/>
             </a:lvl9pPr>
           </a:lstStyle>
-          <a:p/>
+          <a:p>
+            <a:endParaRPr/>
+          </a:p>
         </p:txBody>
       </p:sp>
       <p:sp>
         <p:nvSpPr>
           <p:cNvPr id="27" name="Google Shape;27;p4"/>
-          <p:cNvSpPr txBox="1"/>
+          <p:cNvSpPr txBox="1">
+            <a:spLocks noGrp="1"/>
+          </p:cNvSpPr>
           <p:nvPr>
-            <p:ph idx="11" type="ftr"/>
+            <p:ph type="ftr" idx="11"/>
           </p:nvPr>
         </p:nvSpPr>
         <p:spPr>
@@ -4461,7 +4594,7 @@
           </a:ln>
         </p:spPr>
         <p:txBody>
-          <a:bodyPr anchorCtr="0" anchor="ctr" bIns="45700" lIns="91425" spcFirstLastPara="1" rIns="91425" wrap="square" tIns="45700">
+          <a:bodyPr spcFirstLastPara="1" wrap="square" lIns="91425" tIns="45700" rIns="91425" bIns="45700" anchor="ctr" anchorCtr="0">
             <a:noAutofit/>
           </a:bodyPr>
           <a:lstStyle>
@@ -4565,15 +4698,19 @@
               <a:defRPr/>
             </a:lvl9pPr>
           </a:lstStyle>
-          <a:p/>
+          <a:p>
+            <a:endParaRPr/>
+          </a:p>
         </p:txBody>
       </p:sp>
       <p:sp>
         <p:nvSpPr>
           <p:cNvPr id="28" name="Google Shape;28;p4"/>
-          <p:cNvSpPr txBox="1"/>
+          <p:cNvSpPr txBox="1">
+            <a:spLocks noGrp="1"/>
+          </p:cNvSpPr>
           <p:nvPr>
-            <p:ph idx="12" type="sldNum"/>
+            <p:ph type="sldNum" idx="12"/>
           </p:nvPr>
         </p:nvSpPr>
         <p:spPr>
@@ -4590,67 +4727,67 @@
           </a:ln>
         </p:spPr>
         <p:txBody>
-          <a:bodyPr anchorCtr="0" anchor="ctr" bIns="45700" lIns="91425" spcFirstLastPara="1" rIns="91425" wrap="square" tIns="45700">
+          <a:bodyPr spcFirstLastPara="1" wrap="square" lIns="91425" tIns="45700" rIns="91425" bIns="45700" anchor="ctr" anchorCtr="0">
             <a:noAutofit/>
           </a:bodyPr>
           <a:lstStyle>
-            <a:lvl1pPr indent="0" lvl="0" marL="0" algn="r">
+            <a:lvl1pPr marL="0" lvl="0" indent="0" algn="r">
               <a:spcBef>
                 <a:spcPts val="0"/>
               </a:spcBef>
               <a:buNone/>
               <a:defRPr/>
             </a:lvl1pPr>
-            <a:lvl2pPr indent="0" lvl="1" marL="0" algn="r">
+            <a:lvl2pPr marL="0" lvl="1" indent="0" algn="r">
               <a:spcBef>
                 <a:spcPts val="0"/>
               </a:spcBef>
               <a:buNone/>
               <a:defRPr/>
             </a:lvl2pPr>
-            <a:lvl3pPr indent="0" lvl="2" marL="0" algn="r">
+            <a:lvl3pPr marL="0" lvl="2" indent="0" algn="r">
               <a:spcBef>
                 <a:spcPts val="0"/>
               </a:spcBef>
               <a:buNone/>
               <a:defRPr/>
             </a:lvl3pPr>
-            <a:lvl4pPr indent="0" lvl="3" marL="0" algn="r">
+            <a:lvl4pPr marL="0" lvl="3" indent="0" algn="r">
               <a:spcBef>
                 <a:spcPts val="0"/>
               </a:spcBef>
               <a:buNone/>
               <a:defRPr/>
             </a:lvl4pPr>
-            <a:lvl5pPr indent="0" lvl="4" marL="0" algn="r">
+            <a:lvl5pPr marL="0" lvl="4" indent="0" algn="r">
               <a:spcBef>
                 <a:spcPts val="0"/>
               </a:spcBef>
               <a:buNone/>
               <a:defRPr/>
             </a:lvl5pPr>
-            <a:lvl6pPr indent="0" lvl="5" marL="0" algn="r">
+            <a:lvl6pPr marL="0" lvl="5" indent="0" algn="r">
               <a:spcBef>
                 <a:spcPts val="0"/>
               </a:spcBef>
               <a:buNone/>
               <a:defRPr/>
             </a:lvl6pPr>
-            <a:lvl7pPr indent="0" lvl="6" marL="0" algn="r">
+            <a:lvl7pPr marL="0" lvl="6" indent="0" algn="r">
               <a:spcBef>
                 <a:spcPts val="0"/>
               </a:spcBef>
               <a:buNone/>
               <a:defRPr/>
             </a:lvl7pPr>
-            <a:lvl8pPr indent="0" lvl="7" marL="0" algn="r">
+            <a:lvl8pPr marL="0" lvl="7" indent="0" algn="r">
               <a:spcBef>
                 <a:spcPts val="0"/>
               </a:spcBef>
               <a:buNone/>
               <a:defRPr/>
             </a:lvl8pPr>
-            <a:lvl9pPr indent="0" lvl="8" marL="0" algn="r">
+            <a:lvl9pPr marL="0" lvl="8" indent="0" algn="r">
               <a:spcBef>
                 <a:spcPts val="0"/>
               </a:spcBef>
@@ -4659,7 +4796,7 @@
             </a:lvl9pPr>
           </a:lstStyle>
           <a:p>
-            <a:pPr indent="0" lvl="0" marL="0" rtl="0" algn="r">
+            <a:pPr marL="0" lvl="0" indent="0" algn="r" rtl="0">
               <a:spcBef>
                 <a:spcPts val="0"/>
               </a:spcBef>
@@ -4670,7 +4807,7 @@
             </a:pPr>
             <a:fld id="{00000000-1234-1234-1234-123412341234}" type="slidenum">
               <a:rPr lang="pt-BR"/>
-              <a:t>‹#›</a:t>
+              <a:t>‹nº›</a:t>
             </a:fld>
             <a:endParaRPr/>
           </a:p>
@@ -4685,11 +4822,11 @@
 </file>
 
 <file path=ppt/slideLayouts/slideLayout4.xml><?xml version="1.0" encoding="utf-8"?>
-<p:sldLayout xmlns:a="http://schemas.openxmlformats.org/drawingml/2006/main" xmlns:r="http://schemas.openxmlformats.org/officeDocument/2006/relationships" xmlns:mc="http://schemas.openxmlformats.org/markup-compatibility/2006" xmlns:mv="urn:schemas-microsoft-com:mac:vml" xmlns:p="http://schemas.openxmlformats.org/presentationml/2006/main" xmlns:c="http://schemas.openxmlformats.org/drawingml/2006/chart" xmlns:dgm="http://schemas.openxmlformats.org/drawingml/2006/diagram" xmlns:o="urn:schemas-microsoft-com:office:office" xmlns:v="urn:schemas-microsoft-com:vml" xmlns:pvml="urn:schemas-microsoft-com:office:powerpoint" xmlns:com="http://schemas.openxmlformats.org/drawingml/2006/compatibility" xmlns:p14="http://schemas.microsoft.com/office/powerpoint/2010/main" xmlns:p15="http://schemas.microsoft.com/office/powerpoint/2012/main" matchingName="Duas Partes de Conteúdo" type="twoObj">
+<p:sldLayout xmlns:a="http://schemas.openxmlformats.org/drawingml/2006/main" xmlns:r="http://schemas.openxmlformats.org/officeDocument/2006/relationships" xmlns:p="http://schemas.openxmlformats.org/presentationml/2006/main" matchingName="Duas Partes de Conteúdo" type="twoObj">
   <p:cSld name="TWO_OBJECTS">
     <p:spTree>
       <p:nvGrpSpPr>
-        <p:cNvPr id="29" name="Shape 29"/>
+        <p:cNvPr id="1" name="Shape 29"/>
         <p:cNvGrpSpPr/>
         <p:nvPr/>
       </p:nvGrpSpPr>
@@ -4704,7 +4841,9 @@
       <p:sp>
         <p:nvSpPr>
           <p:cNvPr id="30" name="Google Shape;30;p5"/>
-          <p:cNvSpPr txBox="1"/>
+          <p:cNvSpPr txBox="1">
+            <a:spLocks noGrp="1"/>
+          </p:cNvSpPr>
           <p:nvPr>
             <p:ph type="title"/>
           </p:nvPr>
@@ -4723,7 +4862,7 @@
           </a:ln>
         </p:spPr>
         <p:txBody>
-          <a:bodyPr anchorCtr="0" anchor="ctr" bIns="45700" lIns="91425" spcFirstLastPara="1" rIns="91425" wrap="square" tIns="45700">
+          <a:bodyPr spcFirstLastPara="1" wrap="square" lIns="91425" tIns="45700" rIns="91425" bIns="45700" anchor="ctr" anchorCtr="0">
             <a:noAutofit/>
           </a:bodyPr>
           <a:lstStyle>
@@ -4833,15 +4972,19 @@
               <a:defRPr/>
             </a:lvl9pPr>
           </a:lstStyle>
-          <a:p/>
+          <a:p>
+            <a:endParaRPr/>
+          </a:p>
         </p:txBody>
       </p:sp>
       <p:sp>
         <p:nvSpPr>
           <p:cNvPr id="31" name="Google Shape;31;p5"/>
-          <p:cNvSpPr txBox="1"/>
+          <p:cNvSpPr txBox="1">
+            <a:spLocks noGrp="1"/>
+          </p:cNvSpPr>
           <p:nvPr>
-            <p:ph idx="1" type="body"/>
+            <p:ph type="body" idx="1"/>
           </p:nvPr>
         </p:nvSpPr>
         <p:spPr>
@@ -4858,11 +5001,11 @@
           </a:ln>
         </p:spPr>
         <p:txBody>
-          <a:bodyPr anchorCtr="0" anchor="t" bIns="45700" lIns="91425" spcFirstLastPara="1" rIns="91425" wrap="square" tIns="45700">
+          <a:bodyPr spcFirstLastPara="1" wrap="square" lIns="91425" tIns="45700" rIns="91425" bIns="45700" anchor="t" anchorCtr="0">
             <a:noAutofit/>
           </a:bodyPr>
           <a:lstStyle>
-            <a:lvl1pPr indent="-342900" lvl="0" marL="457200" algn="l">
+            <a:lvl1pPr marL="457200" lvl="0" indent="-342900" algn="l">
               <a:lnSpc>
                 <a:spcPct val="90000"/>
               </a:lnSpc>
@@ -4879,7 +5022,7 @@
               <a:buChar char="•"/>
               <a:defRPr/>
             </a:lvl1pPr>
-            <a:lvl2pPr indent="-342900" lvl="1" marL="914400" algn="l">
+            <a:lvl2pPr marL="914400" lvl="1" indent="-342900" algn="l">
               <a:lnSpc>
                 <a:spcPct val="90000"/>
               </a:lnSpc>
@@ -4896,7 +5039,7 @@
               <a:buChar char="•"/>
               <a:defRPr/>
             </a:lvl2pPr>
-            <a:lvl3pPr indent="-342900" lvl="2" marL="1371600" algn="l">
+            <a:lvl3pPr marL="1371600" lvl="2" indent="-342900" algn="l">
               <a:lnSpc>
                 <a:spcPct val="90000"/>
               </a:lnSpc>
@@ -4913,7 +5056,7 @@
               <a:buChar char="•"/>
               <a:defRPr/>
             </a:lvl3pPr>
-            <a:lvl4pPr indent="-342900" lvl="3" marL="1828800" algn="l">
+            <a:lvl4pPr marL="1828800" lvl="3" indent="-342900" algn="l">
               <a:lnSpc>
                 <a:spcPct val="90000"/>
               </a:lnSpc>
@@ -4930,7 +5073,7 @@
               <a:buChar char="•"/>
               <a:defRPr/>
             </a:lvl4pPr>
-            <a:lvl5pPr indent="-342900" lvl="4" marL="2286000" algn="l">
+            <a:lvl5pPr marL="2286000" lvl="4" indent="-342900" algn="l">
               <a:lnSpc>
                 <a:spcPct val="90000"/>
               </a:lnSpc>
@@ -4947,7 +5090,7 @@
               <a:buChar char="•"/>
               <a:defRPr/>
             </a:lvl5pPr>
-            <a:lvl6pPr indent="-342900" lvl="5" marL="2743200" algn="l">
+            <a:lvl6pPr marL="2743200" lvl="5" indent="-342900" algn="l">
               <a:lnSpc>
                 <a:spcPct val="90000"/>
               </a:lnSpc>
@@ -4964,7 +5107,7 @@
               <a:buChar char="•"/>
               <a:defRPr/>
             </a:lvl6pPr>
-            <a:lvl7pPr indent="-342900" lvl="6" marL="3200400" algn="l">
+            <a:lvl7pPr marL="3200400" lvl="6" indent="-342900" algn="l">
               <a:lnSpc>
                 <a:spcPct val="90000"/>
               </a:lnSpc>
@@ -4981,7 +5124,7 @@
               <a:buChar char="•"/>
               <a:defRPr/>
             </a:lvl7pPr>
-            <a:lvl8pPr indent="-342900" lvl="7" marL="3657600" algn="l">
+            <a:lvl8pPr marL="3657600" lvl="7" indent="-342900" algn="l">
               <a:lnSpc>
                 <a:spcPct val="90000"/>
               </a:lnSpc>
@@ -4998,7 +5141,7 @@
               <a:buChar char="•"/>
               <a:defRPr/>
             </a:lvl8pPr>
-            <a:lvl9pPr indent="-342900" lvl="8" marL="4114800" algn="l">
+            <a:lvl9pPr marL="4114800" lvl="8" indent="-342900" algn="l">
               <a:lnSpc>
                 <a:spcPct val="90000"/>
               </a:lnSpc>
@@ -5016,15 +5159,19 @@
               <a:defRPr/>
             </a:lvl9pPr>
           </a:lstStyle>
-          <a:p/>
+          <a:p>
+            <a:endParaRPr/>
+          </a:p>
         </p:txBody>
       </p:sp>
       <p:sp>
         <p:nvSpPr>
           <p:cNvPr id="32" name="Google Shape;32;p5"/>
-          <p:cNvSpPr txBox="1"/>
+          <p:cNvSpPr txBox="1">
+            <a:spLocks noGrp="1"/>
+          </p:cNvSpPr>
           <p:nvPr>
-            <p:ph idx="2" type="body"/>
+            <p:ph type="body" idx="2"/>
           </p:nvPr>
         </p:nvSpPr>
         <p:spPr>
@@ -5041,11 +5188,11 @@
           </a:ln>
         </p:spPr>
         <p:txBody>
-          <a:bodyPr anchorCtr="0" anchor="t" bIns="45700" lIns="91425" spcFirstLastPara="1" rIns="91425" wrap="square" tIns="45700">
+          <a:bodyPr spcFirstLastPara="1" wrap="square" lIns="91425" tIns="45700" rIns="91425" bIns="45700" anchor="t" anchorCtr="0">
             <a:noAutofit/>
           </a:bodyPr>
           <a:lstStyle>
-            <a:lvl1pPr indent="-342900" lvl="0" marL="457200" algn="l">
+            <a:lvl1pPr marL="457200" lvl="0" indent="-342900" algn="l">
               <a:lnSpc>
                 <a:spcPct val="90000"/>
               </a:lnSpc>
@@ -5062,7 +5209,7 @@
               <a:buChar char="•"/>
               <a:defRPr/>
             </a:lvl1pPr>
-            <a:lvl2pPr indent="-342900" lvl="1" marL="914400" algn="l">
+            <a:lvl2pPr marL="914400" lvl="1" indent="-342900" algn="l">
               <a:lnSpc>
                 <a:spcPct val="90000"/>
               </a:lnSpc>
@@ -5079,7 +5226,7 @@
               <a:buChar char="•"/>
               <a:defRPr/>
             </a:lvl2pPr>
-            <a:lvl3pPr indent="-342900" lvl="2" marL="1371600" algn="l">
+            <a:lvl3pPr marL="1371600" lvl="2" indent="-342900" algn="l">
               <a:lnSpc>
                 <a:spcPct val="90000"/>
               </a:lnSpc>
@@ -5096,7 +5243,7 @@
               <a:buChar char="•"/>
               <a:defRPr/>
             </a:lvl3pPr>
-            <a:lvl4pPr indent="-342900" lvl="3" marL="1828800" algn="l">
+            <a:lvl4pPr marL="1828800" lvl="3" indent="-342900" algn="l">
               <a:lnSpc>
                 <a:spcPct val="90000"/>
               </a:lnSpc>
@@ -5113,7 +5260,7 @@
               <a:buChar char="•"/>
               <a:defRPr/>
             </a:lvl4pPr>
-            <a:lvl5pPr indent="-342900" lvl="4" marL="2286000" algn="l">
+            <a:lvl5pPr marL="2286000" lvl="4" indent="-342900" algn="l">
               <a:lnSpc>
                 <a:spcPct val="90000"/>
               </a:lnSpc>
@@ -5130,7 +5277,7 @@
               <a:buChar char="•"/>
               <a:defRPr/>
             </a:lvl5pPr>
-            <a:lvl6pPr indent="-342900" lvl="5" marL="2743200" algn="l">
+            <a:lvl6pPr marL="2743200" lvl="5" indent="-342900" algn="l">
               <a:lnSpc>
                 <a:spcPct val="90000"/>
               </a:lnSpc>
@@ -5147,7 +5294,7 @@
               <a:buChar char="•"/>
               <a:defRPr/>
             </a:lvl6pPr>
-            <a:lvl7pPr indent="-342900" lvl="6" marL="3200400" algn="l">
+            <a:lvl7pPr marL="3200400" lvl="6" indent="-342900" algn="l">
               <a:lnSpc>
                 <a:spcPct val="90000"/>
               </a:lnSpc>
@@ -5164,7 +5311,7 @@
               <a:buChar char="•"/>
               <a:defRPr/>
             </a:lvl7pPr>
-            <a:lvl8pPr indent="-342900" lvl="7" marL="3657600" algn="l">
+            <a:lvl8pPr marL="3657600" lvl="7" indent="-342900" algn="l">
               <a:lnSpc>
                 <a:spcPct val="90000"/>
               </a:lnSpc>
@@ -5181,7 +5328,7 @@
               <a:buChar char="•"/>
               <a:defRPr/>
             </a:lvl8pPr>
-            <a:lvl9pPr indent="-342900" lvl="8" marL="4114800" algn="l">
+            <a:lvl9pPr marL="4114800" lvl="8" indent="-342900" algn="l">
               <a:lnSpc>
                 <a:spcPct val="90000"/>
               </a:lnSpc>
@@ -5199,15 +5346,19 @@
               <a:defRPr/>
             </a:lvl9pPr>
           </a:lstStyle>
-          <a:p/>
+          <a:p>
+            <a:endParaRPr/>
+          </a:p>
         </p:txBody>
       </p:sp>
       <p:sp>
         <p:nvSpPr>
           <p:cNvPr id="33" name="Google Shape;33;p5"/>
-          <p:cNvSpPr txBox="1"/>
+          <p:cNvSpPr txBox="1">
+            <a:spLocks noGrp="1"/>
+          </p:cNvSpPr>
           <p:nvPr>
-            <p:ph idx="10" type="dt"/>
+            <p:ph type="dt" idx="10"/>
           </p:nvPr>
         </p:nvSpPr>
         <p:spPr>
@@ -5224,7 +5375,7 @@
           </a:ln>
         </p:spPr>
         <p:txBody>
-          <a:bodyPr anchorCtr="0" anchor="ctr" bIns="45700" lIns="91425" spcFirstLastPara="1" rIns="91425" wrap="square" tIns="45700">
+          <a:bodyPr spcFirstLastPara="1" wrap="square" lIns="91425" tIns="45700" rIns="91425" bIns="45700" anchor="ctr" anchorCtr="0">
             <a:noAutofit/>
           </a:bodyPr>
           <a:lstStyle>
@@ -5328,15 +5479,19 @@
               <a:defRPr/>
             </a:lvl9pPr>
           </a:lstStyle>
-          <a:p/>
+          <a:p>
+            <a:endParaRPr/>
+          </a:p>
         </p:txBody>
       </p:sp>
       <p:sp>
         <p:nvSpPr>
           <p:cNvPr id="34" name="Google Shape;34;p5"/>
-          <p:cNvSpPr txBox="1"/>
+          <p:cNvSpPr txBox="1">
+            <a:spLocks noGrp="1"/>
+          </p:cNvSpPr>
           <p:nvPr>
-            <p:ph idx="11" type="ftr"/>
+            <p:ph type="ftr" idx="11"/>
           </p:nvPr>
         </p:nvSpPr>
         <p:spPr>
@@ -5353,7 +5508,7 @@
           </a:ln>
         </p:spPr>
         <p:txBody>
-          <a:bodyPr anchorCtr="0" anchor="ctr" bIns="45700" lIns="91425" spcFirstLastPara="1" rIns="91425" wrap="square" tIns="45700">
+          <a:bodyPr spcFirstLastPara="1" wrap="square" lIns="91425" tIns="45700" rIns="91425" bIns="45700" anchor="ctr" anchorCtr="0">
             <a:noAutofit/>
           </a:bodyPr>
           <a:lstStyle>
@@ -5457,15 +5612,19 @@
               <a:defRPr/>
             </a:lvl9pPr>
           </a:lstStyle>
-          <a:p/>
+          <a:p>
+            <a:endParaRPr/>
+          </a:p>
         </p:txBody>
       </p:sp>
       <p:sp>
         <p:nvSpPr>
           <p:cNvPr id="35" name="Google Shape;35;p5"/>
-          <p:cNvSpPr txBox="1"/>
+          <p:cNvSpPr txBox="1">
+            <a:spLocks noGrp="1"/>
+          </p:cNvSpPr>
           <p:nvPr>
-            <p:ph idx="12" type="sldNum"/>
+            <p:ph type="sldNum" idx="12"/>
           </p:nvPr>
         </p:nvSpPr>
         <p:spPr>
@@ -5482,67 +5641,67 @@
           </a:ln>
         </p:spPr>
         <p:txBody>
-          <a:bodyPr anchorCtr="0" anchor="ctr" bIns="45700" lIns="91425" spcFirstLastPara="1" rIns="91425" wrap="square" tIns="45700">
+          <a:bodyPr spcFirstLastPara="1" wrap="square" lIns="91425" tIns="45700" rIns="91425" bIns="45700" anchor="ctr" anchorCtr="0">
             <a:noAutofit/>
           </a:bodyPr>
           <a:lstStyle>
-            <a:lvl1pPr indent="0" lvl="0" marL="0" algn="r">
+            <a:lvl1pPr marL="0" lvl="0" indent="0" algn="r">
               <a:spcBef>
                 <a:spcPts val="0"/>
               </a:spcBef>
               <a:buNone/>
               <a:defRPr/>
             </a:lvl1pPr>
-            <a:lvl2pPr indent="0" lvl="1" marL="0" algn="r">
+            <a:lvl2pPr marL="0" lvl="1" indent="0" algn="r">
               <a:spcBef>
                 <a:spcPts val="0"/>
               </a:spcBef>
               <a:buNone/>
               <a:defRPr/>
             </a:lvl2pPr>
-            <a:lvl3pPr indent="0" lvl="2" marL="0" algn="r">
+            <a:lvl3pPr marL="0" lvl="2" indent="0" algn="r">
               <a:spcBef>
                 <a:spcPts val="0"/>
               </a:spcBef>
               <a:buNone/>
               <a:defRPr/>
             </a:lvl3pPr>
-            <a:lvl4pPr indent="0" lvl="3" marL="0" algn="r">
+            <a:lvl4pPr marL="0" lvl="3" indent="0" algn="r">
               <a:spcBef>
                 <a:spcPts val="0"/>
               </a:spcBef>
               <a:buNone/>
               <a:defRPr/>
             </a:lvl4pPr>
-            <a:lvl5pPr indent="0" lvl="4" marL="0" algn="r">
+            <a:lvl5pPr marL="0" lvl="4" indent="0" algn="r">
               <a:spcBef>
                 <a:spcPts val="0"/>
               </a:spcBef>
               <a:buNone/>
               <a:defRPr/>
             </a:lvl5pPr>
-            <a:lvl6pPr indent="0" lvl="5" marL="0" algn="r">
+            <a:lvl6pPr marL="0" lvl="5" indent="0" algn="r">
               <a:spcBef>
                 <a:spcPts val="0"/>
               </a:spcBef>
               <a:buNone/>
               <a:defRPr/>
             </a:lvl6pPr>
-            <a:lvl7pPr indent="0" lvl="6" marL="0" algn="r">
+            <a:lvl7pPr marL="0" lvl="6" indent="0" algn="r">
               <a:spcBef>
                 <a:spcPts val="0"/>
               </a:spcBef>
               <a:buNone/>
               <a:defRPr/>
             </a:lvl7pPr>
-            <a:lvl8pPr indent="0" lvl="7" marL="0" algn="r">
+            <a:lvl8pPr marL="0" lvl="7" indent="0" algn="r">
               <a:spcBef>
                 <a:spcPts val="0"/>
               </a:spcBef>
               <a:buNone/>
               <a:defRPr/>
             </a:lvl8pPr>
-            <a:lvl9pPr indent="0" lvl="8" marL="0" algn="r">
+            <a:lvl9pPr marL="0" lvl="8" indent="0" algn="r">
               <a:spcBef>
                 <a:spcPts val="0"/>
               </a:spcBef>
@@ -5551,7 +5710,7 @@
             </a:lvl9pPr>
           </a:lstStyle>
           <a:p>
-            <a:pPr indent="0" lvl="0" marL="0" rtl="0" algn="r">
+            <a:pPr marL="0" lvl="0" indent="0" algn="r" rtl="0">
               <a:spcBef>
                 <a:spcPts val="0"/>
               </a:spcBef>
@@ -5562,7 +5721,7 @@
             </a:pPr>
             <a:fld id="{00000000-1234-1234-1234-123412341234}" type="slidenum">
               <a:rPr lang="pt-BR"/>
-              <a:t>‹#›</a:t>
+              <a:t>‹nº›</a:t>
             </a:fld>
             <a:endParaRPr/>
           </a:p>
@@ -5577,11 +5736,11 @@
 </file>
 
 <file path=ppt/slideLayouts/slideLayout5.xml><?xml version="1.0" encoding="utf-8"?>
-<p:sldLayout xmlns:a="http://schemas.openxmlformats.org/drawingml/2006/main" xmlns:r="http://schemas.openxmlformats.org/officeDocument/2006/relationships" xmlns:mc="http://schemas.openxmlformats.org/markup-compatibility/2006" xmlns:mv="urn:schemas-microsoft-com:mac:vml" xmlns:p="http://schemas.openxmlformats.org/presentationml/2006/main" xmlns:c="http://schemas.openxmlformats.org/drawingml/2006/chart" xmlns:dgm="http://schemas.openxmlformats.org/drawingml/2006/diagram" xmlns:o="urn:schemas-microsoft-com:office:office" xmlns:v="urn:schemas-microsoft-com:vml" xmlns:pvml="urn:schemas-microsoft-com:office:powerpoint" xmlns:com="http://schemas.openxmlformats.org/drawingml/2006/compatibility" xmlns:p14="http://schemas.microsoft.com/office/powerpoint/2010/main" xmlns:p15="http://schemas.microsoft.com/office/powerpoint/2012/main" matchingName="Comparação" type="twoTxTwoObj">
+<p:sldLayout xmlns:a="http://schemas.openxmlformats.org/drawingml/2006/main" xmlns:r="http://schemas.openxmlformats.org/officeDocument/2006/relationships" xmlns:p="http://schemas.openxmlformats.org/presentationml/2006/main" matchingName="Comparação" type="twoTxTwoObj">
   <p:cSld name="TWO_OBJECTS_WITH_TEXT">
     <p:spTree>
       <p:nvGrpSpPr>
-        <p:cNvPr id="36" name="Shape 36"/>
+        <p:cNvPr id="1" name="Shape 36"/>
         <p:cNvGrpSpPr/>
         <p:nvPr/>
       </p:nvGrpSpPr>
@@ -5596,7 +5755,9 @@
       <p:sp>
         <p:nvSpPr>
           <p:cNvPr id="37" name="Google Shape;37;p6"/>
-          <p:cNvSpPr txBox="1"/>
+          <p:cNvSpPr txBox="1">
+            <a:spLocks noGrp="1"/>
+          </p:cNvSpPr>
           <p:nvPr>
             <p:ph type="title"/>
           </p:nvPr>
@@ -5615,7 +5776,7 @@
           </a:ln>
         </p:spPr>
         <p:txBody>
-          <a:bodyPr anchorCtr="0" anchor="ctr" bIns="45700" lIns="91425" spcFirstLastPara="1" rIns="91425" wrap="square" tIns="45700">
+          <a:bodyPr spcFirstLastPara="1" wrap="square" lIns="91425" tIns="45700" rIns="91425" bIns="45700" anchor="ctr" anchorCtr="0">
             <a:noAutofit/>
           </a:bodyPr>
           <a:lstStyle>
@@ -5725,15 +5886,19 @@
               <a:defRPr/>
             </a:lvl9pPr>
           </a:lstStyle>
-          <a:p/>
+          <a:p>
+            <a:endParaRPr/>
+          </a:p>
         </p:txBody>
       </p:sp>
       <p:sp>
         <p:nvSpPr>
           <p:cNvPr id="38" name="Google Shape;38;p6"/>
-          <p:cNvSpPr txBox="1"/>
+          <p:cNvSpPr txBox="1">
+            <a:spLocks noGrp="1"/>
+          </p:cNvSpPr>
           <p:nvPr>
-            <p:ph idx="1" type="body"/>
+            <p:ph type="body" idx="1"/>
           </p:nvPr>
         </p:nvSpPr>
         <p:spPr>
@@ -5750,11 +5915,11 @@
           </a:ln>
         </p:spPr>
         <p:txBody>
-          <a:bodyPr anchorCtr="0" anchor="b" bIns="45700" lIns="91425" spcFirstLastPara="1" rIns="91425" wrap="square" tIns="45700">
+          <a:bodyPr spcFirstLastPara="1" wrap="square" lIns="91425" tIns="45700" rIns="91425" bIns="45700" anchor="b" anchorCtr="0">
             <a:noAutofit/>
           </a:bodyPr>
           <a:lstStyle>
-            <a:lvl1pPr indent="-228600" lvl="0" marL="457200" algn="l">
+            <a:lvl1pPr marL="457200" lvl="0" indent="-228600" algn="l">
               <a:lnSpc>
                 <a:spcPct val="90000"/>
               </a:lnSpc>
@@ -5769,9 +5934,9 @@
               </a:buClr>
               <a:buSzPts val="2400"/>
               <a:buNone/>
-              <a:defRPr b="1" sz="2400"/>
+              <a:defRPr sz="2400" b="1"/>
             </a:lvl1pPr>
-            <a:lvl2pPr indent="-228600" lvl="1" marL="914400" algn="l">
+            <a:lvl2pPr marL="914400" lvl="1" indent="-228600" algn="l">
               <a:lnSpc>
                 <a:spcPct val="90000"/>
               </a:lnSpc>
@@ -5786,9 +5951,9 @@
               </a:buClr>
               <a:buSzPts val="2000"/>
               <a:buNone/>
-              <a:defRPr b="1" sz="2000"/>
+              <a:defRPr sz="2000" b="1"/>
             </a:lvl2pPr>
-            <a:lvl3pPr indent="-228600" lvl="2" marL="1371600" algn="l">
+            <a:lvl3pPr marL="1371600" lvl="2" indent="-228600" algn="l">
               <a:lnSpc>
                 <a:spcPct val="90000"/>
               </a:lnSpc>
@@ -5803,9 +5968,9 @@
               </a:buClr>
               <a:buSzPts val="1800"/>
               <a:buNone/>
-              <a:defRPr b="1" sz="1800"/>
+              <a:defRPr sz="1800" b="1"/>
             </a:lvl3pPr>
-            <a:lvl4pPr indent="-228600" lvl="3" marL="1828800" algn="l">
+            <a:lvl4pPr marL="1828800" lvl="3" indent="-228600" algn="l">
               <a:lnSpc>
                 <a:spcPct val="90000"/>
               </a:lnSpc>
@@ -5820,9 +5985,9 @@
               </a:buClr>
               <a:buSzPts val="1600"/>
               <a:buNone/>
-              <a:defRPr b="1" sz="1600"/>
+              <a:defRPr sz="1600" b="1"/>
             </a:lvl4pPr>
-            <a:lvl5pPr indent="-228600" lvl="4" marL="2286000" algn="l">
+            <a:lvl5pPr marL="2286000" lvl="4" indent="-228600" algn="l">
               <a:lnSpc>
                 <a:spcPct val="90000"/>
               </a:lnSpc>
@@ -5837,9 +6002,9 @@
               </a:buClr>
               <a:buSzPts val="1600"/>
               <a:buNone/>
-              <a:defRPr b="1" sz="1600"/>
+              <a:defRPr sz="1600" b="1"/>
             </a:lvl5pPr>
-            <a:lvl6pPr indent="-228600" lvl="5" marL="2743200" algn="l">
+            <a:lvl6pPr marL="2743200" lvl="5" indent="-228600" algn="l">
               <a:lnSpc>
                 <a:spcPct val="90000"/>
               </a:lnSpc>
@@ -5854,9 +6019,9 @@
               </a:buClr>
               <a:buSzPts val="1600"/>
               <a:buNone/>
-              <a:defRPr b="1" sz="1600"/>
+              <a:defRPr sz="1600" b="1"/>
             </a:lvl6pPr>
-            <a:lvl7pPr indent="-228600" lvl="6" marL="3200400" algn="l">
+            <a:lvl7pPr marL="3200400" lvl="6" indent="-228600" algn="l">
               <a:lnSpc>
                 <a:spcPct val="90000"/>
               </a:lnSpc>
@@ -5871,9 +6036,9 @@
               </a:buClr>
               <a:buSzPts val="1600"/>
               <a:buNone/>
-              <a:defRPr b="1" sz="1600"/>
+              <a:defRPr sz="1600" b="1"/>
             </a:lvl7pPr>
-            <a:lvl8pPr indent="-228600" lvl="7" marL="3657600" algn="l">
+            <a:lvl8pPr marL="3657600" lvl="7" indent="-228600" algn="l">
               <a:lnSpc>
                 <a:spcPct val="90000"/>
               </a:lnSpc>
@@ -5888,9 +6053,9 @@
               </a:buClr>
               <a:buSzPts val="1600"/>
               <a:buNone/>
-              <a:defRPr b="1" sz="1600"/>
+              <a:defRPr sz="1600" b="1"/>
             </a:lvl8pPr>
-            <a:lvl9pPr indent="-228600" lvl="8" marL="4114800" algn="l">
+            <a:lvl9pPr marL="4114800" lvl="8" indent="-228600" algn="l">
               <a:lnSpc>
                 <a:spcPct val="90000"/>
               </a:lnSpc>
@@ -5905,18 +6070,22 @@
               </a:buClr>
               <a:buSzPts val="1600"/>
               <a:buNone/>
-              <a:defRPr b="1" sz="1600"/>
+              <a:defRPr sz="1600" b="1"/>
             </a:lvl9pPr>
           </a:lstStyle>
-          <a:p/>
+          <a:p>
+            <a:endParaRPr/>
+          </a:p>
         </p:txBody>
       </p:sp>
       <p:sp>
         <p:nvSpPr>
           <p:cNvPr id="39" name="Google Shape;39;p6"/>
-          <p:cNvSpPr txBox="1"/>
+          <p:cNvSpPr txBox="1">
+            <a:spLocks noGrp="1"/>
+          </p:cNvSpPr>
           <p:nvPr>
-            <p:ph idx="2" type="body"/>
+            <p:ph type="body" idx="2"/>
           </p:nvPr>
         </p:nvSpPr>
         <p:spPr>
@@ -5933,11 +6102,11 @@
           </a:ln>
         </p:spPr>
         <p:txBody>
-          <a:bodyPr anchorCtr="0" anchor="t" bIns="45700" lIns="91425" spcFirstLastPara="1" rIns="91425" wrap="square" tIns="45700">
+          <a:bodyPr spcFirstLastPara="1" wrap="square" lIns="91425" tIns="45700" rIns="91425" bIns="45700" anchor="t" anchorCtr="0">
             <a:noAutofit/>
           </a:bodyPr>
           <a:lstStyle>
-            <a:lvl1pPr indent="-342900" lvl="0" marL="457200" algn="l">
+            <a:lvl1pPr marL="457200" lvl="0" indent="-342900" algn="l">
               <a:lnSpc>
                 <a:spcPct val="90000"/>
               </a:lnSpc>
@@ -5954,7 +6123,7 @@
               <a:buChar char="•"/>
               <a:defRPr/>
             </a:lvl1pPr>
-            <a:lvl2pPr indent="-342900" lvl="1" marL="914400" algn="l">
+            <a:lvl2pPr marL="914400" lvl="1" indent="-342900" algn="l">
               <a:lnSpc>
                 <a:spcPct val="90000"/>
               </a:lnSpc>
@@ -5971,7 +6140,7 @@
               <a:buChar char="•"/>
               <a:defRPr/>
             </a:lvl2pPr>
-            <a:lvl3pPr indent="-342900" lvl="2" marL="1371600" algn="l">
+            <a:lvl3pPr marL="1371600" lvl="2" indent="-342900" algn="l">
               <a:lnSpc>
                 <a:spcPct val="90000"/>
               </a:lnSpc>
@@ -5988,7 +6157,7 @@
               <a:buChar char="•"/>
               <a:defRPr/>
             </a:lvl3pPr>
-            <a:lvl4pPr indent="-342900" lvl="3" marL="1828800" algn="l">
+            <a:lvl4pPr marL="1828800" lvl="3" indent="-342900" algn="l">
               <a:lnSpc>
                 <a:spcPct val="90000"/>
               </a:lnSpc>
@@ -6005,7 +6174,7 @@
               <a:buChar char="•"/>
               <a:defRPr/>
             </a:lvl4pPr>
-            <a:lvl5pPr indent="-342900" lvl="4" marL="2286000" algn="l">
+            <a:lvl5pPr marL="2286000" lvl="4" indent="-342900" algn="l">
               <a:lnSpc>
                 <a:spcPct val="90000"/>
               </a:lnSpc>
@@ -6022,7 +6191,7 @@
               <a:buChar char="•"/>
               <a:defRPr/>
             </a:lvl5pPr>
-            <a:lvl6pPr indent="-342900" lvl="5" marL="2743200" algn="l">
+            <a:lvl6pPr marL="2743200" lvl="5" indent="-342900" algn="l">
               <a:lnSpc>
                 <a:spcPct val="90000"/>
               </a:lnSpc>
@@ -6039,7 +6208,7 @@
               <a:buChar char="•"/>
               <a:defRPr/>
             </a:lvl6pPr>
-            <a:lvl7pPr indent="-342900" lvl="6" marL="3200400" algn="l">
+            <a:lvl7pPr marL="3200400" lvl="6" indent="-342900" algn="l">
               <a:lnSpc>
                 <a:spcPct val="90000"/>
               </a:lnSpc>
@@ -6056,7 +6225,7 @@
               <a:buChar char="•"/>
               <a:defRPr/>
             </a:lvl7pPr>
-            <a:lvl8pPr indent="-342900" lvl="7" marL="3657600" algn="l">
+            <a:lvl8pPr marL="3657600" lvl="7" indent="-342900" algn="l">
               <a:lnSpc>
                 <a:spcPct val="90000"/>
               </a:lnSpc>
@@ -6073,7 +6242,7 @@
               <a:buChar char="•"/>
               <a:defRPr/>
             </a:lvl8pPr>
-            <a:lvl9pPr indent="-342900" lvl="8" marL="4114800" algn="l">
+            <a:lvl9pPr marL="4114800" lvl="8" indent="-342900" algn="l">
               <a:lnSpc>
                 <a:spcPct val="90000"/>
               </a:lnSpc>
@@ -6091,15 +6260,19 @@
               <a:defRPr/>
             </a:lvl9pPr>
           </a:lstStyle>
-          <a:p/>
+          <a:p>
+            <a:endParaRPr/>
+          </a:p>
         </p:txBody>
       </p:sp>
       <p:sp>
         <p:nvSpPr>
           <p:cNvPr id="40" name="Google Shape;40;p6"/>
-          <p:cNvSpPr txBox="1"/>
+          <p:cNvSpPr txBox="1">
+            <a:spLocks noGrp="1"/>
+          </p:cNvSpPr>
           <p:nvPr>
-            <p:ph idx="3" type="body"/>
+            <p:ph type="body" idx="3"/>
           </p:nvPr>
         </p:nvSpPr>
         <p:spPr>
@@ -6116,11 +6289,11 @@
           </a:ln>
         </p:spPr>
         <p:txBody>
-          <a:bodyPr anchorCtr="0" anchor="b" bIns="45700" lIns="91425" spcFirstLastPara="1" rIns="91425" wrap="square" tIns="45700">
+          <a:bodyPr spcFirstLastPara="1" wrap="square" lIns="91425" tIns="45700" rIns="91425" bIns="45700" anchor="b" anchorCtr="0">
             <a:noAutofit/>
           </a:bodyPr>
           <a:lstStyle>
-            <a:lvl1pPr indent="-228600" lvl="0" marL="457200" algn="l">
+            <a:lvl1pPr marL="457200" lvl="0" indent="-228600" algn="l">
               <a:lnSpc>
                 <a:spcPct val="90000"/>
               </a:lnSpc>
@@ -6135,9 +6308,9 @@
               </a:buClr>
               <a:buSzPts val="2400"/>
               <a:buNone/>
-              <a:defRPr b="1" sz="2400"/>
+              <a:defRPr sz="2400" b="1"/>
             </a:lvl1pPr>
-            <a:lvl2pPr indent="-228600" lvl="1" marL="914400" algn="l">
+            <a:lvl2pPr marL="914400" lvl="1" indent="-228600" algn="l">
               <a:lnSpc>
                 <a:spcPct val="90000"/>
               </a:lnSpc>
@@ -6152,9 +6325,9 @@
               </a:buClr>
               <a:buSzPts val="2000"/>
               <a:buNone/>
-              <a:defRPr b="1" sz="2000"/>
+              <a:defRPr sz="2000" b="1"/>
             </a:lvl2pPr>
-            <a:lvl3pPr indent="-228600" lvl="2" marL="1371600" algn="l">
+            <a:lvl3pPr marL="1371600" lvl="2" indent="-228600" algn="l">
               <a:lnSpc>
                 <a:spcPct val="90000"/>
               </a:lnSpc>
@@ -6169,9 +6342,9 @@
               </a:buClr>
               <a:buSzPts val="1800"/>
               <a:buNone/>
-              <a:defRPr b="1" sz="1800"/>
+              <a:defRPr sz="1800" b="1"/>
             </a:lvl3pPr>
-            <a:lvl4pPr indent="-228600" lvl="3" marL="1828800" algn="l">
+            <a:lvl4pPr marL="1828800" lvl="3" indent="-228600" algn="l">
               <a:lnSpc>
                 <a:spcPct val="90000"/>
               </a:lnSpc>
@@ -6186,9 +6359,9 @@
               </a:buClr>
               <a:buSzPts val="1600"/>
               <a:buNone/>
-              <a:defRPr b="1" sz="1600"/>
+              <a:defRPr sz="1600" b="1"/>
             </a:lvl4pPr>
-            <a:lvl5pPr indent="-228600" lvl="4" marL="2286000" algn="l">
+            <a:lvl5pPr marL="2286000" lvl="4" indent="-228600" algn="l">
               <a:lnSpc>
                 <a:spcPct val="90000"/>
               </a:lnSpc>
@@ -6203,9 +6376,9 @@
               </a:buClr>
               <a:buSzPts val="1600"/>
               <a:buNone/>
-              <a:defRPr b="1" sz="1600"/>
+              <a:defRPr sz="1600" b="1"/>
             </a:lvl5pPr>
-            <a:lvl6pPr indent="-228600" lvl="5" marL="2743200" algn="l">
+            <a:lvl6pPr marL="2743200" lvl="5" indent="-228600" algn="l">
               <a:lnSpc>
                 <a:spcPct val="90000"/>
               </a:lnSpc>
@@ -6220,9 +6393,9 @@
               </a:buClr>
               <a:buSzPts val="1600"/>
               <a:buNone/>
-              <a:defRPr b="1" sz="1600"/>
+              <a:defRPr sz="1600" b="1"/>
             </a:lvl6pPr>
-            <a:lvl7pPr indent="-228600" lvl="6" marL="3200400" algn="l">
+            <a:lvl7pPr marL="3200400" lvl="6" indent="-228600" algn="l">
               <a:lnSpc>
                 <a:spcPct val="90000"/>
               </a:lnSpc>
@@ -6237,9 +6410,9 @@
               </a:buClr>
               <a:buSzPts val="1600"/>
               <a:buNone/>
-              <a:defRPr b="1" sz="1600"/>
+              <a:defRPr sz="1600" b="1"/>
             </a:lvl7pPr>
-            <a:lvl8pPr indent="-228600" lvl="7" marL="3657600" algn="l">
+            <a:lvl8pPr marL="3657600" lvl="7" indent="-228600" algn="l">
               <a:lnSpc>
                 <a:spcPct val="90000"/>
               </a:lnSpc>
@@ -6254,9 +6427,9 @@
               </a:buClr>
               <a:buSzPts val="1600"/>
               <a:buNone/>
-              <a:defRPr b="1" sz="1600"/>
+              <a:defRPr sz="1600" b="1"/>
             </a:lvl8pPr>
-            <a:lvl9pPr indent="-228600" lvl="8" marL="4114800" algn="l">
+            <a:lvl9pPr marL="4114800" lvl="8" indent="-228600" algn="l">
               <a:lnSpc>
                 <a:spcPct val="90000"/>
               </a:lnSpc>
@@ -6271,18 +6444,22 @@
               </a:buClr>
               <a:buSzPts val="1600"/>
               <a:buNone/>
-              <a:defRPr b="1" sz="1600"/>
+              <a:defRPr sz="1600" b="1"/>
             </a:lvl9pPr>
           </a:lstStyle>
-          <a:p/>
+          <a:p>
+            <a:endParaRPr/>
+          </a:p>
         </p:txBody>
       </p:sp>
       <p:sp>
         <p:nvSpPr>
           <p:cNvPr id="41" name="Google Shape;41;p6"/>
-          <p:cNvSpPr txBox="1"/>
+          <p:cNvSpPr txBox="1">
+            <a:spLocks noGrp="1"/>
+          </p:cNvSpPr>
           <p:nvPr>
-            <p:ph idx="4" type="body"/>
+            <p:ph type="body" idx="4"/>
           </p:nvPr>
         </p:nvSpPr>
         <p:spPr>
@@ -6299,11 +6476,11 @@
           </a:ln>
         </p:spPr>
         <p:txBody>
-          <a:bodyPr anchorCtr="0" anchor="t" bIns="45700" lIns="91425" spcFirstLastPara="1" rIns="91425" wrap="square" tIns="45700">
+          <a:bodyPr spcFirstLastPara="1" wrap="square" lIns="91425" tIns="45700" rIns="91425" bIns="45700" anchor="t" anchorCtr="0">
             <a:noAutofit/>
           </a:bodyPr>
           <a:lstStyle>
-            <a:lvl1pPr indent="-342900" lvl="0" marL="457200" algn="l">
+            <a:lvl1pPr marL="457200" lvl="0" indent="-342900" algn="l">
               <a:lnSpc>
                 <a:spcPct val="90000"/>
               </a:lnSpc>
@@ -6320,7 +6497,7 @@
               <a:buChar char="•"/>
               <a:defRPr/>
             </a:lvl1pPr>
-            <a:lvl2pPr indent="-342900" lvl="1" marL="914400" algn="l">
+            <a:lvl2pPr marL="914400" lvl="1" indent="-342900" algn="l">
               <a:lnSpc>
                 <a:spcPct val="90000"/>
               </a:lnSpc>
@@ -6337,7 +6514,7 @@
               <a:buChar char="•"/>
               <a:defRPr/>
             </a:lvl2pPr>
-            <a:lvl3pPr indent="-342900" lvl="2" marL="1371600" algn="l">
+            <a:lvl3pPr marL="1371600" lvl="2" indent="-342900" algn="l">
               <a:lnSpc>
                 <a:spcPct val="90000"/>
               </a:lnSpc>
@@ -6354,7 +6531,7 @@
               <a:buChar char="•"/>
               <a:defRPr/>
             </a:lvl3pPr>
-            <a:lvl4pPr indent="-342900" lvl="3" marL="1828800" algn="l">
+            <a:lvl4pPr marL="1828800" lvl="3" indent="-342900" algn="l">
               <a:lnSpc>
                 <a:spcPct val="90000"/>
               </a:lnSpc>
@@ -6371,7 +6548,7 @@
               <a:buChar char="•"/>
               <a:defRPr/>
             </a:lvl4pPr>
-            <a:lvl5pPr indent="-342900" lvl="4" marL="2286000" algn="l">
+            <a:lvl5pPr marL="2286000" lvl="4" indent="-342900" algn="l">
               <a:lnSpc>
                 <a:spcPct val="90000"/>
               </a:lnSpc>
@@ -6388,7 +6565,7 @@
               <a:buChar char="•"/>
               <a:defRPr/>
             </a:lvl5pPr>
-            <a:lvl6pPr indent="-342900" lvl="5" marL="2743200" algn="l">
+            <a:lvl6pPr marL="2743200" lvl="5" indent="-342900" algn="l">
               <a:lnSpc>
                 <a:spcPct val="90000"/>
               </a:lnSpc>
@@ -6405,7 +6582,7 @@
               <a:buChar char="•"/>
               <a:defRPr/>
             </a:lvl6pPr>
-            <a:lvl7pPr indent="-342900" lvl="6" marL="3200400" algn="l">
+            <a:lvl7pPr marL="3200400" lvl="6" indent="-342900" algn="l">
               <a:lnSpc>
                 <a:spcPct val="90000"/>
               </a:lnSpc>
@@ -6422,7 +6599,7 @@
               <a:buChar char="•"/>
               <a:defRPr/>
             </a:lvl7pPr>
-            <a:lvl8pPr indent="-342900" lvl="7" marL="3657600" algn="l">
+            <a:lvl8pPr marL="3657600" lvl="7" indent="-342900" algn="l">
               <a:lnSpc>
                 <a:spcPct val="90000"/>
               </a:lnSpc>
@@ -6439,7 +6616,7 @@
               <a:buChar char="•"/>
               <a:defRPr/>
             </a:lvl8pPr>
-            <a:lvl9pPr indent="-342900" lvl="8" marL="4114800" algn="l">
+            <a:lvl9pPr marL="4114800" lvl="8" indent="-342900" algn="l">
               <a:lnSpc>
                 <a:spcPct val="90000"/>
               </a:lnSpc>
@@ -6457,15 +6634,19 @@
               <a:defRPr/>
             </a:lvl9pPr>
           </a:lstStyle>
-          <a:p/>
+          <a:p>
+            <a:endParaRPr/>
+          </a:p>
         </p:txBody>
       </p:sp>
       <p:sp>
         <p:nvSpPr>
           <p:cNvPr id="42" name="Google Shape;42;p6"/>
-          <p:cNvSpPr txBox="1"/>
+          <p:cNvSpPr txBox="1">
+            <a:spLocks noGrp="1"/>
+          </p:cNvSpPr>
           <p:nvPr>
-            <p:ph idx="10" type="dt"/>
+            <p:ph type="dt" idx="10"/>
           </p:nvPr>
         </p:nvSpPr>
         <p:spPr>
@@ -6482,7 +6663,7 @@
           </a:ln>
         </p:spPr>
         <p:txBody>
-          <a:bodyPr anchorCtr="0" anchor="ctr" bIns="45700" lIns="91425" spcFirstLastPara="1" rIns="91425" wrap="square" tIns="45700">
+          <a:bodyPr spcFirstLastPara="1" wrap="square" lIns="91425" tIns="45700" rIns="91425" bIns="45700" anchor="ctr" anchorCtr="0">
             <a:noAutofit/>
           </a:bodyPr>
           <a:lstStyle>
@@ -6586,15 +6767,19 @@
               <a:defRPr/>
             </a:lvl9pPr>
           </a:lstStyle>
-          <a:p/>
+          <a:p>
+            <a:endParaRPr/>
+          </a:p>
         </p:txBody>
       </p:sp>
       <p:sp>
         <p:nvSpPr>
           <p:cNvPr id="43" name="Google Shape;43;p6"/>
-          <p:cNvSpPr txBox="1"/>
+          <p:cNvSpPr txBox="1">
+            <a:spLocks noGrp="1"/>
+          </p:cNvSpPr>
           <p:nvPr>
-            <p:ph idx="11" type="ftr"/>
+            <p:ph type="ftr" idx="11"/>
           </p:nvPr>
         </p:nvSpPr>
         <p:spPr>
@@ -6611,7 +6796,7 @@
           </a:ln>
         </p:spPr>
         <p:txBody>
-          <a:bodyPr anchorCtr="0" anchor="ctr" bIns="45700" lIns="91425" spcFirstLastPara="1" rIns="91425" wrap="square" tIns="45700">
+          <a:bodyPr spcFirstLastPara="1" wrap="square" lIns="91425" tIns="45700" rIns="91425" bIns="45700" anchor="ctr" anchorCtr="0">
             <a:noAutofit/>
           </a:bodyPr>
           <a:lstStyle>
@@ -6715,15 +6900,19 @@
               <a:defRPr/>
             </a:lvl9pPr>
           </a:lstStyle>
-          <a:p/>
+          <a:p>
+            <a:endParaRPr/>
+          </a:p>
         </p:txBody>
       </p:sp>
       <p:sp>
         <p:nvSpPr>
           <p:cNvPr id="44" name="Google Shape;44;p6"/>
-          <p:cNvSpPr txBox="1"/>
+          <p:cNvSpPr txBox="1">
+            <a:spLocks noGrp="1"/>
+          </p:cNvSpPr>
           <p:nvPr>
-            <p:ph idx="12" type="sldNum"/>
+            <p:ph type="sldNum" idx="12"/>
           </p:nvPr>
         </p:nvSpPr>
         <p:spPr>
@@ -6740,67 +6929,67 @@
           </a:ln>
         </p:spPr>
         <p:txBody>
-          <a:bodyPr anchorCtr="0" anchor="ctr" bIns="45700" lIns="91425" spcFirstLastPara="1" rIns="91425" wrap="square" tIns="45700">
+          <a:bodyPr spcFirstLastPara="1" wrap="square" lIns="91425" tIns="45700" rIns="91425" bIns="45700" anchor="ctr" anchorCtr="0">
             <a:noAutofit/>
           </a:bodyPr>
           <a:lstStyle>
-            <a:lvl1pPr indent="0" lvl="0" marL="0" algn="r">
+            <a:lvl1pPr marL="0" lvl="0" indent="0" algn="r">
               <a:spcBef>
                 <a:spcPts val="0"/>
               </a:spcBef>
               <a:buNone/>
               <a:defRPr/>
             </a:lvl1pPr>
-            <a:lvl2pPr indent="0" lvl="1" marL="0" algn="r">
+            <a:lvl2pPr marL="0" lvl="1" indent="0" algn="r">
               <a:spcBef>
                 <a:spcPts val="0"/>
               </a:spcBef>
               <a:buNone/>
               <a:defRPr/>
             </a:lvl2pPr>
-            <a:lvl3pPr indent="0" lvl="2" marL="0" algn="r">
+            <a:lvl3pPr marL="0" lvl="2" indent="0" algn="r">
               <a:spcBef>
                 <a:spcPts val="0"/>
               </a:spcBef>
               <a:buNone/>
               <a:defRPr/>
             </a:lvl3pPr>
-            <a:lvl4pPr indent="0" lvl="3" marL="0" algn="r">
+            <a:lvl4pPr marL="0" lvl="3" indent="0" algn="r">
               <a:spcBef>
                 <a:spcPts val="0"/>
               </a:spcBef>
               <a:buNone/>
               <a:defRPr/>
             </a:lvl4pPr>
-            <a:lvl5pPr indent="0" lvl="4" marL="0" algn="r">
+            <a:lvl5pPr marL="0" lvl="4" indent="0" algn="r">
               <a:spcBef>
                 <a:spcPts val="0"/>
               </a:spcBef>
               <a:buNone/>
               <a:defRPr/>
             </a:lvl5pPr>
-            <a:lvl6pPr indent="0" lvl="5" marL="0" algn="r">
+            <a:lvl6pPr marL="0" lvl="5" indent="0" algn="r">
               <a:spcBef>
                 <a:spcPts val="0"/>
               </a:spcBef>
               <a:buNone/>
               <a:defRPr/>
             </a:lvl6pPr>
-            <a:lvl7pPr indent="0" lvl="6" marL="0" algn="r">
+            <a:lvl7pPr marL="0" lvl="6" indent="0" algn="r">
               <a:spcBef>
                 <a:spcPts val="0"/>
               </a:spcBef>
               <a:buNone/>
               <a:defRPr/>
             </a:lvl7pPr>
-            <a:lvl8pPr indent="0" lvl="7" marL="0" algn="r">
+            <a:lvl8pPr marL="0" lvl="7" indent="0" algn="r">
               <a:spcBef>
                 <a:spcPts val="0"/>
               </a:spcBef>
               <a:buNone/>
               <a:defRPr/>
             </a:lvl8pPr>
-            <a:lvl9pPr indent="0" lvl="8" marL="0" algn="r">
+            <a:lvl9pPr marL="0" lvl="8" indent="0" algn="r">
               <a:spcBef>
                 <a:spcPts val="0"/>
               </a:spcBef>
@@ -6809,7 +6998,7 @@
             </a:lvl9pPr>
           </a:lstStyle>
           <a:p>
-            <a:pPr indent="0" lvl="0" marL="0" rtl="0" algn="r">
+            <a:pPr marL="0" lvl="0" indent="0" algn="r" rtl="0">
               <a:spcBef>
                 <a:spcPts val="0"/>
               </a:spcBef>
@@ -6820,7 +7009,7 @@
             </a:pPr>
             <a:fld id="{00000000-1234-1234-1234-123412341234}" type="slidenum">
               <a:rPr lang="pt-BR"/>
-              <a:t>‹#›</a:t>
+              <a:t>‹nº›</a:t>
             </a:fld>
             <a:endParaRPr/>
           </a:p>
@@ -6835,11 +7024,11 @@
 </file>
 
 <file path=ppt/slideLayouts/slideLayout6.xml><?xml version="1.0" encoding="utf-8"?>
-<p:sldLayout xmlns:a="http://schemas.openxmlformats.org/drawingml/2006/main" xmlns:r="http://schemas.openxmlformats.org/officeDocument/2006/relationships" xmlns:mc="http://schemas.openxmlformats.org/markup-compatibility/2006" xmlns:mv="urn:schemas-microsoft-com:mac:vml" xmlns:p="http://schemas.openxmlformats.org/presentationml/2006/main" xmlns:c="http://schemas.openxmlformats.org/drawingml/2006/chart" xmlns:dgm="http://schemas.openxmlformats.org/drawingml/2006/diagram" xmlns:o="urn:schemas-microsoft-com:office:office" xmlns:v="urn:schemas-microsoft-com:vml" xmlns:pvml="urn:schemas-microsoft-com:office:powerpoint" xmlns:com="http://schemas.openxmlformats.org/drawingml/2006/compatibility" xmlns:p14="http://schemas.microsoft.com/office/powerpoint/2010/main" xmlns:p15="http://schemas.microsoft.com/office/powerpoint/2012/main" matchingName="Somente título" type="titleOnly">
+<p:sldLayout xmlns:a="http://schemas.openxmlformats.org/drawingml/2006/main" xmlns:r="http://schemas.openxmlformats.org/officeDocument/2006/relationships" xmlns:p="http://schemas.openxmlformats.org/presentationml/2006/main" matchingName="Somente título" type="titleOnly">
   <p:cSld name="TITLE_ONLY">
     <p:spTree>
       <p:nvGrpSpPr>
-        <p:cNvPr id="45" name="Shape 45"/>
+        <p:cNvPr id="1" name="Shape 45"/>
         <p:cNvGrpSpPr/>
         <p:nvPr/>
       </p:nvGrpSpPr>
@@ -6854,7 +7043,9 @@
       <p:sp>
         <p:nvSpPr>
           <p:cNvPr id="46" name="Google Shape;46;p7"/>
-          <p:cNvSpPr txBox="1"/>
+          <p:cNvSpPr txBox="1">
+            <a:spLocks noGrp="1"/>
+          </p:cNvSpPr>
           <p:nvPr>
             <p:ph type="title"/>
           </p:nvPr>
@@ -6873,7 +7064,7 @@
           </a:ln>
         </p:spPr>
         <p:txBody>
-          <a:bodyPr anchorCtr="0" anchor="ctr" bIns="45700" lIns="91425" spcFirstLastPara="1" rIns="91425" wrap="square" tIns="45700">
+          <a:bodyPr spcFirstLastPara="1" wrap="square" lIns="91425" tIns="45700" rIns="91425" bIns="45700" anchor="ctr" anchorCtr="0">
             <a:noAutofit/>
           </a:bodyPr>
           <a:lstStyle>
@@ -6983,15 +7174,19 @@
               <a:defRPr/>
             </a:lvl9pPr>
           </a:lstStyle>
-          <a:p/>
+          <a:p>
+            <a:endParaRPr/>
+          </a:p>
         </p:txBody>
       </p:sp>
       <p:sp>
         <p:nvSpPr>
           <p:cNvPr id="47" name="Google Shape;47;p7"/>
-          <p:cNvSpPr txBox="1"/>
+          <p:cNvSpPr txBox="1">
+            <a:spLocks noGrp="1"/>
+          </p:cNvSpPr>
           <p:nvPr>
-            <p:ph idx="10" type="dt"/>
+            <p:ph type="dt" idx="10"/>
           </p:nvPr>
         </p:nvSpPr>
         <p:spPr>
@@ -7008,7 +7203,7 @@
           </a:ln>
         </p:spPr>
         <p:txBody>
-          <a:bodyPr anchorCtr="0" anchor="ctr" bIns="45700" lIns="91425" spcFirstLastPara="1" rIns="91425" wrap="square" tIns="45700">
+          <a:bodyPr spcFirstLastPara="1" wrap="square" lIns="91425" tIns="45700" rIns="91425" bIns="45700" anchor="ctr" anchorCtr="0">
             <a:noAutofit/>
           </a:bodyPr>
           <a:lstStyle>
@@ -7112,15 +7307,19 @@
               <a:defRPr/>
             </a:lvl9pPr>
           </a:lstStyle>
-          <a:p/>
+          <a:p>
+            <a:endParaRPr/>
+          </a:p>
         </p:txBody>
       </p:sp>
       <p:sp>
         <p:nvSpPr>
           <p:cNvPr id="48" name="Google Shape;48;p7"/>
-          <p:cNvSpPr txBox="1"/>
+          <p:cNvSpPr txBox="1">
+            <a:spLocks noGrp="1"/>
+          </p:cNvSpPr>
           <p:nvPr>
-            <p:ph idx="11" type="ftr"/>
+            <p:ph type="ftr" idx="11"/>
           </p:nvPr>
         </p:nvSpPr>
         <p:spPr>
@@ -7137,7 +7336,7 @@
           </a:ln>
         </p:spPr>
         <p:txBody>
-          <a:bodyPr anchorCtr="0" anchor="ctr" bIns="45700" lIns="91425" spcFirstLastPara="1" rIns="91425" wrap="square" tIns="45700">
+          <a:bodyPr spcFirstLastPara="1" wrap="square" lIns="91425" tIns="45700" rIns="91425" bIns="45700" anchor="ctr" anchorCtr="0">
             <a:noAutofit/>
           </a:bodyPr>
           <a:lstStyle>
@@ -7241,15 +7440,19 @@
               <a:defRPr/>
             </a:lvl9pPr>
           </a:lstStyle>
-          <a:p/>
+          <a:p>
+            <a:endParaRPr/>
+          </a:p>
         </p:txBody>
       </p:sp>
       <p:sp>
         <p:nvSpPr>
           <p:cNvPr id="49" name="Google Shape;49;p7"/>
-          <p:cNvSpPr txBox="1"/>
+          <p:cNvSpPr txBox="1">
+            <a:spLocks noGrp="1"/>
+          </p:cNvSpPr>
           <p:nvPr>
-            <p:ph idx="12" type="sldNum"/>
+            <p:ph type="sldNum" idx="12"/>
           </p:nvPr>
         </p:nvSpPr>
         <p:spPr>
@@ -7266,67 +7469,67 @@
           </a:ln>
         </p:spPr>
         <p:txBody>
-          <a:bodyPr anchorCtr="0" anchor="ctr" bIns="45700" lIns="91425" spcFirstLastPara="1" rIns="91425" wrap="square" tIns="45700">
+          <a:bodyPr spcFirstLastPara="1" wrap="square" lIns="91425" tIns="45700" rIns="91425" bIns="45700" anchor="ctr" anchorCtr="0">
             <a:noAutofit/>
           </a:bodyPr>
           <a:lstStyle>
-            <a:lvl1pPr indent="0" lvl="0" marL="0" algn="r">
+            <a:lvl1pPr marL="0" lvl="0" indent="0" algn="r">
               <a:spcBef>
                 <a:spcPts val="0"/>
               </a:spcBef>
               <a:buNone/>
               <a:defRPr/>
             </a:lvl1pPr>
-            <a:lvl2pPr indent="0" lvl="1" marL="0" algn="r">
+            <a:lvl2pPr marL="0" lvl="1" indent="0" algn="r">
               <a:spcBef>
                 <a:spcPts val="0"/>
               </a:spcBef>
               <a:buNone/>
               <a:defRPr/>
             </a:lvl2pPr>
-            <a:lvl3pPr indent="0" lvl="2" marL="0" algn="r">
+            <a:lvl3pPr marL="0" lvl="2" indent="0" algn="r">
               <a:spcBef>
                 <a:spcPts val="0"/>
               </a:spcBef>
               <a:buNone/>
               <a:defRPr/>
             </a:lvl3pPr>
-            <a:lvl4pPr indent="0" lvl="3" marL="0" algn="r">
+            <a:lvl4pPr marL="0" lvl="3" indent="0" algn="r">
               <a:spcBef>
                 <a:spcPts val="0"/>
               </a:spcBef>
               <a:buNone/>
               <a:defRPr/>
             </a:lvl4pPr>
-            <a:lvl5pPr indent="0" lvl="4" marL="0" algn="r">
+            <a:lvl5pPr marL="0" lvl="4" indent="0" algn="r">
               <a:spcBef>
                 <a:spcPts val="0"/>
               </a:spcBef>
               <a:buNone/>
               <a:defRPr/>
             </a:lvl5pPr>
-            <a:lvl6pPr indent="0" lvl="5" marL="0" algn="r">
+            <a:lvl6pPr marL="0" lvl="5" indent="0" algn="r">
               <a:spcBef>
                 <a:spcPts val="0"/>
               </a:spcBef>
               <a:buNone/>
               <a:defRPr/>
             </a:lvl6pPr>
-            <a:lvl7pPr indent="0" lvl="6" marL="0" algn="r">
+            <a:lvl7pPr marL="0" lvl="6" indent="0" algn="r">
               <a:spcBef>
                 <a:spcPts val="0"/>
               </a:spcBef>
               <a:buNone/>
               <a:defRPr/>
             </a:lvl7pPr>
-            <a:lvl8pPr indent="0" lvl="7" marL="0" algn="r">
+            <a:lvl8pPr marL="0" lvl="7" indent="0" algn="r">
               <a:spcBef>
                 <a:spcPts val="0"/>
               </a:spcBef>
               <a:buNone/>
               <a:defRPr/>
             </a:lvl8pPr>
-            <a:lvl9pPr indent="0" lvl="8" marL="0" algn="r">
+            <a:lvl9pPr marL="0" lvl="8" indent="0" algn="r">
               <a:spcBef>
                 <a:spcPts val="0"/>
               </a:spcBef>
@@ -7335,7 +7538,7 @@
             </a:lvl9pPr>
           </a:lstStyle>
           <a:p>
-            <a:pPr indent="0" lvl="0" marL="0" rtl="0" algn="r">
+            <a:pPr marL="0" lvl="0" indent="0" algn="r" rtl="0">
               <a:spcBef>
                 <a:spcPts val="0"/>
               </a:spcBef>
@@ -7346,7 +7549,7 @@
             </a:pPr>
             <a:fld id="{00000000-1234-1234-1234-123412341234}" type="slidenum">
               <a:rPr lang="pt-BR"/>
-              <a:t>‹#›</a:t>
+              <a:t>‹nº›</a:t>
             </a:fld>
             <a:endParaRPr/>
           </a:p>
@@ -7361,11 +7564,11 @@
 </file>
 
 <file path=ppt/slideLayouts/slideLayout7.xml><?xml version="1.0" encoding="utf-8"?>
-<p:sldLayout xmlns:a="http://schemas.openxmlformats.org/drawingml/2006/main" xmlns:r="http://schemas.openxmlformats.org/officeDocument/2006/relationships" xmlns:mc="http://schemas.openxmlformats.org/markup-compatibility/2006" xmlns:mv="urn:schemas-microsoft-com:mac:vml" xmlns:p="http://schemas.openxmlformats.org/presentationml/2006/main" xmlns:c="http://schemas.openxmlformats.org/drawingml/2006/chart" xmlns:dgm="http://schemas.openxmlformats.org/drawingml/2006/diagram" xmlns:o="urn:schemas-microsoft-com:office:office" xmlns:v="urn:schemas-microsoft-com:vml" xmlns:pvml="urn:schemas-microsoft-com:office:powerpoint" xmlns:com="http://schemas.openxmlformats.org/drawingml/2006/compatibility" xmlns:p14="http://schemas.microsoft.com/office/powerpoint/2010/main" xmlns:p15="http://schemas.microsoft.com/office/powerpoint/2012/main" matchingName="Em branco" type="blank">
+<p:sldLayout xmlns:a="http://schemas.openxmlformats.org/drawingml/2006/main" xmlns:r="http://schemas.openxmlformats.org/officeDocument/2006/relationships" xmlns:p="http://schemas.openxmlformats.org/presentationml/2006/main" matchingName="Em branco" type="blank">
   <p:cSld name="BLANK">
     <p:spTree>
       <p:nvGrpSpPr>
-        <p:cNvPr id="50" name="Shape 50"/>
+        <p:cNvPr id="1" name="Shape 50"/>
         <p:cNvGrpSpPr/>
         <p:nvPr/>
       </p:nvGrpSpPr>
@@ -7380,9 +7583,11 @@
       <p:sp>
         <p:nvSpPr>
           <p:cNvPr id="51" name="Google Shape;51;p8"/>
-          <p:cNvSpPr txBox="1"/>
+          <p:cNvSpPr txBox="1">
+            <a:spLocks noGrp="1"/>
+          </p:cNvSpPr>
           <p:nvPr>
-            <p:ph idx="10" type="dt"/>
+            <p:ph type="dt" idx="10"/>
           </p:nvPr>
         </p:nvSpPr>
         <p:spPr>
@@ -7399,7 +7604,7 @@
           </a:ln>
         </p:spPr>
         <p:txBody>
-          <a:bodyPr anchorCtr="0" anchor="ctr" bIns="45700" lIns="91425" spcFirstLastPara="1" rIns="91425" wrap="square" tIns="45700">
+          <a:bodyPr spcFirstLastPara="1" wrap="square" lIns="91425" tIns="45700" rIns="91425" bIns="45700" anchor="ctr" anchorCtr="0">
             <a:noAutofit/>
           </a:bodyPr>
           <a:lstStyle>
@@ -7503,15 +7708,19 @@
               <a:defRPr/>
             </a:lvl9pPr>
           </a:lstStyle>
-          <a:p/>
+          <a:p>
+            <a:endParaRPr/>
+          </a:p>
         </p:txBody>
       </p:sp>
       <p:sp>
         <p:nvSpPr>
           <p:cNvPr id="52" name="Google Shape;52;p8"/>
-          <p:cNvSpPr txBox="1"/>
+          <p:cNvSpPr txBox="1">
+            <a:spLocks noGrp="1"/>
+          </p:cNvSpPr>
           <p:nvPr>
-            <p:ph idx="11" type="ftr"/>
+            <p:ph type="ftr" idx="11"/>
           </p:nvPr>
         </p:nvSpPr>
         <p:spPr>
@@ -7528,7 +7737,7 @@
           </a:ln>
         </p:spPr>
         <p:txBody>
-          <a:bodyPr anchorCtr="0" anchor="ctr" bIns="45700" lIns="91425" spcFirstLastPara="1" rIns="91425" wrap="square" tIns="45700">
+          <a:bodyPr spcFirstLastPara="1" wrap="square" lIns="91425" tIns="45700" rIns="91425" bIns="45700" anchor="ctr" anchorCtr="0">
             <a:noAutofit/>
           </a:bodyPr>
           <a:lstStyle>
@@ -7632,15 +7841,19 @@
               <a:defRPr/>
             </a:lvl9pPr>
           </a:lstStyle>
-          <a:p/>
+          <a:p>
+            <a:endParaRPr/>
+          </a:p>
         </p:txBody>
       </p:sp>
       <p:sp>
         <p:nvSpPr>
           <p:cNvPr id="53" name="Google Shape;53;p8"/>
-          <p:cNvSpPr txBox="1"/>
+          <p:cNvSpPr txBox="1">
+            <a:spLocks noGrp="1"/>
+          </p:cNvSpPr>
           <p:nvPr>
-            <p:ph idx="12" type="sldNum"/>
+            <p:ph type="sldNum" idx="12"/>
           </p:nvPr>
         </p:nvSpPr>
         <p:spPr>
@@ -7657,67 +7870,67 @@
           </a:ln>
         </p:spPr>
         <p:txBody>
-          <a:bodyPr anchorCtr="0" anchor="ctr" bIns="45700" lIns="91425" spcFirstLastPara="1" rIns="91425" wrap="square" tIns="45700">
+          <a:bodyPr spcFirstLastPara="1" wrap="square" lIns="91425" tIns="45700" rIns="91425" bIns="45700" anchor="ctr" anchorCtr="0">
             <a:noAutofit/>
           </a:bodyPr>
           <a:lstStyle>
-            <a:lvl1pPr indent="0" lvl="0" marL="0" algn="r">
+            <a:lvl1pPr marL="0" lvl="0" indent="0" algn="r">
               <a:spcBef>
                 <a:spcPts val="0"/>
               </a:spcBef>
               <a:buNone/>
               <a:defRPr/>
             </a:lvl1pPr>
-            <a:lvl2pPr indent="0" lvl="1" marL="0" algn="r">
+            <a:lvl2pPr marL="0" lvl="1" indent="0" algn="r">
               <a:spcBef>
                 <a:spcPts val="0"/>
               </a:spcBef>
               <a:buNone/>
               <a:defRPr/>
             </a:lvl2pPr>
-            <a:lvl3pPr indent="0" lvl="2" marL="0" algn="r">
+            <a:lvl3pPr marL="0" lvl="2" indent="0" algn="r">
               <a:spcBef>
                 <a:spcPts val="0"/>
               </a:spcBef>
               <a:buNone/>
               <a:defRPr/>
             </a:lvl3pPr>
-            <a:lvl4pPr indent="0" lvl="3" marL="0" algn="r">
+            <a:lvl4pPr marL="0" lvl="3" indent="0" algn="r">
               <a:spcBef>
                 <a:spcPts val="0"/>
               </a:spcBef>
               <a:buNone/>
               <a:defRPr/>
             </a:lvl4pPr>
-            <a:lvl5pPr indent="0" lvl="4" marL="0" algn="r">
+            <a:lvl5pPr marL="0" lvl="4" indent="0" algn="r">
               <a:spcBef>
                 <a:spcPts val="0"/>
               </a:spcBef>
               <a:buNone/>
               <a:defRPr/>
             </a:lvl5pPr>
-            <a:lvl6pPr indent="0" lvl="5" marL="0" algn="r">
+            <a:lvl6pPr marL="0" lvl="5" indent="0" algn="r">
               <a:spcBef>
                 <a:spcPts val="0"/>
               </a:spcBef>
               <a:buNone/>
               <a:defRPr/>
             </a:lvl6pPr>
-            <a:lvl7pPr indent="0" lvl="6" marL="0" algn="r">
+            <a:lvl7pPr marL="0" lvl="6" indent="0" algn="r">
               <a:spcBef>
                 <a:spcPts val="0"/>
               </a:spcBef>
               <a:buNone/>
               <a:defRPr/>
             </a:lvl7pPr>
-            <a:lvl8pPr indent="0" lvl="7" marL="0" algn="r">
+            <a:lvl8pPr marL="0" lvl="7" indent="0" algn="r">
               <a:spcBef>
                 <a:spcPts val="0"/>
               </a:spcBef>
               <a:buNone/>
               <a:defRPr/>
             </a:lvl8pPr>
-            <a:lvl9pPr indent="0" lvl="8" marL="0" algn="r">
+            <a:lvl9pPr marL="0" lvl="8" indent="0" algn="r">
               <a:spcBef>
                 <a:spcPts val="0"/>
               </a:spcBef>
@@ -7726,7 +7939,7 @@
             </a:lvl9pPr>
           </a:lstStyle>
           <a:p>
-            <a:pPr indent="0" lvl="0" marL="0" rtl="0" algn="r">
+            <a:pPr marL="0" lvl="0" indent="0" algn="r" rtl="0">
               <a:spcBef>
                 <a:spcPts val="0"/>
               </a:spcBef>
@@ -7737,7 +7950,7 @@
             </a:pPr>
             <a:fld id="{00000000-1234-1234-1234-123412341234}" type="slidenum">
               <a:rPr lang="pt-BR"/>
-              <a:t>‹#›</a:t>
+              <a:t>‹nº›</a:t>
             </a:fld>
             <a:endParaRPr/>
           </a:p>
@@ -7752,11 +7965,11 @@
 </file>
 
 <file path=ppt/slideLayouts/slideLayout8.xml><?xml version="1.0" encoding="utf-8"?>
-<p:sldLayout xmlns:a="http://schemas.openxmlformats.org/drawingml/2006/main" xmlns:r="http://schemas.openxmlformats.org/officeDocument/2006/relationships" xmlns:mc="http://schemas.openxmlformats.org/markup-compatibility/2006" xmlns:mv="urn:schemas-microsoft-com:mac:vml" xmlns:p="http://schemas.openxmlformats.org/presentationml/2006/main" xmlns:c="http://schemas.openxmlformats.org/drawingml/2006/chart" xmlns:dgm="http://schemas.openxmlformats.org/drawingml/2006/diagram" xmlns:o="urn:schemas-microsoft-com:office:office" xmlns:v="urn:schemas-microsoft-com:vml" xmlns:pvml="urn:schemas-microsoft-com:office:powerpoint" xmlns:com="http://schemas.openxmlformats.org/drawingml/2006/compatibility" xmlns:p14="http://schemas.microsoft.com/office/powerpoint/2010/main" xmlns:p15="http://schemas.microsoft.com/office/powerpoint/2012/main" matchingName="Conteúdo com Legenda" type="objTx">
+<p:sldLayout xmlns:a="http://schemas.openxmlformats.org/drawingml/2006/main" xmlns:r="http://schemas.openxmlformats.org/officeDocument/2006/relationships" xmlns:p="http://schemas.openxmlformats.org/presentationml/2006/main" matchingName="Conteúdo com Legenda" type="objTx">
   <p:cSld name="OBJECT_WITH_CAPTION_TEXT">
     <p:spTree>
       <p:nvGrpSpPr>
-        <p:cNvPr id="54" name="Shape 54"/>
+        <p:cNvPr id="1" name="Shape 54"/>
         <p:cNvGrpSpPr/>
         <p:nvPr/>
       </p:nvGrpSpPr>
@@ -7771,7 +7984,9 @@
       <p:sp>
         <p:nvSpPr>
           <p:cNvPr id="55" name="Google Shape;55;p9"/>
-          <p:cNvSpPr txBox="1"/>
+          <p:cNvSpPr txBox="1">
+            <a:spLocks noGrp="1"/>
+          </p:cNvSpPr>
           <p:nvPr>
             <p:ph type="title"/>
           </p:nvPr>
@@ -7790,7 +8005,7 @@
           </a:ln>
         </p:spPr>
         <p:txBody>
-          <a:bodyPr anchorCtr="0" anchor="b" bIns="45700" lIns="91425" spcFirstLastPara="1" rIns="91425" wrap="square" tIns="45700">
+          <a:bodyPr spcFirstLastPara="1" wrap="square" lIns="91425" tIns="45700" rIns="91425" bIns="45700" anchor="b" anchorCtr="0">
             <a:noAutofit/>
           </a:bodyPr>
           <a:lstStyle>
@@ -7901,15 +8116,19 @@
               <a:defRPr/>
             </a:lvl9pPr>
           </a:lstStyle>
-          <a:p/>
+          <a:p>
+            <a:endParaRPr/>
+          </a:p>
         </p:txBody>
       </p:sp>
       <p:sp>
         <p:nvSpPr>
           <p:cNvPr id="56" name="Google Shape;56;p9"/>
-          <p:cNvSpPr txBox="1"/>
+          <p:cNvSpPr txBox="1">
+            <a:spLocks noGrp="1"/>
+          </p:cNvSpPr>
           <p:nvPr>
-            <p:ph idx="1" type="body"/>
+            <p:ph type="body" idx="1"/>
           </p:nvPr>
         </p:nvSpPr>
         <p:spPr>
@@ -7926,11 +8145,11 @@
           </a:ln>
         </p:spPr>
         <p:txBody>
-          <a:bodyPr anchorCtr="0" anchor="t" bIns="45700" lIns="91425" spcFirstLastPara="1" rIns="91425" wrap="square" tIns="45700">
+          <a:bodyPr spcFirstLastPara="1" wrap="square" lIns="91425" tIns="45700" rIns="91425" bIns="45700" anchor="t" anchorCtr="0">
             <a:noAutofit/>
           </a:bodyPr>
           <a:lstStyle>
-            <a:lvl1pPr indent="-431800" lvl="0" marL="457200" algn="l">
+            <a:lvl1pPr marL="457200" lvl="0" indent="-431800" algn="l">
               <a:lnSpc>
                 <a:spcPct val="90000"/>
               </a:lnSpc>
@@ -7947,7 +8166,7 @@
               <a:buChar char="•"/>
               <a:defRPr sz="3200"/>
             </a:lvl1pPr>
-            <a:lvl2pPr indent="-406400" lvl="1" marL="914400" algn="l">
+            <a:lvl2pPr marL="914400" lvl="1" indent="-406400" algn="l">
               <a:lnSpc>
                 <a:spcPct val="90000"/>
               </a:lnSpc>
@@ -7964,7 +8183,7 @@
               <a:buChar char="•"/>
               <a:defRPr sz="2800"/>
             </a:lvl2pPr>
-            <a:lvl3pPr indent="-381000" lvl="2" marL="1371600" algn="l">
+            <a:lvl3pPr marL="1371600" lvl="2" indent="-381000" algn="l">
               <a:lnSpc>
                 <a:spcPct val="90000"/>
               </a:lnSpc>
@@ -7981,7 +8200,7 @@
               <a:buChar char="•"/>
               <a:defRPr sz="2400"/>
             </a:lvl3pPr>
-            <a:lvl4pPr indent="-355600" lvl="3" marL="1828800" algn="l">
+            <a:lvl4pPr marL="1828800" lvl="3" indent="-355600" algn="l">
               <a:lnSpc>
                 <a:spcPct val="90000"/>
               </a:lnSpc>
@@ -7998,7 +8217,7 @@
               <a:buChar char="•"/>
               <a:defRPr sz="2000"/>
             </a:lvl4pPr>
-            <a:lvl5pPr indent="-355600" lvl="4" marL="2286000" algn="l">
+            <a:lvl5pPr marL="2286000" lvl="4" indent="-355600" algn="l">
               <a:lnSpc>
                 <a:spcPct val="90000"/>
               </a:lnSpc>
@@ -8015,7 +8234,7 @@
               <a:buChar char="•"/>
               <a:defRPr sz="2000"/>
             </a:lvl5pPr>
-            <a:lvl6pPr indent="-355600" lvl="5" marL="2743200" algn="l">
+            <a:lvl6pPr marL="2743200" lvl="5" indent="-355600" algn="l">
               <a:lnSpc>
                 <a:spcPct val="90000"/>
               </a:lnSpc>
@@ -8032,7 +8251,7 @@
               <a:buChar char="•"/>
               <a:defRPr sz="2000"/>
             </a:lvl6pPr>
-            <a:lvl7pPr indent="-355600" lvl="6" marL="3200400" algn="l">
+            <a:lvl7pPr marL="3200400" lvl="6" indent="-355600" algn="l">
               <a:lnSpc>
                 <a:spcPct val="90000"/>
               </a:lnSpc>
@@ -8049,7 +8268,7 @@
               <a:buChar char="•"/>
               <a:defRPr sz="2000"/>
             </a:lvl7pPr>
-            <a:lvl8pPr indent="-355600" lvl="7" marL="3657600" algn="l">
+            <a:lvl8pPr marL="3657600" lvl="7" indent="-355600" algn="l">
               <a:lnSpc>
                 <a:spcPct val="90000"/>
               </a:lnSpc>
@@ -8066,7 +8285,7 @@
               <a:buChar char="•"/>
               <a:defRPr sz="2000"/>
             </a:lvl8pPr>
-            <a:lvl9pPr indent="-355600" lvl="8" marL="4114800" algn="l">
+            <a:lvl9pPr marL="4114800" lvl="8" indent="-355600" algn="l">
               <a:lnSpc>
                 <a:spcPct val="90000"/>
               </a:lnSpc>
@@ -8084,15 +8303,19 @@
               <a:defRPr sz="2000"/>
             </a:lvl9pPr>
           </a:lstStyle>
-          <a:p/>
+          <a:p>
+            <a:endParaRPr/>
+          </a:p>
         </p:txBody>
       </p:sp>
       <p:sp>
         <p:nvSpPr>
           <p:cNvPr id="57" name="Google Shape;57;p9"/>
-          <p:cNvSpPr txBox="1"/>
+          <p:cNvSpPr txBox="1">
+            <a:spLocks noGrp="1"/>
+          </p:cNvSpPr>
           <p:nvPr>
-            <p:ph idx="2" type="body"/>
+            <p:ph type="body" idx="2"/>
           </p:nvPr>
         </p:nvSpPr>
         <p:spPr>
@@ -8109,11 +8332,11 @@
           </a:ln>
         </p:spPr>
         <p:txBody>
-          <a:bodyPr anchorCtr="0" anchor="t" bIns="45700" lIns="91425" spcFirstLastPara="1" rIns="91425" wrap="square" tIns="45700">
+          <a:bodyPr spcFirstLastPara="1" wrap="square" lIns="91425" tIns="45700" rIns="91425" bIns="45700" anchor="t" anchorCtr="0">
             <a:noAutofit/>
           </a:bodyPr>
           <a:lstStyle>
-            <a:lvl1pPr indent="-228600" lvl="0" marL="457200" algn="l">
+            <a:lvl1pPr marL="457200" lvl="0" indent="-228600" algn="l">
               <a:lnSpc>
                 <a:spcPct val="90000"/>
               </a:lnSpc>
@@ -8130,7 +8353,7 @@
               <a:buNone/>
               <a:defRPr sz="1600"/>
             </a:lvl1pPr>
-            <a:lvl2pPr indent="-228600" lvl="1" marL="914400" algn="l">
+            <a:lvl2pPr marL="914400" lvl="1" indent="-228600" algn="l">
               <a:lnSpc>
                 <a:spcPct val="90000"/>
               </a:lnSpc>
@@ -8147,7 +8370,7 @@
               <a:buNone/>
               <a:defRPr sz="1400"/>
             </a:lvl2pPr>
-            <a:lvl3pPr indent="-228600" lvl="2" marL="1371600" algn="l">
+            <a:lvl3pPr marL="1371600" lvl="2" indent="-228600" algn="l">
               <a:lnSpc>
                 <a:spcPct val="90000"/>
               </a:lnSpc>
@@ -8164,7 +8387,7 @@
               <a:buNone/>
               <a:defRPr sz="1200"/>
             </a:lvl3pPr>
-            <a:lvl4pPr indent="-228600" lvl="3" marL="1828800" algn="l">
+            <a:lvl4pPr marL="1828800" lvl="3" indent="-228600" algn="l">
               <a:lnSpc>
                 <a:spcPct val="90000"/>
               </a:lnSpc>
@@ -8181,7 +8404,7 @@
               <a:buNone/>
               <a:defRPr sz="1000"/>
             </a:lvl4pPr>
-            <a:lvl5pPr indent="-228600" lvl="4" marL="2286000" algn="l">
+            <a:lvl5pPr marL="2286000" lvl="4" indent="-228600" algn="l">
               <a:lnSpc>
                 <a:spcPct val="90000"/>
               </a:lnSpc>
@@ -8198,7 +8421,7 @@
               <a:buNone/>
               <a:defRPr sz="1000"/>
             </a:lvl5pPr>
-            <a:lvl6pPr indent="-228600" lvl="5" marL="2743200" algn="l">
+            <a:lvl6pPr marL="2743200" lvl="5" indent="-228600" algn="l">
               <a:lnSpc>
                 <a:spcPct val="90000"/>
               </a:lnSpc>
@@ -8215,7 +8438,7 @@
               <a:buNone/>
               <a:defRPr sz="1000"/>
             </a:lvl6pPr>
-            <a:lvl7pPr indent="-228600" lvl="6" marL="3200400" algn="l">
+            <a:lvl7pPr marL="3200400" lvl="6" indent="-228600" algn="l">
               <a:lnSpc>
                 <a:spcPct val="90000"/>
               </a:lnSpc>
@@ -8232,7 +8455,7 @@
               <a:buNone/>
               <a:defRPr sz="1000"/>
             </a:lvl7pPr>
-            <a:lvl8pPr indent="-228600" lvl="7" marL="3657600" algn="l">
+            <a:lvl8pPr marL="3657600" lvl="7" indent="-228600" algn="l">
               <a:lnSpc>
                 <a:spcPct val="90000"/>
               </a:lnSpc>
@@ -8249,7 +8472,7 @@
               <a:buNone/>
               <a:defRPr sz="1000"/>
             </a:lvl8pPr>
-            <a:lvl9pPr indent="-228600" lvl="8" marL="4114800" algn="l">
+            <a:lvl9pPr marL="4114800" lvl="8" indent="-228600" algn="l">
               <a:lnSpc>
                 <a:spcPct val="90000"/>
               </a:lnSpc>
@@ -8267,15 +8490,19 @@
               <a:defRPr sz="1000"/>
             </a:lvl9pPr>
           </a:lstStyle>
-          <a:p/>
+          <a:p>
+            <a:endParaRPr/>
+          </a:p>
         </p:txBody>
       </p:sp>
       <p:sp>
         <p:nvSpPr>
           <p:cNvPr id="58" name="Google Shape;58;p9"/>
-          <p:cNvSpPr txBox="1"/>
+          <p:cNvSpPr txBox="1">
+            <a:spLocks noGrp="1"/>
+          </p:cNvSpPr>
           <p:nvPr>
-            <p:ph idx="10" type="dt"/>
+            <p:ph type="dt" idx="10"/>
           </p:nvPr>
         </p:nvSpPr>
         <p:spPr>
@@ -8292,7 +8519,7 @@
           </a:ln>
         </p:spPr>
         <p:txBody>
-          <a:bodyPr anchorCtr="0" anchor="ctr" bIns="45700" lIns="91425" spcFirstLastPara="1" rIns="91425" wrap="square" tIns="45700">
+          <a:bodyPr spcFirstLastPara="1" wrap="square" lIns="91425" tIns="45700" rIns="91425" bIns="45700" anchor="ctr" anchorCtr="0">
             <a:noAutofit/>
           </a:bodyPr>
           <a:lstStyle>
@@ -8396,15 +8623,19 @@
               <a:defRPr/>
             </a:lvl9pPr>
           </a:lstStyle>
-          <a:p/>
+          <a:p>
+            <a:endParaRPr/>
+          </a:p>
         </p:txBody>
       </p:sp>
       <p:sp>
         <p:nvSpPr>
           <p:cNvPr id="59" name="Google Shape;59;p9"/>
-          <p:cNvSpPr txBox="1"/>
+          <p:cNvSpPr txBox="1">
+            <a:spLocks noGrp="1"/>
+          </p:cNvSpPr>
           <p:nvPr>
-            <p:ph idx="11" type="ftr"/>
+            <p:ph type="ftr" idx="11"/>
           </p:nvPr>
         </p:nvSpPr>
         <p:spPr>
@@ -8421,7 +8652,7 @@
           </a:ln>
         </p:spPr>
         <p:txBody>
-          <a:bodyPr anchorCtr="0" anchor="ctr" bIns="45700" lIns="91425" spcFirstLastPara="1" rIns="91425" wrap="square" tIns="45700">
+          <a:bodyPr spcFirstLastPara="1" wrap="square" lIns="91425" tIns="45700" rIns="91425" bIns="45700" anchor="ctr" anchorCtr="0">
             <a:noAutofit/>
           </a:bodyPr>
           <a:lstStyle>
@@ -8525,15 +8756,19 @@
               <a:defRPr/>
             </a:lvl9pPr>
           </a:lstStyle>
-          <a:p/>
+          <a:p>
+            <a:endParaRPr/>
+          </a:p>
         </p:txBody>
       </p:sp>
       <p:sp>
         <p:nvSpPr>
           <p:cNvPr id="60" name="Google Shape;60;p9"/>
-          <p:cNvSpPr txBox="1"/>
+          <p:cNvSpPr txBox="1">
+            <a:spLocks noGrp="1"/>
+          </p:cNvSpPr>
           <p:nvPr>
-            <p:ph idx="12" type="sldNum"/>
+            <p:ph type="sldNum" idx="12"/>
           </p:nvPr>
         </p:nvSpPr>
         <p:spPr>
@@ -8550,67 +8785,67 @@
           </a:ln>
         </p:spPr>
         <p:txBody>
-          <a:bodyPr anchorCtr="0" anchor="ctr" bIns="45700" lIns="91425" spcFirstLastPara="1" rIns="91425" wrap="square" tIns="45700">
+          <a:bodyPr spcFirstLastPara="1" wrap="square" lIns="91425" tIns="45700" rIns="91425" bIns="45700" anchor="ctr" anchorCtr="0">
             <a:noAutofit/>
           </a:bodyPr>
           <a:lstStyle>
-            <a:lvl1pPr indent="0" lvl="0" marL="0" algn="r">
+            <a:lvl1pPr marL="0" lvl="0" indent="0" algn="r">
               <a:spcBef>
                 <a:spcPts val="0"/>
               </a:spcBef>
               <a:buNone/>
               <a:defRPr/>
             </a:lvl1pPr>
-            <a:lvl2pPr indent="0" lvl="1" marL="0" algn="r">
+            <a:lvl2pPr marL="0" lvl="1" indent="0" algn="r">
               <a:spcBef>
                 <a:spcPts val="0"/>
               </a:spcBef>
               <a:buNone/>
               <a:defRPr/>
             </a:lvl2pPr>
-            <a:lvl3pPr indent="0" lvl="2" marL="0" algn="r">
+            <a:lvl3pPr marL="0" lvl="2" indent="0" algn="r">
               <a:spcBef>
                 <a:spcPts val="0"/>
               </a:spcBef>
               <a:buNone/>
               <a:defRPr/>
             </a:lvl3pPr>
-            <a:lvl4pPr indent="0" lvl="3" marL="0" algn="r">
+            <a:lvl4pPr marL="0" lvl="3" indent="0" algn="r">
               <a:spcBef>
                 <a:spcPts val="0"/>
               </a:spcBef>
               <a:buNone/>
               <a:defRPr/>
             </a:lvl4pPr>
-            <a:lvl5pPr indent="0" lvl="4" marL="0" algn="r">
+            <a:lvl5pPr marL="0" lvl="4" indent="0" algn="r">
               <a:spcBef>
                 <a:spcPts val="0"/>
               </a:spcBef>
               <a:buNone/>
               <a:defRPr/>
             </a:lvl5pPr>
-            <a:lvl6pPr indent="0" lvl="5" marL="0" algn="r">
+            <a:lvl6pPr marL="0" lvl="5" indent="0" algn="r">
               <a:spcBef>
                 <a:spcPts val="0"/>
               </a:spcBef>
               <a:buNone/>
               <a:defRPr/>
             </a:lvl6pPr>
-            <a:lvl7pPr indent="0" lvl="6" marL="0" algn="r">
+            <a:lvl7pPr marL="0" lvl="6" indent="0" algn="r">
               <a:spcBef>
                 <a:spcPts val="0"/>
               </a:spcBef>
               <a:buNone/>
               <a:defRPr/>
             </a:lvl7pPr>
-            <a:lvl8pPr indent="0" lvl="7" marL="0" algn="r">
+            <a:lvl8pPr marL="0" lvl="7" indent="0" algn="r">
               <a:spcBef>
                 <a:spcPts val="0"/>
               </a:spcBef>
               <a:buNone/>
               <a:defRPr/>
             </a:lvl8pPr>
-            <a:lvl9pPr indent="0" lvl="8" marL="0" algn="r">
+            <a:lvl9pPr marL="0" lvl="8" indent="0" algn="r">
               <a:spcBef>
                 <a:spcPts val="0"/>
               </a:spcBef>
@@ -8619,7 +8854,7 @@
             </a:lvl9pPr>
           </a:lstStyle>
           <a:p>
-            <a:pPr indent="0" lvl="0" marL="0" rtl="0" algn="r">
+            <a:pPr marL="0" lvl="0" indent="0" algn="r" rtl="0">
               <a:spcBef>
                 <a:spcPts val="0"/>
               </a:spcBef>
@@ -8630,7 +8865,7 @@
             </a:pPr>
             <a:fld id="{00000000-1234-1234-1234-123412341234}" type="slidenum">
               <a:rPr lang="pt-BR"/>
-              <a:t>‹#›</a:t>
+              <a:t>‹nº›</a:t>
             </a:fld>
             <a:endParaRPr/>
           </a:p>
@@ -8645,11 +8880,11 @@
 </file>
 
 <file path=ppt/slideLayouts/slideLayout9.xml><?xml version="1.0" encoding="utf-8"?>
-<p:sldLayout xmlns:a="http://schemas.openxmlformats.org/drawingml/2006/main" xmlns:r="http://schemas.openxmlformats.org/officeDocument/2006/relationships" xmlns:mc="http://schemas.openxmlformats.org/markup-compatibility/2006" xmlns:mv="urn:schemas-microsoft-com:mac:vml" xmlns:p="http://schemas.openxmlformats.org/presentationml/2006/main" xmlns:c="http://schemas.openxmlformats.org/drawingml/2006/chart" xmlns:dgm="http://schemas.openxmlformats.org/drawingml/2006/diagram" xmlns:o="urn:schemas-microsoft-com:office:office" xmlns:v="urn:schemas-microsoft-com:vml" xmlns:pvml="urn:schemas-microsoft-com:office:powerpoint" xmlns:com="http://schemas.openxmlformats.org/drawingml/2006/compatibility" xmlns:p14="http://schemas.microsoft.com/office/powerpoint/2010/main" xmlns:p15="http://schemas.microsoft.com/office/powerpoint/2012/main" matchingName="Imagem com Legenda" type="picTx">
+<p:sldLayout xmlns:a="http://schemas.openxmlformats.org/drawingml/2006/main" xmlns:r="http://schemas.openxmlformats.org/officeDocument/2006/relationships" xmlns:p="http://schemas.openxmlformats.org/presentationml/2006/main" matchingName="Imagem com Legenda" type="picTx">
   <p:cSld name="PICTURE_WITH_CAPTION_TEXT">
     <p:spTree>
       <p:nvGrpSpPr>
-        <p:cNvPr id="61" name="Shape 61"/>
+        <p:cNvPr id="1" name="Shape 61"/>
         <p:cNvGrpSpPr/>
         <p:nvPr/>
       </p:nvGrpSpPr>
@@ -8664,7 +8899,9 @@
       <p:sp>
         <p:nvSpPr>
           <p:cNvPr id="62" name="Google Shape;62;p10"/>
-          <p:cNvSpPr txBox="1"/>
+          <p:cNvSpPr txBox="1">
+            <a:spLocks noGrp="1"/>
+          </p:cNvSpPr>
           <p:nvPr>
             <p:ph type="title"/>
           </p:nvPr>
@@ -8683,7 +8920,7 @@
           </a:ln>
         </p:spPr>
         <p:txBody>
-          <a:bodyPr anchorCtr="0" anchor="b" bIns="45700" lIns="91425" spcFirstLastPara="1" rIns="91425" wrap="square" tIns="45700">
+          <a:bodyPr spcFirstLastPara="1" wrap="square" lIns="91425" tIns="45700" rIns="91425" bIns="45700" anchor="b" anchorCtr="0">
             <a:noAutofit/>
           </a:bodyPr>
           <a:lstStyle>
@@ -8794,15 +9031,19 @@
               <a:defRPr/>
             </a:lvl9pPr>
           </a:lstStyle>
-          <a:p/>
+          <a:p>
+            <a:endParaRPr/>
+          </a:p>
         </p:txBody>
       </p:sp>
       <p:sp>
         <p:nvSpPr>
           <p:cNvPr id="63" name="Google Shape;63;p10"/>
-          <p:cNvSpPr/>
+          <p:cNvSpPr>
+            <a:spLocks noGrp="1"/>
+          </p:cNvSpPr>
           <p:nvPr>
-            <p:ph idx="2" type="pic"/>
+            <p:ph type="pic" idx="2"/>
           </p:nvPr>
         </p:nvSpPr>
         <p:spPr>
@@ -8819,11 +9060,11 @@
           </a:ln>
         </p:spPr>
         <p:txBody>
-          <a:bodyPr anchorCtr="0" anchor="t" bIns="45700" lIns="91425" spcFirstLastPara="1" rIns="91425" wrap="square" tIns="45700">
+          <a:bodyPr spcFirstLastPara="1" wrap="square" lIns="91425" tIns="45700" rIns="91425" bIns="45700" anchor="t" anchorCtr="0">
             <a:noAutofit/>
           </a:bodyPr>
           <a:lstStyle>
-            <a:lvl1pPr lvl="0" marR="0" rtl="0" algn="l">
+            <a:lvl1pPr marR="0" lvl="0" algn="l" rtl="0">
               <a:lnSpc>
                 <a:spcPct val="90000"/>
               </a:lnSpc>
@@ -8839,7 +9080,7 @@
               <a:buSzPts val="3200"/>
               <a:buFont typeface="Arial"/>
               <a:buNone/>
-              <a:defRPr b="0" i="0" sz="3200" u="none" cap="none" strike="noStrike">
+              <a:defRPr sz="3200" b="0" i="0" u="none" strike="noStrike" cap="none">
                 <a:solidFill>
                   <a:schemeClr val="dk1"/>
                 </a:solidFill>
@@ -8849,7 +9090,7 @@
                 <a:sym typeface="Calibri"/>
               </a:defRPr>
             </a:lvl1pPr>
-            <a:lvl2pPr lvl="1" marR="0" rtl="0" algn="l">
+            <a:lvl2pPr marR="0" lvl="1" algn="l" rtl="0">
               <a:lnSpc>
                 <a:spcPct val="90000"/>
               </a:lnSpc>
@@ -8865,7 +9106,7 @@
               <a:buSzPts val="2800"/>
               <a:buFont typeface="Arial"/>
               <a:buNone/>
-              <a:defRPr b="0" i="0" sz="2800" u="none" cap="none" strike="noStrike">
+              <a:defRPr sz="2800" b="0" i="0" u="none" strike="noStrike" cap="none">
                 <a:solidFill>
                   <a:schemeClr val="dk1"/>
                 </a:solidFill>
@@ -8875,7 +9116,7 @@
                 <a:sym typeface="Calibri"/>
               </a:defRPr>
             </a:lvl2pPr>
-            <a:lvl3pPr lvl="2" marR="0" rtl="0" algn="l">
+            <a:lvl3pPr marR="0" lvl="2" algn="l" rtl="0">
               <a:lnSpc>
                 <a:spcPct val="90000"/>
               </a:lnSpc>
@@ -8891,7 +9132,7 @@
               <a:buSzPts val="2400"/>
               <a:buFont typeface="Arial"/>
               <a:buNone/>
-              <a:defRPr b="0" i="0" sz="2400" u="none" cap="none" strike="noStrike">
+              <a:defRPr sz="2400" b="0" i="0" u="none" strike="noStrike" cap="none">
                 <a:solidFill>
                   <a:schemeClr val="dk1"/>
                 </a:solidFill>
@@ -8901,7 +9142,7 @@
                 <a:sym typeface="Calibri"/>
               </a:defRPr>
             </a:lvl3pPr>
-            <a:lvl4pPr lvl="3" marR="0" rtl="0" algn="l">
+            <a:lvl4pPr marR="0" lvl="3" algn="l" rtl="0">
               <a:lnSpc>
                 <a:spcPct val="90000"/>
               </a:lnSpc>
@@ -8917,7 +9158,7 @@
               <a:buSzPts val="2000"/>
               <a:buFont typeface="Arial"/>
               <a:buNone/>
-              <a:defRPr b="0" i="0" sz="2000" u="none" cap="none" strike="noStrike">
+              <a:defRPr sz="2000" b="0" i="0" u="none" strike="noStrike" cap="none">
                 <a:solidFill>
                   <a:schemeClr val="dk1"/>
                 </a:solidFill>
@@ -8927,7 +9168,7 @@
                 <a:sym typeface="Calibri"/>
               </a:defRPr>
             </a:lvl4pPr>
-            <a:lvl5pPr lvl="4" marR="0" rtl="0" algn="l">
+            <a:lvl5pPr marR="0" lvl="4" algn="l" rtl="0">
               <a:lnSpc>
                 <a:spcPct val="90000"/>
               </a:lnSpc>
@@ -8943,7 +9184,7 @@
               <a:buSzPts val="2000"/>
               <a:buFont typeface="Arial"/>
               <a:buNone/>
-              <a:defRPr b="0" i="0" sz="2000" u="none" cap="none" strike="noStrike">
+              <a:defRPr sz="2000" b="0" i="0" u="none" strike="noStrike" cap="none">
                 <a:solidFill>
                   <a:schemeClr val="dk1"/>
                 </a:solidFill>
@@ -8953,7 +9194,7 @@
                 <a:sym typeface="Calibri"/>
               </a:defRPr>
             </a:lvl5pPr>
-            <a:lvl6pPr lvl="5" marR="0" rtl="0" algn="l">
+            <a:lvl6pPr marR="0" lvl="5" algn="l" rtl="0">
               <a:lnSpc>
                 <a:spcPct val="90000"/>
               </a:lnSpc>
@@ -8969,7 +9210,7 @@
               <a:buSzPts val="2000"/>
               <a:buFont typeface="Arial"/>
               <a:buNone/>
-              <a:defRPr b="0" i="0" sz="2000" u="none" cap="none" strike="noStrike">
+              <a:defRPr sz="2000" b="0" i="0" u="none" strike="noStrike" cap="none">
                 <a:solidFill>
                   <a:schemeClr val="dk1"/>
                 </a:solidFill>
@@ -8979,7 +9220,7 @@
                 <a:sym typeface="Calibri"/>
               </a:defRPr>
             </a:lvl6pPr>
-            <a:lvl7pPr lvl="6" marR="0" rtl="0" algn="l">
+            <a:lvl7pPr marR="0" lvl="6" algn="l" rtl="0">
               <a:lnSpc>
                 <a:spcPct val="90000"/>
               </a:lnSpc>
@@ -8995,7 +9236,7 @@
               <a:buSzPts val="2000"/>
               <a:buFont typeface="Arial"/>
               <a:buNone/>
-              <a:defRPr b="0" i="0" sz="2000" u="none" cap="none" strike="noStrike">
+              <a:defRPr sz="2000" b="0" i="0" u="none" strike="noStrike" cap="none">
                 <a:solidFill>
                   <a:schemeClr val="dk1"/>
                 </a:solidFill>
@@ -9005,7 +9246,7 @@
                 <a:sym typeface="Calibri"/>
               </a:defRPr>
             </a:lvl7pPr>
-            <a:lvl8pPr lvl="7" marR="0" rtl="0" algn="l">
+            <a:lvl8pPr marR="0" lvl="7" algn="l" rtl="0">
               <a:lnSpc>
                 <a:spcPct val="90000"/>
               </a:lnSpc>
@@ -9021,7 +9262,7 @@
               <a:buSzPts val="2000"/>
               <a:buFont typeface="Arial"/>
               <a:buNone/>
-              <a:defRPr b="0" i="0" sz="2000" u="none" cap="none" strike="noStrike">
+              <a:defRPr sz="2000" b="0" i="0" u="none" strike="noStrike" cap="none">
                 <a:solidFill>
                   <a:schemeClr val="dk1"/>
                 </a:solidFill>
@@ -9031,7 +9272,7 @@
                 <a:sym typeface="Calibri"/>
               </a:defRPr>
             </a:lvl8pPr>
-            <a:lvl9pPr lvl="8" marR="0" rtl="0" algn="l">
+            <a:lvl9pPr marR="0" lvl="8" algn="l" rtl="0">
               <a:lnSpc>
                 <a:spcPct val="90000"/>
               </a:lnSpc>
@@ -9047,7 +9288,7 @@
               <a:buSzPts val="2000"/>
               <a:buFont typeface="Arial"/>
               <a:buNone/>
-              <a:defRPr b="0" i="0" sz="2000" u="none" cap="none" strike="noStrike">
+              <a:defRPr sz="2000" b="0" i="0" u="none" strike="noStrike" cap="none">
                 <a:solidFill>
                   <a:schemeClr val="dk1"/>
                 </a:solidFill>
@@ -9058,15 +9299,19 @@
               </a:defRPr>
             </a:lvl9pPr>
           </a:lstStyle>
-          <a:p/>
+          <a:p>
+            <a:endParaRPr/>
+          </a:p>
         </p:txBody>
       </p:sp>
       <p:sp>
         <p:nvSpPr>
           <p:cNvPr id="64" name="Google Shape;64;p10"/>
-          <p:cNvSpPr txBox="1"/>
+          <p:cNvSpPr txBox="1">
+            <a:spLocks noGrp="1"/>
+          </p:cNvSpPr>
           <p:nvPr>
-            <p:ph idx="1" type="body"/>
+            <p:ph type="body" idx="1"/>
           </p:nvPr>
         </p:nvSpPr>
         <p:spPr>
@@ -9083,11 +9328,11 @@
           </a:ln>
         </p:spPr>
         <p:txBody>
-          <a:bodyPr anchorCtr="0" anchor="t" bIns="45700" lIns="91425" spcFirstLastPara="1" rIns="91425" wrap="square" tIns="45700">
+          <a:bodyPr spcFirstLastPara="1" wrap="square" lIns="91425" tIns="45700" rIns="91425" bIns="45700" anchor="t" anchorCtr="0">
             <a:noAutofit/>
           </a:bodyPr>
           <a:lstStyle>
-            <a:lvl1pPr indent="-228600" lvl="0" marL="457200" algn="l">
+            <a:lvl1pPr marL="457200" lvl="0" indent="-228600" algn="l">
               <a:lnSpc>
                 <a:spcPct val="90000"/>
               </a:lnSpc>
@@ -9104,7 +9349,7 @@
               <a:buNone/>
               <a:defRPr sz="1600"/>
             </a:lvl1pPr>
-            <a:lvl2pPr indent="-228600" lvl="1" marL="914400" algn="l">
+            <a:lvl2pPr marL="914400" lvl="1" indent="-228600" algn="l">
               <a:lnSpc>
                 <a:spcPct val="90000"/>
               </a:lnSpc>
@@ -9121,7 +9366,7 @@
               <a:buNone/>
               <a:defRPr sz="1400"/>
             </a:lvl2pPr>
-            <a:lvl3pPr indent="-228600" lvl="2" marL="1371600" algn="l">
+            <a:lvl3pPr marL="1371600" lvl="2" indent="-228600" algn="l">
               <a:lnSpc>
                 <a:spcPct val="90000"/>
               </a:lnSpc>
@@ -9138,7 +9383,7 @@
               <a:buNone/>
               <a:defRPr sz="1200"/>
             </a:lvl3pPr>
-            <a:lvl4pPr indent="-228600" lvl="3" marL="1828800" algn="l">
+            <a:lvl4pPr marL="1828800" lvl="3" indent="-228600" algn="l">
               <a:lnSpc>
                 <a:spcPct val="90000"/>
               </a:lnSpc>
@@ -9155,7 +9400,7 @@
               <a:buNone/>
               <a:defRPr sz="1000"/>
             </a:lvl4pPr>
-            <a:lvl5pPr indent="-228600" lvl="4" marL="2286000" algn="l">
+            <a:lvl5pPr marL="2286000" lvl="4" indent="-228600" algn="l">
               <a:lnSpc>
                 <a:spcPct val="90000"/>
               </a:lnSpc>
@@ -9172,7 +9417,7 @@
               <a:buNone/>
               <a:defRPr sz="1000"/>
             </a:lvl5pPr>
-            <a:lvl6pPr indent="-228600" lvl="5" marL="2743200" algn="l">
+            <a:lvl6pPr marL="2743200" lvl="5" indent="-228600" algn="l">
               <a:lnSpc>
                 <a:spcPct val="90000"/>
               </a:lnSpc>
@@ -9189,7 +9434,7 @@
               <a:buNone/>
               <a:defRPr sz="1000"/>
             </a:lvl6pPr>
-            <a:lvl7pPr indent="-228600" lvl="6" marL="3200400" algn="l">
+            <a:lvl7pPr marL="3200400" lvl="6" indent="-228600" algn="l">
               <a:lnSpc>
                 <a:spcPct val="90000"/>
               </a:lnSpc>
@@ -9206,7 +9451,7 @@
               <a:buNone/>
               <a:defRPr sz="1000"/>
             </a:lvl7pPr>
-            <a:lvl8pPr indent="-228600" lvl="7" marL="3657600" algn="l">
+            <a:lvl8pPr marL="3657600" lvl="7" indent="-228600" algn="l">
               <a:lnSpc>
                 <a:spcPct val="90000"/>
               </a:lnSpc>
@@ -9223,7 +9468,7 @@
               <a:buNone/>
               <a:defRPr sz="1000"/>
             </a:lvl8pPr>
-            <a:lvl9pPr indent="-228600" lvl="8" marL="4114800" algn="l">
+            <a:lvl9pPr marL="4114800" lvl="8" indent="-228600" algn="l">
               <a:lnSpc>
                 <a:spcPct val="90000"/>
               </a:lnSpc>
@@ -9241,15 +9486,19 @@
               <a:defRPr sz="1000"/>
             </a:lvl9pPr>
           </a:lstStyle>
-          <a:p/>
+          <a:p>
+            <a:endParaRPr/>
+          </a:p>
         </p:txBody>
       </p:sp>
       <p:sp>
         <p:nvSpPr>
           <p:cNvPr id="65" name="Google Shape;65;p10"/>
-          <p:cNvSpPr txBox="1"/>
+          <p:cNvSpPr txBox="1">
+            <a:spLocks noGrp="1"/>
+          </p:cNvSpPr>
           <p:nvPr>
-            <p:ph idx="10" type="dt"/>
+            <p:ph type="dt" idx="10"/>
           </p:nvPr>
         </p:nvSpPr>
         <p:spPr>
@@ -9266,7 +9515,7 @@
           </a:ln>
         </p:spPr>
         <p:txBody>
-          <a:bodyPr anchorCtr="0" anchor="ctr" bIns="45700" lIns="91425" spcFirstLastPara="1" rIns="91425" wrap="square" tIns="45700">
+          <a:bodyPr spcFirstLastPara="1" wrap="square" lIns="91425" tIns="45700" rIns="91425" bIns="45700" anchor="ctr" anchorCtr="0">
             <a:noAutofit/>
           </a:bodyPr>
           <a:lstStyle>
@@ -9370,15 +9619,19 @@
               <a:defRPr/>
             </a:lvl9pPr>
           </a:lstStyle>
-          <a:p/>
+          <a:p>
+            <a:endParaRPr/>
+          </a:p>
         </p:txBody>
       </p:sp>
       <p:sp>
         <p:nvSpPr>
           <p:cNvPr id="66" name="Google Shape;66;p10"/>
-          <p:cNvSpPr txBox="1"/>
+          <p:cNvSpPr txBox="1">
+            <a:spLocks noGrp="1"/>
+          </p:cNvSpPr>
           <p:nvPr>
-            <p:ph idx="11" type="ftr"/>
+            <p:ph type="ftr" idx="11"/>
           </p:nvPr>
         </p:nvSpPr>
         <p:spPr>
@@ -9395,7 +9648,7 @@
           </a:ln>
         </p:spPr>
         <p:txBody>
-          <a:bodyPr anchorCtr="0" anchor="ctr" bIns="45700" lIns="91425" spcFirstLastPara="1" rIns="91425" wrap="square" tIns="45700">
+          <a:bodyPr spcFirstLastPara="1" wrap="square" lIns="91425" tIns="45700" rIns="91425" bIns="45700" anchor="ctr" anchorCtr="0">
             <a:noAutofit/>
           </a:bodyPr>
           <a:lstStyle>
@@ -9499,15 +9752,19 @@
               <a:defRPr/>
             </a:lvl9pPr>
           </a:lstStyle>
-          <a:p/>
+          <a:p>
+            <a:endParaRPr/>
+          </a:p>
         </p:txBody>
       </p:sp>
       <p:sp>
         <p:nvSpPr>
           <p:cNvPr id="67" name="Google Shape;67;p10"/>
-          <p:cNvSpPr txBox="1"/>
+          <p:cNvSpPr txBox="1">
+            <a:spLocks noGrp="1"/>
+          </p:cNvSpPr>
           <p:nvPr>
-            <p:ph idx="12" type="sldNum"/>
+            <p:ph type="sldNum" idx="12"/>
           </p:nvPr>
         </p:nvSpPr>
         <p:spPr>
@@ -9524,67 +9781,67 @@
           </a:ln>
         </p:spPr>
         <p:txBody>
-          <a:bodyPr anchorCtr="0" anchor="ctr" bIns="45700" lIns="91425" spcFirstLastPara="1" rIns="91425" wrap="square" tIns="45700">
+          <a:bodyPr spcFirstLastPara="1" wrap="square" lIns="91425" tIns="45700" rIns="91425" bIns="45700" anchor="ctr" anchorCtr="0">
             <a:noAutofit/>
           </a:bodyPr>
           <a:lstStyle>
-            <a:lvl1pPr indent="0" lvl="0" marL="0" algn="r">
+            <a:lvl1pPr marL="0" lvl="0" indent="0" algn="r">
               <a:spcBef>
                 <a:spcPts val="0"/>
               </a:spcBef>
               <a:buNone/>
               <a:defRPr/>
             </a:lvl1pPr>
-            <a:lvl2pPr indent="0" lvl="1" marL="0" algn="r">
+            <a:lvl2pPr marL="0" lvl="1" indent="0" algn="r">
               <a:spcBef>
                 <a:spcPts val="0"/>
               </a:spcBef>
               <a:buNone/>
               <a:defRPr/>
             </a:lvl2pPr>
-            <a:lvl3pPr indent="0" lvl="2" marL="0" algn="r">
+            <a:lvl3pPr marL="0" lvl="2" indent="0" algn="r">
               <a:spcBef>
                 <a:spcPts val="0"/>
               </a:spcBef>
               <a:buNone/>
               <a:defRPr/>
             </a:lvl3pPr>
-            <a:lvl4pPr indent="0" lvl="3" marL="0" algn="r">
+            <a:lvl4pPr marL="0" lvl="3" indent="0" algn="r">
               <a:spcBef>
                 <a:spcPts val="0"/>
               </a:spcBef>
               <a:buNone/>
               <a:defRPr/>
             </a:lvl4pPr>
-            <a:lvl5pPr indent="0" lvl="4" marL="0" algn="r">
+            <a:lvl5pPr marL="0" lvl="4" indent="0" algn="r">
               <a:spcBef>
                 <a:spcPts val="0"/>
               </a:spcBef>
               <a:buNone/>
               <a:defRPr/>
             </a:lvl5pPr>
-            <a:lvl6pPr indent="0" lvl="5" marL="0" algn="r">
+            <a:lvl6pPr marL="0" lvl="5" indent="0" algn="r">
               <a:spcBef>
                 <a:spcPts val="0"/>
               </a:spcBef>
               <a:buNone/>
               <a:defRPr/>
             </a:lvl6pPr>
-            <a:lvl7pPr indent="0" lvl="6" marL="0" algn="r">
+            <a:lvl7pPr marL="0" lvl="6" indent="0" algn="r">
               <a:spcBef>
                 <a:spcPts val="0"/>
               </a:spcBef>
               <a:buNone/>
               <a:defRPr/>
             </a:lvl7pPr>
-            <a:lvl8pPr indent="0" lvl="7" marL="0" algn="r">
+            <a:lvl8pPr marL="0" lvl="7" indent="0" algn="r">
               <a:spcBef>
                 <a:spcPts val="0"/>
               </a:spcBef>
               <a:buNone/>
               <a:defRPr/>
             </a:lvl8pPr>
-            <a:lvl9pPr indent="0" lvl="8" marL="0" algn="r">
+            <a:lvl9pPr marL="0" lvl="8" indent="0" algn="r">
               <a:spcBef>
                 <a:spcPts val="0"/>
               </a:spcBef>
@@ -9593,7 +9850,7 @@
             </a:lvl9pPr>
           </a:lstStyle>
           <a:p>
-            <a:pPr indent="0" lvl="0" marL="0" rtl="0" algn="r">
+            <a:pPr marL="0" lvl="0" indent="0" algn="r" rtl="0">
               <a:spcBef>
                 <a:spcPts val="0"/>
               </a:spcBef>
@@ -9604,7 +9861,7 @@
             </a:pPr>
             <a:fld id="{00000000-1234-1234-1234-123412341234}" type="slidenum">
               <a:rPr lang="pt-BR"/>
-              <a:t>‹#›</a:t>
+              <a:t>‹nº›</a:t>
             </a:fld>
             <a:endParaRPr/>
           </a:p>
@@ -9619,18 +9876,19 @@
 </file>
 
 <file path=ppt/slideMasters/slideMaster1.xml><?xml version="1.0" encoding="utf-8"?>
-<p:sldMaster xmlns:a="http://schemas.openxmlformats.org/drawingml/2006/main" xmlns:r="http://schemas.openxmlformats.org/officeDocument/2006/relationships" xmlns:mc="http://schemas.openxmlformats.org/markup-compatibility/2006" xmlns:mv="urn:schemas-microsoft-com:mac:vml" xmlns:p="http://schemas.openxmlformats.org/presentationml/2006/main" xmlns:c="http://schemas.openxmlformats.org/drawingml/2006/chart" xmlns:dgm="http://schemas.openxmlformats.org/drawingml/2006/diagram" xmlns:o="urn:schemas-microsoft-com:office:office" xmlns:v="urn:schemas-microsoft-com:vml" xmlns:pvml="urn:schemas-microsoft-com:office:powerpoint" xmlns:com="http://schemas.openxmlformats.org/drawingml/2006/compatibility" xmlns:p14="http://schemas.microsoft.com/office/powerpoint/2010/main" xmlns:p15="http://schemas.microsoft.com/office/powerpoint/2012/main">
+<p:sldMaster xmlns:a="http://schemas.openxmlformats.org/drawingml/2006/main" xmlns:r="http://schemas.openxmlformats.org/officeDocument/2006/relationships" xmlns:p="http://schemas.openxmlformats.org/presentationml/2006/main">
   <p:cSld>
     <p:bg>
       <p:bgPr>
         <a:solidFill>
           <a:schemeClr val="lt1"/>
         </a:solidFill>
+        <a:effectLst/>
       </p:bgPr>
     </p:bg>
     <p:spTree>
       <p:nvGrpSpPr>
-        <p:cNvPr id="5" name="Shape 5"/>
+        <p:cNvPr id="1" name="Shape 5"/>
         <p:cNvGrpSpPr/>
         <p:nvPr/>
       </p:nvGrpSpPr>
@@ -9645,7 +9903,9 @@
       <p:sp>
         <p:nvSpPr>
           <p:cNvPr id="6" name="Google Shape;6;p1"/>
-          <p:cNvSpPr txBox="1"/>
+          <p:cNvSpPr txBox="1">
+            <a:spLocks noGrp="1"/>
+          </p:cNvSpPr>
           <p:nvPr>
             <p:ph type="title"/>
           </p:nvPr>
@@ -9664,11 +9924,11 @@
           </a:ln>
         </p:spPr>
         <p:txBody>
-          <a:bodyPr anchorCtr="0" anchor="ctr" bIns="45700" lIns="91425" spcFirstLastPara="1" rIns="91425" wrap="square" tIns="45700">
+          <a:bodyPr spcFirstLastPara="1" wrap="square" lIns="91425" tIns="45700" rIns="91425" bIns="45700" anchor="ctr" anchorCtr="0">
             <a:noAutofit/>
           </a:bodyPr>
           <a:lstStyle>
-            <a:lvl1pPr lvl="0" marR="0" rtl="0" algn="l">
+            <a:lvl1pPr marR="0" lvl="0" algn="l" rtl="0">
               <a:lnSpc>
                 <a:spcPct val="90000"/>
               </a:lnSpc>
@@ -9684,7 +9944,7 @@
               <a:buSzPts val="4400"/>
               <a:buFont typeface="Calibri"/>
               <a:buNone/>
-              <a:defRPr b="0" i="0" sz="4400" u="none" cap="none" strike="noStrike">
+              <a:defRPr sz="4400" b="0" i="0" u="none" strike="noStrike" cap="none">
                 <a:solidFill>
                   <a:schemeClr val="dk1"/>
                 </a:solidFill>
@@ -9783,15 +10043,19 @@
               <a:defRPr sz="1800"/>
             </a:lvl9pPr>
           </a:lstStyle>
-          <a:p/>
+          <a:p>
+            <a:endParaRPr/>
+          </a:p>
         </p:txBody>
       </p:sp>
       <p:sp>
         <p:nvSpPr>
           <p:cNvPr id="7" name="Google Shape;7;p1"/>
-          <p:cNvSpPr txBox="1"/>
+          <p:cNvSpPr txBox="1">
+            <a:spLocks noGrp="1"/>
+          </p:cNvSpPr>
           <p:nvPr>
-            <p:ph idx="1" type="body"/>
+            <p:ph type="body" idx="1"/>
           </p:nvPr>
         </p:nvSpPr>
         <p:spPr>
@@ -9808,11 +10072,11 @@
           </a:ln>
         </p:spPr>
         <p:txBody>
-          <a:bodyPr anchorCtr="0" anchor="t" bIns="45700" lIns="91425" spcFirstLastPara="1" rIns="91425" wrap="square" tIns="45700">
+          <a:bodyPr spcFirstLastPara="1" wrap="square" lIns="91425" tIns="45700" rIns="91425" bIns="45700" anchor="t" anchorCtr="0">
             <a:noAutofit/>
           </a:bodyPr>
           <a:lstStyle>
-            <a:lvl1pPr indent="-406400" lvl="0" marL="457200" marR="0" rtl="0" algn="l">
+            <a:lvl1pPr marL="457200" marR="0" lvl="0" indent="-406400" algn="l" rtl="0">
               <a:lnSpc>
                 <a:spcPct val="90000"/>
               </a:lnSpc>
@@ -9828,7 +10092,7 @@
               <a:buSzPts val="2800"/>
               <a:buFont typeface="Arial"/>
               <a:buChar char="•"/>
-              <a:defRPr b="0" i="0" sz="2800" u="none" cap="none" strike="noStrike">
+              <a:defRPr sz="2800" b="0" i="0" u="none" strike="noStrike" cap="none">
                 <a:solidFill>
                   <a:schemeClr val="dk1"/>
                 </a:solidFill>
@@ -9838,7 +10102,7 @@
                 <a:sym typeface="Calibri"/>
               </a:defRPr>
             </a:lvl1pPr>
-            <a:lvl2pPr indent="-381000" lvl="1" marL="914400" marR="0" rtl="0" algn="l">
+            <a:lvl2pPr marL="914400" marR="0" lvl="1" indent="-381000" algn="l" rtl="0">
               <a:lnSpc>
                 <a:spcPct val="90000"/>
               </a:lnSpc>
@@ -9854,7 +10118,7 @@
               <a:buSzPts val="2400"/>
               <a:buFont typeface="Arial"/>
               <a:buChar char="•"/>
-              <a:defRPr b="0" i="0" sz="2400" u="none" cap="none" strike="noStrike">
+              <a:defRPr sz="2400" b="0" i="0" u="none" strike="noStrike" cap="none">
                 <a:solidFill>
                   <a:schemeClr val="dk1"/>
                 </a:solidFill>
@@ -9864,7 +10128,7 @@
                 <a:sym typeface="Calibri"/>
               </a:defRPr>
             </a:lvl2pPr>
-            <a:lvl3pPr indent="-355600" lvl="2" marL="1371600" marR="0" rtl="0" algn="l">
+            <a:lvl3pPr marL="1371600" marR="0" lvl="2" indent="-355600" algn="l" rtl="0">
               <a:lnSpc>
                 <a:spcPct val="90000"/>
               </a:lnSpc>
@@ -9880,7 +10144,7 @@
               <a:buSzPts val="2000"/>
               <a:buFont typeface="Arial"/>
               <a:buChar char="•"/>
-              <a:defRPr b="0" i="0" sz="2000" u="none" cap="none" strike="noStrike">
+              <a:defRPr sz="2000" b="0" i="0" u="none" strike="noStrike" cap="none">
                 <a:solidFill>
                   <a:schemeClr val="dk1"/>
                 </a:solidFill>
@@ -9890,7 +10154,7 @@
                 <a:sym typeface="Calibri"/>
               </a:defRPr>
             </a:lvl3pPr>
-            <a:lvl4pPr indent="-342900" lvl="3" marL="1828800" marR="0" rtl="0" algn="l">
+            <a:lvl4pPr marL="1828800" marR="0" lvl="3" indent="-342900" algn="l" rtl="0">
               <a:lnSpc>
                 <a:spcPct val="90000"/>
               </a:lnSpc>
@@ -9906,7 +10170,7 @@
               <a:buSzPts val="1800"/>
               <a:buFont typeface="Arial"/>
               <a:buChar char="•"/>
-              <a:defRPr b="0" i="0" sz="1800" u="none" cap="none" strike="noStrike">
+              <a:defRPr sz="1800" b="0" i="0" u="none" strike="noStrike" cap="none">
                 <a:solidFill>
                   <a:schemeClr val="dk1"/>
                 </a:solidFill>
@@ -9916,7 +10180,7 @@
                 <a:sym typeface="Calibri"/>
               </a:defRPr>
             </a:lvl4pPr>
-            <a:lvl5pPr indent="-342900" lvl="4" marL="2286000" marR="0" rtl="0" algn="l">
+            <a:lvl5pPr marL="2286000" marR="0" lvl="4" indent="-342900" algn="l" rtl="0">
               <a:lnSpc>
                 <a:spcPct val="90000"/>
               </a:lnSpc>
@@ -9932,7 +10196,7 @@
               <a:buSzPts val="1800"/>
               <a:buFont typeface="Arial"/>
               <a:buChar char="•"/>
-              <a:defRPr b="0" i="0" sz="1800" u="none" cap="none" strike="noStrike">
+              <a:defRPr sz="1800" b="0" i="0" u="none" strike="noStrike" cap="none">
                 <a:solidFill>
                   <a:schemeClr val="dk1"/>
                 </a:solidFill>
@@ -9942,7 +10206,7 @@
                 <a:sym typeface="Calibri"/>
               </a:defRPr>
             </a:lvl5pPr>
-            <a:lvl6pPr indent="-342900" lvl="5" marL="2743200" marR="0" rtl="0" algn="l">
+            <a:lvl6pPr marL="2743200" marR="0" lvl="5" indent="-342900" algn="l" rtl="0">
               <a:lnSpc>
                 <a:spcPct val="90000"/>
               </a:lnSpc>
@@ -9958,7 +10222,7 @@
               <a:buSzPts val="1800"/>
               <a:buFont typeface="Arial"/>
               <a:buChar char="•"/>
-              <a:defRPr b="0" i="0" sz="1800" u="none" cap="none" strike="noStrike">
+              <a:defRPr sz="1800" b="0" i="0" u="none" strike="noStrike" cap="none">
                 <a:solidFill>
                   <a:schemeClr val="dk1"/>
                 </a:solidFill>
@@ -9968,7 +10232,7 @@
                 <a:sym typeface="Calibri"/>
               </a:defRPr>
             </a:lvl6pPr>
-            <a:lvl7pPr indent="-342900" lvl="6" marL="3200400" marR="0" rtl="0" algn="l">
+            <a:lvl7pPr marL="3200400" marR="0" lvl="6" indent="-342900" algn="l" rtl="0">
               <a:lnSpc>
                 <a:spcPct val="90000"/>
               </a:lnSpc>
@@ -9984,7 +10248,7 @@
               <a:buSzPts val="1800"/>
               <a:buFont typeface="Arial"/>
               <a:buChar char="•"/>
-              <a:defRPr b="0" i="0" sz="1800" u="none" cap="none" strike="noStrike">
+              <a:defRPr sz="1800" b="0" i="0" u="none" strike="noStrike" cap="none">
                 <a:solidFill>
                   <a:schemeClr val="dk1"/>
                 </a:solidFill>
@@ -9994,7 +10258,7 @@
                 <a:sym typeface="Calibri"/>
               </a:defRPr>
             </a:lvl7pPr>
-            <a:lvl8pPr indent="-342900" lvl="7" marL="3657600" marR="0" rtl="0" algn="l">
+            <a:lvl8pPr marL="3657600" marR="0" lvl="7" indent="-342900" algn="l" rtl="0">
               <a:lnSpc>
                 <a:spcPct val="90000"/>
               </a:lnSpc>
@@ -10010,7 +10274,7 @@
               <a:buSzPts val="1800"/>
               <a:buFont typeface="Arial"/>
               <a:buChar char="•"/>
-              <a:defRPr b="0" i="0" sz="1800" u="none" cap="none" strike="noStrike">
+              <a:defRPr sz="1800" b="0" i="0" u="none" strike="noStrike" cap="none">
                 <a:solidFill>
                   <a:schemeClr val="dk1"/>
                 </a:solidFill>
@@ -10020,7 +10284,7 @@
                 <a:sym typeface="Calibri"/>
               </a:defRPr>
             </a:lvl8pPr>
-            <a:lvl9pPr indent="-342900" lvl="8" marL="4114800" marR="0" rtl="0" algn="l">
+            <a:lvl9pPr marL="4114800" marR="0" lvl="8" indent="-342900" algn="l" rtl="0">
               <a:lnSpc>
                 <a:spcPct val="90000"/>
               </a:lnSpc>
@@ -10036,7 +10300,7 @@
               <a:buSzPts val="1800"/>
               <a:buFont typeface="Arial"/>
               <a:buChar char="•"/>
-              <a:defRPr b="0" i="0" sz="1800" u="none" cap="none" strike="noStrike">
+              <a:defRPr sz="1800" b="0" i="0" u="none" strike="noStrike" cap="none">
                 <a:solidFill>
                   <a:schemeClr val="dk1"/>
                 </a:solidFill>
@@ -10047,15 +10311,19 @@
               </a:defRPr>
             </a:lvl9pPr>
           </a:lstStyle>
-          <a:p/>
+          <a:p>
+            <a:endParaRPr/>
+          </a:p>
         </p:txBody>
       </p:sp>
       <p:sp>
         <p:nvSpPr>
           <p:cNvPr id="8" name="Google Shape;8;p1"/>
-          <p:cNvSpPr txBox="1"/>
+          <p:cNvSpPr txBox="1">
+            <a:spLocks noGrp="1"/>
+          </p:cNvSpPr>
           <p:nvPr>
-            <p:ph idx="10" type="dt"/>
+            <p:ph type="dt" idx="10"/>
           </p:nvPr>
         </p:nvSpPr>
         <p:spPr>
@@ -10072,20 +10340,20 @@
           </a:ln>
         </p:spPr>
         <p:txBody>
-          <a:bodyPr anchorCtr="0" anchor="ctr" bIns="45700" lIns="91425" spcFirstLastPara="1" rIns="91425" wrap="square" tIns="45700">
+          <a:bodyPr spcFirstLastPara="1" wrap="square" lIns="91425" tIns="45700" rIns="91425" bIns="45700" anchor="ctr" anchorCtr="0">
             <a:noAutofit/>
           </a:bodyPr>
           <a:lstStyle>
-            <a:lvl1pPr lvl="0" marR="0" rtl="0" algn="l">
-              <a:spcBef>
-                <a:spcPts val="0"/>
-              </a:spcBef>
-              <a:spcAft>
-                <a:spcPts val="0"/>
-              </a:spcAft>
-              <a:buSzPts val="1400"/>
-              <a:buNone/>
-              <a:defRPr b="0" i="0" sz="1200" u="none" cap="none" strike="noStrike">
+            <a:lvl1pPr marR="0" lvl="0" algn="l" rtl="0">
+              <a:spcBef>
+                <a:spcPts val="0"/>
+              </a:spcBef>
+              <a:spcAft>
+                <a:spcPts val="0"/>
+              </a:spcAft>
+              <a:buSzPts val="1400"/>
+              <a:buNone/>
+              <a:defRPr sz="1200" b="0" i="0" u="none" strike="noStrike" cap="none">
                 <a:solidFill>
                   <a:srgbClr val="888888"/>
                 </a:solidFill>
@@ -10095,16 +10363,16 @@
                 <a:sym typeface="Calibri"/>
               </a:defRPr>
             </a:lvl1pPr>
-            <a:lvl2pPr lvl="1" marR="0" rtl="0" algn="l">
-              <a:spcBef>
-                <a:spcPts val="0"/>
-              </a:spcBef>
-              <a:spcAft>
-                <a:spcPts val="0"/>
-              </a:spcAft>
-              <a:buSzPts val="1400"/>
-              <a:buNone/>
-              <a:defRPr b="0" i="0" sz="1800" u="none" cap="none" strike="noStrike">
+            <a:lvl2pPr marR="0" lvl="1" algn="l" rtl="0">
+              <a:spcBef>
+                <a:spcPts val="0"/>
+              </a:spcBef>
+              <a:spcAft>
+                <a:spcPts val="0"/>
+              </a:spcAft>
+              <a:buSzPts val="1400"/>
+              <a:buNone/>
+              <a:defRPr sz="1800" b="0" i="0" u="none" strike="noStrike" cap="none">
                 <a:solidFill>
                   <a:schemeClr val="dk1"/>
                 </a:solidFill>
@@ -10114,16 +10382,16 @@
                 <a:sym typeface="Calibri"/>
               </a:defRPr>
             </a:lvl2pPr>
-            <a:lvl3pPr lvl="2" marR="0" rtl="0" algn="l">
-              <a:spcBef>
-                <a:spcPts val="0"/>
-              </a:spcBef>
-              <a:spcAft>
-                <a:spcPts val="0"/>
-              </a:spcAft>
-              <a:buSzPts val="1400"/>
-              <a:buNone/>
-              <a:defRPr b="0" i="0" sz="1800" u="none" cap="none" strike="noStrike">
+            <a:lvl3pPr marR="0" lvl="2" algn="l" rtl="0">
+              <a:spcBef>
+                <a:spcPts val="0"/>
+              </a:spcBef>
+              <a:spcAft>
+                <a:spcPts val="0"/>
+              </a:spcAft>
+              <a:buSzPts val="1400"/>
+              <a:buNone/>
+              <a:defRPr sz="1800" b="0" i="0" u="none" strike="noStrike" cap="none">
                 <a:solidFill>
                   <a:schemeClr val="dk1"/>
                 </a:solidFill>
@@ -10133,16 +10401,16 @@
                 <a:sym typeface="Calibri"/>
               </a:defRPr>
             </a:lvl3pPr>
-            <a:lvl4pPr lvl="3" marR="0" rtl="0" algn="l">
-              <a:spcBef>
-                <a:spcPts val="0"/>
-              </a:spcBef>
-              <a:spcAft>
-                <a:spcPts val="0"/>
-              </a:spcAft>
-              <a:buSzPts val="1400"/>
-              <a:buNone/>
-              <a:defRPr b="0" i="0" sz="1800" u="none" cap="none" strike="noStrike">
+            <a:lvl4pPr marR="0" lvl="3" algn="l" rtl="0">
+              <a:spcBef>
+                <a:spcPts val="0"/>
+              </a:spcBef>
+              <a:spcAft>
+                <a:spcPts val="0"/>
+              </a:spcAft>
+              <a:buSzPts val="1400"/>
+              <a:buNone/>
+              <a:defRPr sz="1800" b="0" i="0" u="none" strike="noStrike" cap="none">
                 <a:solidFill>
                   <a:schemeClr val="dk1"/>
                 </a:solidFill>
@@ -10152,16 +10420,16 @@
                 <a:sym typeface="Calibri"/>
               </a:defRPr>
             </a:lvl4pPr>
-            <a:lvl5pPr lvl="4" marR="0" rtl="0" algn="l">
-              <a:spcBef>
-                <a:spcPts val="0"/>
-              </a:spcBef>
-              <a:spcAft>
-                <a:spcPts val="0"/>
-              </a:spcAft>
-              <a:buSzPts val="1400"/>
-              <a:buNone/>
-              <a:defRPr b="0" i="0" sz="1800" u="none" cap="none" strike="noStrike">
+            <a:lvl5pPr marR="0" lvl="4" algn="l" rtl="0">
+              <a:spcBef>
+                <a:spcPts val="0"/>
+              </a:spcBef>
+              <a:spcAft>
+                <a:spcPts val="0"/>
+              </a:spcAft>
+              <a:buSzPts val="1400"/>
+              <a:buNone/>
+              <a:defRPr sz="1800" b="0" i="0" u="none" strike="noStrike" cap="none">
                 <a:solidFill>
                   <a:schemeClr val="dk1"/>
                 </a:solidFill>
@@ -10171,16 +10439,16 @@
                 <a:sym typeface="Calibri"/>
               </a:defRPr>
             </a:lvl5pPr>
-            <a:lvl6pPr lvl="5" marR="0" rtl="0" algn="l">
-              <a:spcBef>
-                <a:spcPts val="0"/>
-              </a:spcBef>
-              <a:spcAft>
-                <a:spcPts val="0"/>
-              </a:spcAft>
-              <a:buSzPts val="1400"/>
-              <a:buNone/>
-              <a:defRPr b="0" i="0" sz="1800" u="none" cap="none" strike="noStrike">
+            <a:lvl6pPr marR="0" lvl="5" algn="l" rtl="0">
+              <a:spcBef>
+                <a:spcPts val="0"/>
+              </a:spcBef>
+              <a:spcAft>
+                <a:spcPts val="0"/>
+              </a:spcAft>
+              <a:buSzPts val="1400"/>
+              <a:buNone/>
+              <a:defRPr sz="1800" b="0" i="0" u="none" strike="noStrike" cap="none">
                 <a:solidFill>
                   <a:schemeClr val="dk1"/>
                 </a:solidFill>
@@ -10190,16 +10458,16 @@
                 <a:sym typeface="Calibri"/>
               </a:defRPr>
             </a:lvl6pPr>
-            <a:lvl7pPr lvl="6" marR="0" rtl="0" algn="l">
-              <a:spcBef>
-                <a:spcPts val="0"/>
-              </a:spcBef>
-              <a:spcAft>
-                <a:spcPts val="0"/>
-              </a:spcAft>
-              <a:buSzPts val="1400"/>
-              <a:buNone/>
-              <a:defRPr b="0" i="0" sz="1800" u="none" cap="none" strike="noStrike">
+            <a:lvl7pPr marR="0" lvl="6" algn="l" rtl="0">
+              <a:spcBef>
+                <a:spcPts val="0"/>
+              </a:spcBef>
+              <a:spcAft>
+                <a:spcPts val="0"/>
+              </a:spcAft>
+              <a:buSzPts val="1400"/>
+              <a:buNone/>
+              <a:defRPr sz="1800" b="0" i="0" u="none" strike="noStrike" cap="none">
                 <a:solidFill>
                   <a:schemeClr val="dk1"/>
                 </a:solidFill>
@@ -10209,16 +10477,16 @@
                 <a:sym typeface="Calibri"/>
               </a:defRPr>
             </a:lvl7pPr>
-            <a:lvl8pPr lvl="7" marR="0" rtl="0" algn="l">
-              <a:spcBef>
-                <a:spcPts val="0"/>
-              </a:spcBef>
-              <a:spcAft>
-                <a:spcPts val="0"/>
-              </a:spcAft>
-              <a:buSzPts val="1400"/>
-              <a:buNone/>
-              <a:defRPr b="0" i="0" sz="1800" u="none" cap="none" strike="noStrike">
+            <a:lvl8pPr marR="0" lvl="7" algn="l" rtl="0">
+              <a:spcBef>
+                <a:spcPts val="0"/>
+              </a:spcBef>
+              <a:spcAft>
+                <a:spcPts val="0"/>
+              </a:spcAft>
+              <a:buSzPts val="1400"/>
+              <a:buNone/>
+              <a:defRPr sz="1800" b="0" i="0" u="none" strike="noStrike" cap="none">
                 <a:solidFill>
                   <a:schemeClr val="dk1"/>
                 </a:solidFill>
@@ -10228,16 +10496,16 @@
                 <a:sym typeface="Calibri"/>
               </a:defRPr>
             </a:lvl8pPr>
-            <a:lvl9pPr lvl="8" marR="0" rtl="0" algn="l">
-              <a:spcBef>
-                <a:spcPts val="0"/>
-              </a:spcBef>
-              <a:spcAft>
-                <a:spcPts val="0"/>
-              </a:spcAft>
-              <a:buSzPts val="1400"/>
-              <a:buNone/>
-              <a:defRPr b="0" i="0" sz="1800" u="none" cap="none" strike="noStrike">
+            <a:lvl9pPr marR="0" lvl="8" algn="l" rtl="0">
+              <a:spcBef>
+                <a:spcPts val="0"/>
+              </a:spcBef>
+              <a:spcAft>
+                <a:spcPts val="0"/>
+              </a:spcAft>
+              <a:buSzPts val="1400"/>
+              <a:buNone/>
+              <a:defRPr sz="1800" b="0" i="0" u="none" strike="noStrike" cap="none">
                 <a:solidFill>
                   <a:schemeClr val="dk1"/>
                 </a:solidFill>
@@ -10248,15 +10516,19 @@
               </a:defRPr>
             </a:lvl9pPr>
           </a:lstStyle>
-          <a:p/>
+          <a:p>
+            <a:endParaRPr/>
+          </a:p>
         </p:txBody>
       </p:sp>
       <p:sp>
         <p:nvSpPr>
           <p:cNvPr id="9" name="Google Shape;9;p1"/>
-          <p:cNvSpPr txBox="1"/>
+          <p:cNvSpPr txBox="1">
+            <a:spLocks noGrp="1"/>
+          </p:cNvSpPr>
           <p:nvPr>
-            <p:ph idx="11" type="ftr"/>
+            <p:ph type="ftr" idx="11"/>
           </p:nvPr>
         </p:nvSpPr>
         <p:spPr>
@@ -10273,20 +10545,20 @@
           </a:ln>
         </p:spPr>
         <p:txBody>
-          <a:bodyPr anchorCtr="0" anchor="ctr" bIns="45700" lIns="91425" spcFirstLastPara="1" rIns="91425" wrap="square" tIns="45700">
+          <a:bodyPr spcFirstLastPara="1" wrap="square" lIns="91425" tIns="45700" rIns="91425" bIns="45700" anchor="ctr" anchorCtr="0">
             <a:noAutofit/>
           </a:bodyPr>
           <a:lstStyle>
-            <a:lvl1pPr lvl="0" marR="0" rtl="0" algn="ctr">
-              <a:spcBef>
-                <a:spcPts val="0"/>
-              </a:spcBef>
-              <a:spcAft>
-                <a:spcPts val="0"/>
-              </a:spcAft>
-              <a:buSzPts val="1400"/>
-              <a:buNone/>
-              <a:defRPr b="0" i="0" sz="1200" u="none" cap="none" strike="noStrike">
+            <a:lvl1pPr marR="0" lvl="0" algn="ctr" rtl="0">
+              <a:spcBef>
+                <a:spcPts val="0"/>
+              </a:spcBef>
+              <a:spcAft>
+                <a:spcPts val="0"/>
+              </a:spcAft>
+              <a:buSzPts val="1400"/>
+              <a:buNone/>
+              <a:defRPr sz="1200" b="0" i="0" u="none" strike="noStrike" cap="none">
                 <a:solidFill>
                   <a:srgbClr val="888888"/>
                 </a:solidFill>
@@ -10296,16 +10568,16 @@
                 <a:sym typeface="Calibri"/>
               </a:defRPr>
             </a:lvl1pPr>
-            <a:lvl2pPr lvl="1" marR="0" rtl="0" algn="l">
-              <a:spcBef>
-                <a:spcPts val="0"/>
-              </a:spcBef>
-              <a:spcAft>
-                <a:spcPts val="0"/>
-              </a:spcAft>
-              <a:buSzPts val="1400"/>
-              <a:buNone/>
-              <a:defRPr b="0" i="0" sz="1800" u="none" cap="none" strike="noStrike">
+            <a:lvl2pPr marR="0" lvl="1" algn="l" rtl="0">
+              <a:spcBef>
+                <a:spcPts val="0"/>
+              </a:spcBef>
+              <a:spcAft>
+                <a:spcPts val="0"/>
+              </a:spcAft>
+              <a:buSzPts val="1400"/>
+              <a:buNone/>
+              <a:defRPr sz="1800" b="0" i="0" u="none" strike="noStrike" cap="none">
                 <a:solidFill>
                   <a:schemeClr val="dk1"/>
                 </a:solidFill>
@@ -10315,16 +10587,16 @@
                 <a:sym typeface="Calibri"/>
               </a:defRPr>
             </a:lvl2pPr>
-            <a:lvl3pPr lvl="2" marR="0" rtl="0" algn="l">
-              <a:spcBef>
-                <a:spcPts val="0"/>
-              </a:spcBef>
-              <a:spcAft>
-                <a:spcPts val="0"/>
-              </a:spcAft>
-              <a:buSzPts val="1400"/>
-              <a:buNone/>
-              <a:defRPr b="0" i="0" sz="1800" u="none" cap="none" strike="noStrike">
+            <a:lvl3pPr marR="0" lvl="2" algn="l" rtl="0">
+              <a:spcBef>
+                <a:spcPts val="0"/>
+              </a:spcBef>
+              <a:spcAft>
+                <a:spcPts val="0"/>
+              </a:spcAft>
+              <a:buSzPts val="1400"/>
+              <a:buNone/>
+              <a:defRPr sz="1800" b="0" i="0" u="none" strike="noStrike" cap="none">
                 <a:solidFill>
                   <a:schemeClr val="dk1"/>
                 </a:solidFill>
@@ -10334,16 +10606,16 @@
                 <a:sym typeface="Calibri"/>
               </a:defRPr>
             </a:lvl3pPr>
-            <a:lvl4pPr lvl="3" marR="0" rtl="0" algn="l">
-              <a:spcBef>
-                <a:spcPts val="0"/>
-              </a:spcBef>
-              <a:spcAft>
-                <a:spcPts val="0"/>
-              </a:spcAft>
-              <a:buSzPts val="1400"/>
-              <a:buNone/>
-              <a:defRPr b="0" i="0" sz="1800" u="none" cap="none" strike="noStrike">
+            <a:lvl4pPr marR="0" lvl="3" algn="l" rtl="0">
+              <a:spcBef>
+                <a:spcPts val="0"/>
+              </a:spcBef>
+              <a:spcAft>
+                <a:spcPts val="0"/>
+              </a:spcAft>
+              <a:buSzPts val="1400"/>
+              <a:buNone/>
+              <a:defRPr sz="1800" b="0" i="0" u="none" strike="noStrike" cap="none">
                 <a:solidFill>
                   <a:schemeClr val="dk1"/>
                 </a:solidFill>
@@ -10353,16 +10625,16 @@
                 <a:sym typeface="Calibri"/>
               </a:defRPr>
             </a:lvl4pPr>
-            <a:lvl5pPr lvl="4" marR="0" rtl="0" algn="l">
-              <a:spcBef>
-                <a:spcPts val="0"/>
-              </a:spcBef>
-              <a:spcAft>
-                <a:spcPts val="0"/>
-              </a:spcAft>
-              <a:buSzPts val="1400"/>
-              <a:buNone/>
-              <a:defRPr b="0" i="0" sz="1800" u="none" cap="none" strike="noStrike">
+            <a:lvl5pPr marR="0" lvl="4" algn="l" rtl="0">
+              <a:spcBef>
+                <a:spcPts val="0"/>
+              </a:spcBef>
+              <a:spcAft>
+                <a:spcPts val="0"/>
+              </a:spcAft>
+              <a:buSzPts val="1400"/>
+              <a:buNone/>
+              <a:defRPr sz="1800" b="0" i="0" u="none" strike="noStrike" cap="none">
                 <a:solidFill>
                   <a:schemeClr val="dk1"/>
                 </a:solidFill>
@@ -10372,16 +10644,16 @@
                 <a:sym typeface="Calibri"/>
               </a:defRPr>
             </a:lvl5pPr>
-            <a:lvl6pPr lvl="5" marR="0" rtl="0" algn="l">
-              <a:spcBef>
-                <a:spcPts val="0"/>
-              </a:spcBef>
-              <a:spcAft>
-                <a:spcPts val="0"/>
-              </a:spcAft>
-              <a:buSzPts val="1400"/>
-              <a:buNone/>
-              <a:defRPr b="0" i="0" sz="1800" u="none" cap="none" strike="noStrike">
+            <a:lvl6pPr marR="0" lvl="5" algn="l" rtl="0">
+              <a:spcBef>
+                <a:spcPts val="0"/>
+              </a:spcBef>
+              <a:spcAft>
+                <a:spcPts val="0"/>
+              </a:spcAft>
+              <a:buSzPts val="1400"/>
+              <a:buNone/>
+              <a:defRPr sz="1800" b="0" i="0" u="none" strike="noStrike" cap="none">
                 <a:solidFill>
                   <a:schemeClr val="dk1"/>
                 </a:solidFill>
@@ -10391,16 +10663,16 @@
                 <a:sym typeface="Calibri"/>
               </a:defRPr>
             </a:lvl6pPr>
-            <a:lvl7pPr lvl="6" marR="0" rtl="0" algn="l">
-              <a:spcBef>
-                <a:spcPts val="0"/>
-              </a:spcBef>
-              <a:spcAft>
-                <a:spcPts val="0"/>
-              </a:spcAft>
-              <a:buSzPts val="1400"/>
-              <a:buNone/>
-              <a:defRPr b="0" i="0" sz="1800" u="none" cap="none" strike="noStrike">
+            <a:lvl7pPr marR="0" lvl="6" algn="l" rtl="0">
+              <a:spcBef>
+                <a:spcPts val="0"/>
+              </a:spcBef>
+              <a:spcAft>
+                <a:spcPts val="0"/>
+              </a:spcAft>
+              <a:buSzPts val="1400"/>
+              <a:buNone/>
+              <a:defRPr sz="1800" b="0" i="0" u="none" strike="noStrike" cap="none">
                 <a:solidFill>
                   <a:schemeClr val="dk1"/>
                 </a:solidFill>
@@ -10410,16 +10682,16 @@
                 <a:sym typeface="Calibri"/>
               </a:defRPr>
             </a:lvl7pPr>
-            <a:lvl8pPr lvl="7" marR="0" rtl="0" algn="l">
-              <a:spcBef>
-                <a:spcPts val="0"/>
-              </a:spcBef>
-              <a:spcAft>
-                <a:spcPts val="0"/>
-              </a:spcAft>
-              <a:buSzPts val="1400"/>
-              <a:buNone/>
-              <a:defRPr b="0" i="0" sz="1800" u="none" cap="none" strike="noStrike">
+            <a:lvl8pPr marR="0" lvl="7" algn="l" rtl="0">
+              <a:spcBef>
+                <a:spcPts val="0"/>
+              </a:spcBef>
+              <a:spcAft>
+                <a:spcPts val="0"/>
+              </a:spcAft>
+              <a:buSzPts val="1400"/>
+              <a:buNone/>
+              <a:defRPr sz="1800" b="0" i="0" u="none" strike="noStrike" cap="none">
                 <a:solidFill>
                   <a:schemeClr val="dk1"/>
                 </a:solidFill>
@@ -10429,16 +10701,16 @@
                 <a:sym typeface="Calibri"/>
               </a:defRPr>
             </a:lvl8pPr>
-            <a:lvl9pPr lvl="8" marR="0" rtl="0" algn="l">
-              <a:spcBef>
-                <a:spcPts val="0"/>
-              </a:spcBef>
-              <a:spcAft>
-                <a:spcPts val="0"/>
-              </a:spcAft>
-              <a:buSzPts val="1400"/>
-              <a:buNone/>
-              <a:defRPr b="0" i="0" sz="1800" u="none" cap="none" strike="noStrike">
+            <a:lvl9pPr marR="0" lvl="8" algn="l" rtl="0">
+              <a:spcBef>
+                <a:spcPts val="0"/>
+              </a:spcBef>
+              <a:spcAft>
+                <a:spcPts val="0"/>
+              </a:spcAft>
+              <a:buSzPts val="1400"/>
+              <a:buNone/>
+              <a:defRPr sz="1800" b="0" i="0" u="none" strike="noStrike" cap="none">
                 <a:solidFill>
                   <a:schemeClr val="dk1"/>
                 </a:solidFill>
@@ -10449,15 +10721,19 @@
               </a:defRPr>
             </a:lvl9pPr>
           </a:lstStyle>
-          <a:p/>
+          <a:p>
+            <a:endParaRPr/>
+          </a:p>
         </p:txBody>
       </p:sp>
       <p:sp>
         <p:nvSpPr>
           <p:cNvPr id="10" name="Google Shape;10;p1"/>
-          <p:cNvSpPr txBox="1"/>
+          <p:cNvSpPr txBox="1">
+            <a:spLocks noGrp="1"/>
+          </p:cNvSpPr>
           <p:nvPr>
-            <p:ph idx="12" type="sldNum"/>
+            <p:ph type="sldNum" idx="12"/>
           </p:nvPr>
         </p:nvSpPr>
         <p:spPr>
@@ -10474,16 +10750,16 @@
           </a:ln>
         </p:spPr>
         <p:txBody>
-          <a:bodyPr anchorCtr="0" anchor="ctr" bIns="45700" lIns="91425" spcFirstLastPara="1" rIns="91425" wrap="square" tIns="45700">
+          <a:bodyPr spcFirstLastPara="1" wrap="square" lIns="91425" tIns="45700" rIns="91425" bIns="45700" anchor="ctr" anchorCtr="0">
             <a:noAutofit/>
           </a:bodyPr>
           <a:lstStyle>
-            <a:lvl1pPr indent="0" lvl="0" marL="0" marR="0" rtl="0" algn="r">
-              <a:spcBef>
-                <a:spcPts val="0"/>
-              </a:spcBef>
-              <a:buNone/>
-              <a:defRPr b="0" i="0" sz="1200" u="none" cap="none" strike="noStrike">
+            <a:lvl1pPr marL="0" marR="0" lvl="0" indent="0" algn="r" rtl="0">
+              <a:spcBef>
+                <a:spcPts val="0"/>
+              </a:spcBef>
+              <a:buNone/>
+              <a:defRPr sz="1200" b="0" i="0" u="none" strike="noStrike" cap="none">
                 <a:solidFill>
                   <a:srgbClr val="888888"/>
                 </a:solidFill>
@@ -10493,12 +10769,12 @@
                 <a:sym typeface="Calibri"/>
               </a:defRPr>
             </a:lvl1pPr>
-            <a:lvl2pPr indent="0" lvl="1" marL="0" marR="0" rtl="0" algn="r">
-              <a:spcBef>
-                <a:spcPts val="0"/>
-              </a:spcBef>
-              <a:buNone/>
-              <a:defRPr b="0" i="0" sz="1200" u="none" cap="none" strike="noStrike">
+            <a:lvl2pPr marL="0" marR="0" lvl="1" indent="0" algn="r" rtl="0">
+              <a:spcBef>
+                <a:spcPts val="0"/>
+              </a:spcBef>
+              <a:buNone/>
+              <a:defRPr sz="1200" b="0" i="0" u="none" strike="noStrike" cap="none">
                 <a:solidFill>
                   <a:srgbClr val="888888"/>
                 </a:solidFill>
@@ -10508,12 +10784,12 @@
                 <a:sym typeface="Calibri"/>
               </a:defRPr>
             </a:lvl2pPr>
-            <a:lvl3pPr indent="0" lvl="2" marL="0" marR="0" rtl="0" algn="r">
-              <a:spcBef>
-                <a:spcPts val="0"/>
-              </a:spcBef>
-              <a:buNone/>
-              <a:defRPr b="0" i="0" sz="1200" u="none" cap="none" strike="noStrike">
+            <a:lvl3pPr marL="0" marR="0" lvl="2" indent="0" algn="r" rtl="0">
+              <a:spcBef>
+                <a:spcPts val="0"/>
+              </a:spcBef>
+              <a:buNone/>
+              <a:defRPr sz="1200" b="0" i="0" u="none" strike="noStrike" cap="none">
                 <a:solidFill>
                   <a:srgbClr val="888888"/>
                 </a:solidFill>
@@ -10523,12 +10799,12 @@
                 <a:sym typeface="Calibri"/>
               </a:defRPr>
             </a:lvl3pPr>
-            <a:lvl4pPr indent="0" lvl="3" marL="0" marR="0" rtl="0" algn="r">
-              <a:spcBef>
-                <a:spcPts val="0"/>
-              </a:spcBef>
-              <a:buNone/>
-              <a:defRPr b="0" i="0" sz="1200" u="none" cap="none" strike="noStrike">
+            <a:lvl4pPr marL="0" marR="0" lvl="3" indent="0" algn="r" rtl="0">
+              <a:spcBef>
+                <a:spcPts val="0"/>
+              </a:spcBef>
+              <a:buNone/>
+              <a:defRPr sz="1200" b="0" i="0" u="none" strike="noStrike" cap="none">
                 <a:solidFill>
                   <a:srgbClr val="888888"/>
                 </a:solidFill>
@@ -10538,12 +10814,12 @@
                 <a:sym typeface="Calibri"/>
               </a:defRPr>
             </a:lvl4pPr>
-            <a:lvl5pPr indent="0" lvl="4" marL="0" marR="0" rtl="0" algn="r">
-              <a:spcBef>
-                <a:spcPts val="0"/>
-              </a:spcBef>
-              <a:buNone/>
-              <a:defRPr b="0" i="0" sz="1200" u="none" cap="none" strike="noStrike">
+            <a:lvl5pPr marL="0" marR="0" lvl="4" indent="0" algn="r" rtl="0">
+              <a:spcBef>
+                <a:spcPts val="0"/>
+              </a:spcBef>
+              <a:buNone/>
+              <a:defRPr sz="1200" b="0" i="0" u="none" strike="noStrike" cap="none">
                 <a:solidFill>
                   <a:srgbClr val="888888"/>
                 </a:solidFill>
@@ -10553,12 +10829,12 @@
                 <a:sym typeface="Calibri"/>
               </a:defRPr>
             </a:lvl5pPr>
-            <a:lvl6pPr indent="0" lvl="5" marL="0" marR="0" rtl="0" algn="r">
-              <a:spcBef>
-                <a:spcPts val="0"/>
-              </a:spcBef>
-              <a:buNone/>
-              <a:defRPr b="0" i="0" sz="1200" u="none" cap="none" strike="noStrike">
+            <a:lvl6pPr marL="0" marR="0" lvl="5" indent="0" algn="r" rtl="0">
+              <a:spcBef>
+                <a:spcPts val="0"/>
+              </a:spcBef>
+              <a:buNone/>
+              <a:defRPr sz="1200" b="0" i="0" u="none" strike="noStrike" cap="none">
                 <a:solidFill>
                   <a:srgbClr val="888888"/>
                 </a:solidFill>
@@ -10568,12 +10844,12 @@
                 <a:sym typeface="Calibri"/>
               </a:defRPr>
             </a:lvl6pPr>
-            <a:lvl7pPr indent="0" lvl="6" marL="0" marR="0" rtl="0" algn="r">
-              <a:spcBef>
-                <a:spcPts val="0"/>
-              </a:spcBef>
-              <a:buNone/>
-              <a:defRPr b="0" i="0" sz="1200" u="none" cap="none" strike="noStrike">
+            <a:lvl7pPr marL="0" marR="0" lvl="6" indent="0" algn="r" rtl="0">
+              <a:spcBef>
+                <a:spcPts val="0"/>
+              </a:spcBef>
+              <a:buNone/>
+              <a:defRPr sz="1200" b="0" i="0" u="none" strike="noStrike" cap="none">
                 <a:solidFill>
                   <a:srgbClr val="888888"/>
                 </a:solidFill>
@@ -10583,12 +10859,12 @@
                 <a:sym typeface="Calibri"/>
               </a:defRPr>
             </a:lvl7pPr>
-            <a:lvl8pPr indent="0" lvl="7" marL="0" marR="0" rtl="0" algn="r">
-              <a:spcBef>
-                <a:spcPts val="0"/>
-              </a:spcBef>
-              <a:buNone/>
-              <a:defRPr b="0" i="0" sz="1200" u="none" cap="none" strike="noStrike">
+            <a:lvl8pPr marL="0" marR="0" lvl="7" indent="0" algn="r" rtl="0">
+              <a:spcBef>
+                <a:spcPts val="0"/>
+              </a:spcBef>
+              <a:buNone/>
+              <a:defRPr sz="1200" b="0" i="0" u="none" strike="noStrike" cap="none">
                 <a:solidFill>
                   <a:srgbClr val="888888"/>
                 </a:solidFill>
@@ -10598,12 +10874,12 @@
                 <a:sym typeface="Calibri"/>
               </a:defRPr>
             </a:lvl8pPr>
-            <a:lvl9pPr indent="0" lvl="8" marL="0" marR="0" rtl="0" algn="r">
-              <a:spcBef>
-                <a:spcPts val="0"/>
-              </a:spcBef>
-              <a:buNone/>
-              <a:defRPr b="0" i="0" sz="1200" u="none" cap="none" strike="noStrike">
+            <a:lvl9pPr marL="0" marR="0" lvl="8" indent="0" algn="r" rtl="0">
+              <a:spcBef>
+                <a:spcPts val="0"/>
+              </a:spcBef>
+              <a:buNone/>
+              <a:defRPr sz="1200" b="0" i="0" u="none" strike="noStrike" cap="none">
                 <a:solidFill>
                   <a:srgbClr val="888888"/>
                 </a:solidFill>
@@ -10615,7 +10891,7 @@
             </a:lvl9pPr>
           </a:lstStyle>
           <a:p>
-            <a:pPr indent="0" lvl="0" marL="0" rtl="0" algn="r">
+            <a:pPr marL="0" lvl="0" indent="0" algn="r" rtl="0">
               <a:spcBef>
                 <a:spcPts val="0"/>
               </a:spcBef>
@@ -10626,7 +10902,7 @@
             </a:pPr>
             <a:fld id="{00000000-1234-1234-1234-123412341234}" type="slidenum">
               <a:rPr lang="pt-BR"/>
-              <a:t>‹#›</a:t>
+              <a:t>‹nº›</a:t>
             </a:fld>
             <a:endParaRPr/>
           </a:p>
@@ -10634,7 +10910,7 @@
       </p:sp>
     </p:spTree>
   </p:cSld>
-  <p:clrMap accent1="accent1" accent2="accent2" accent3="accent3" accent4="accent4" accent5="accent5" accent6="accent6" bg1="lt1" bg2="dk2" tx1="dk1" tx2="lt2" folHlink="folHlink" hlink="hlink"/>
+  <p:clrMap bg1="lt1" tx1="dk1" bg2="dk2" tx2="lt2" accent1="accent1" accent2="accent2" accent3="accent3" accent4="accent4" accent5="accent5" accent6="accent6" hlink="hlink" folHlink="folHlink"/>
   <p:sldLayoutIdLst>
     <p:sldLayoutId id="2147483648" r:id="rId1"/>
     <p:sldLayoutId id="2147483649" r:id="rId2"/>
@@ -10648,10 +10924,10 @@
     <p:sldLayoutId id="2147483657" r:id="rId10"/>
     <p:sldLayoutId id="2147483658" r:id="rId11"/>
   </p:sldLayoutIdLst>
-  <p:hf dt="0" ftr="0" hdr="0" sldNum="0"/>
+  <p:hf sldNum="0" hdr="0" ftr="0" dt="0"/>
   <p:txStyles>
     <p:titleStyle>
-      <a:defPPr lvl="0" marR="0" rtl="0" algn="l">
+      <a:defPPr marR="0" lvl="0" algn="l" rtl="0">
         <a:lnSpc>
           <a:spcPct val="100000"/>
         </a:lnSpc>
@@ -10662,7 +10938,7 @@
           <a:spcPts val="0"/>
         </a:spcAft>
       </a:defPPr>
-      <a:lvl1pPr lvl="0" marR="0" rtl="0" algn="l">
+      <a:lvl1pPr marR="0" lvl="0" algn="l" rtl="0">
         <a:lnSpc>
           <a:spcPct val="100000"/>
         </a:lnSpc>
@@ -10676,7 +10952,7 @@
           <a:srgbClr val="000000"/>
         </a:buClr>
         <a:buFont typeface="Arial"/>
-        <a:defRPr b="0" i="0" sz="1400" u="none" cap="none" strike="noStrike">
+        <a:defRPr sz="1400" b="0" i="0" u="none" strike="noStrike" cap="none">
           <a:solidFill>
             <a:srgbClr val="000000"/>
           </a:solidFill>
@@ -10686,7 +10962,7 @@
           <a:sym typeface="Arial"/>
         </a:defRPr>
       </a:lvl1pPr>
-      <a:lvl2pPr lvl="1" marR="0" rtl="0" algn="l">
+      <a:lvl2pPr marR="0" lvl="1" algn="l" rtl="0">
         <a:lnSpc>
           <a:spcPct val="100000"/>
         </a:lnSpc>
@@ -10700,7 +10976,7 @@
           <a:srgbClr val="000000"/>
         </a:buClr>
         <a:buFont typeface="Arial"/>
-        <a:defRPr b="0" i="0" sz="1400" u="none" cap="none" strike="noStrike">
+        <a:defRPr sz="1400" b="0" i="0" u="none" strike="noStrike" cap="none">
           <a:solidFill>
             <a:srgbClr val="000000"/>
           </a:solidFill>
@@ -10710,7 +10986,7 @@
           <a:sym typeface="Arial"/>
         </a:defRPr>
       </a:lvl2pPr>
-      <a:lvl3pPr lvl="2" marR="0" rtl="0" algn="l">
+      <a:lvl3pPr marR="0" lvl="2" algn="l" rtl="0">
         <a:lnSpc>
           <a:spcPct val="100000"/>
         </a:lnSpc>
@@ -10724,7 +11000,7 @@
           <a:srgbClr val="000000"/>
         </a:buClr>
         <a:buFont typeface="Arial"/>
-        <a:defRPr b="0" i="0" sz="1400" u="none" cap="none" strike="noStrike">
+        <a:defRPr sz="1400" b="0" i="0" u="none" strike="noStrike" cap="none">
           <a:solidFill>
             <a:srgbClr val="000000"/>
           </a:solidFill>
@@ -10734,7 +11010,7 @@
           <a:sym typeface="Arial"/>
         </a:defRPr>
       </a:lvl3pPr>
-      <a:lvl4pPr lvl="3" marR="0" rtl="0" algn="l">
+      <a:lvl4pPr marR="0" lvl="3" algn="l" rtl="0">
         <a:lnSpc>
           <a:spcPct val="100000"/>
         </a:lnSpc>
@@ -10748,7 +11024,7 @@
           <a:srgbClr val="000000"/>
         </a:buClr>
         <a:buFont typeface="Arial"/>
-        <a:defRPr b="0" i="0" sz="1400" u="none" cap="none" strike="noStrike">
+        <a:defRPr sz="1400" b="0" i="0" u="none" strike="noStrike" cap="none">
           <a:solidFill>
             <a:srgbClr val="000000"/>
           </a:solidFill>
@@ -10758,7 +11034,7 @@
           <a:sym typeface="Arial"/>
         </a:defRPr>
       </a:lvl4pPr>
-      <a:lvl5pPr lvl="4" marR="0" rtl="0" algn="l">
+      <a:lvl5pPr marR="0" lvl="4" algn="l" rtl="0">
         <a:lnSpc>
           <a:spcPct val="100000"/>
         </a:lnSpc>
@@ -10772,7 +11048,7 @@
           <a:srgbClr val="000000"/>
         </a:buClr>
         <a:buFont typeface="Arial"/>
-        <a:defRPr b="0" i="0" sz="1400" u="none" cap="none" strike="noStrike">
+        <a:defRPr sz="1400" b="0" i="0" u="none" strike="noStrike" cap="none">
           <a:solidFill>
             <a:srgbClr val="000000"/>
           </a:solidFill>
@@ -10782,7 +11058,7 @@
           <a:sym typeface="Arial"/>
         </a:defRPr>
       </a:lvl5pPr>
-      <a:lvl6pPr lvl="5" marR="0" rtl="0" algn="l">
+      <a:lvl6pPr marR="0" lvl="5" algn="l" rtl="0">
         <a:lnSpc>
           <a:spcPct val="100000"/>
         </a:lnSpc>
@@ -10796,7 +11072,7 @@
           <a:srgbClr val="000000"/>
         </a:buClr>
         <a:buFont typeface="Arial"/>
-        <a:defRPr b="0" i="0" sz="1400" u="none" cap="none" strike="noStrike">
+        <a:defRPr sz="1400" b="0" i="0" u="none" strike="noStrike" cap="none">
           <a:solidFill>
             <a:srgbClr val="000000"/>
           </a:solidFill>
@@ -10806,7 +11082,7 @@
           <a:sym typeface="Arial"/>
         </a:defRPr>
       </a:lvl6pPr>
-      <a:lvl7pPr lvl="6" marR="0" rtl="0" algn="l">
+      <a:lvl7pPr marR="0" lvl="6" algn="l" rtl="0">
         <a:lnSpc>
           <a:spcPct val="100000"/>
         </a:lnSpc>
@@ -10820,7 +11096,7 @@
           <a:srgbClr val="000000"/>
         </a:buClr>
         <a:buFont typeface="Arial"/>
-        <a:defRPr b="0" i="0" sz="1400" u="none" cap="none" strike="noStrike">
+        <a:defRPr sz="1400" b="0" i="0" u="none" strike="noStrike" cap="none">
           <a:solidFill>
             <a:srgbClr val="000000"/>
           </a:solidFill>
@@ -10830,7 +11106,7 @@
           <a:sym typeface="Arial"/>
         </a:defRPr>
       </a:lvl7pPr>
-      <a:lvl8pPr lvl="7" marR="0" rtl="0" algn="l">
+      <a:lvl8pPr marR="0" lvl="7" algn="l" rtl="0">
         <a:lnSpc>
           <a:spcPct val="100000"/>
         </a:lnSpc>
@@ -10844,7 +11120,7 @@
           <a:srgbClr val="000000"/>
         </a:buClr>
         <a:buFont typeface="Arial"/>
-        <a:defRPr b="0" i="0" sz="1400" u="none" cap="none" strike="noStrike">
+        <a:defRPr sz="1400" b="0" i="0" u="none" strike="noStrike" cap="none">
           <a:solidFill>
             <a:srgbClr val="000000"/>
           </a:solidFill>
@@ -10854,7 +11130,7 @@
           <a:sym typeface="Arial"/>
         </a:defRPr>
       </a:lvl8pPr>
-      <a:lvl9pPr lvl="8" marR="0" rtl="0" algn="l">
+      <a:lvl9pPr marR="0" lvl="8" algn="l" rtl="0">
         <a:lnSpc>
           <a:spcPct val="100000"/>
         </a:lnSpc>
@@ -10868,7 +11144,7 @@
           <a:srgbClr val="000000"/>
         </a:buClr>
         <a:buFont typeface="Arial"/>
-        <a:defRPr b="0" i="0" sz="1400" u="none" cap="none" strike="noStrike">
+        <a:defRPr sz="1400" b="0" i="0" u="none" strike="noStrike" cap="none">
           <a:solidFill>
             <a:srgbClr val="000000"/>
           </a:solidFill>
@@ -10880,7 +11156,7 @@
       </a:lvl9pPr>
     </p:titleStyle>
     <p:bodyStyle>
-      <a:defPPr lvl="0" marR="0" rtl="0" algn="l">
+      <a:defPPr marR="0" lvl="0" algn="l" rtl="0">
         <a:lnSpc>
           <a:spcPct val="100000"/>
         </a:lnSpc>
@@ -10891,7 +11167,7 @@
           <a:spcPts val="0"/>
         </a:spcAft>
       </a:defPPr>
-      <a:lvl1pPr lvl="0" marR="0" rtl="0" algn="l">
+      <a:lvl1pPr marR="0" lvl="0" algn="l" rtl="0">
         <a:lnSpc>
           <a:spcPct val="100000"/>
         </a:lnSpc>
@@ -10905,7 +11181,7 @@
           <a:srgbClr val="000000"/>
         </a:buClr>
         <a:buFont typeface="Arial"/>
-        <a:defRPr b="0" i="0" sz="1400" u="none" cap="none" strike="noStrike">
+        <a:defRPr sz="1400" b="0" i="0" u="none" strike="noStrike" cap="none">
           <a:solidFill>
             <a:srgbClr val="000000"/>
           </a:solidFill>
@@ -10915,7 +11191,7 @@
           <a:sym typeface="Arial"/>
         </a:defRPr>
       </a:lvl1pPr>
-      <a:lvl2pPr lvl="1" marR="0" rtl="0" algn="l">
+      <a:lvl2pPr marR="0" lvl="1" algn="l" rtl="0">
         <a:lnSpc>
           <a:spcPct val="100000"/>
         </a:lnSpc>
@@ -10929,7 +11205,7 @@
           <a:srgbClr val="000000"/>
         </a:buClr>
         <a:buFont typeface="Arial"/>
-        <a:defRPr b="0" i="0" sz="1400" u="none" cap="none" strike="noStrike">
+        <a:defRPr sz="1400" b="0" i="0" u="none" strike="noStrike" cap="none">
           <a:solidFill>
             <a:srgbClr val="000000"/>
           </a:solidFill>
@@ -10939,7 +11215,7 @@
           <a:sym typeface="Arial"/>
         </a:defRPr>
       </a:lvl2pPr>
-      <a:lvl3pPr lvl="2" marR="0" rtl="0" algn="l">
+      <a:lvl3pPr marR="0" lvl="2" algn="l" rtl="0">
         <a:lnSpc>
           <a:spcPct val="100000"/>
         </a:lnSpc>
@@ -10953,7 +11229,7 @@
           <a:srgbClr val="000000"/>
         </a:buClr>
         <a:buFont typeface="Arial"/>
-        <a:defRPr b="0" i="0" sz="1400" u="none" cap="none" strike="noStrike">
+        <a:defRPr sz="1400" b="0" i="0" u="none" strike="noStrike" cap="none">
           <a:solidFill>
             <a:srgbClr val="000000"/>
           </a:solidFill>
@@ -10963,7 +11239,7 @@
           <a:sym typeface="Arial"/>
         </a:defRPr>
       </a:lvl3pPr>
-      <a:lvl4pPr lvl="3" marR="0" rtl="0" algn="l">
+      <a:lvl4pPr marR="0" lvl="3" algn="l" rtl="0">
         <a:lnSpc>
           <a:spcPct val="100000"/>
         </a:lnSpc>
@@ -10977,7 +11253,7 @@
           <a:srgbClr val="000000"/>
         </a:buClr>
         <a:buFont typeface="Arial"/>
-        <a:defRPr b="0" i="0" sz="1400" u="none" cap="none" strike="noStrike">
+        <a:defRPr sz="1400" b="0" i="0" u="none" strike="noStrike" cap="none">
           <a:solidFill>
             <a:srgbClr val="000000"/>
           </a:solidFill>
@@ -10987,7 +11263,7 @@
           <a:sym typeface="Arial"/>
         </a:defRPr>
       </a:lvl4pPr>
-      <a:lvl5pPr lvl="4" marR="0" rtl="0" algn="l">
+      <a:lvl5pPr marR="0" lvl="4" algn="l" rtl="0">
         <a:lnSpc>
           <a:spcPct val="100000"/>
         </a:lnSpc>
@@ -11001,7 +11277,7 @@
           <a:srgbClr val="000000"/>
         </a:buClr>
         <a:buFont typeface="Arial"/>
-        <a:defRPr b="0" i="0" sz="1400" u="none" cap="none" strike="noStrike">
+        <a:defRPr sz="1400" b="0" i="0" u="none" strike="noStrike" cap="none">
           <a:solidFill>
             <a:srgbClr val="000000"/>
           </a:solidFill>
@@ -11011,7 +11287,7 @@
           <a:sym typeface="Arial"/>
         </a:defRPr>
       </a:lvl5pPr>
-      <a:lvl6pPr lvl="5" marR="0" rtl="0" algn="l">
+      <a:lvl6pPr marR="0" lvl="5" algn="l" rtl="0">
         <a:lnSpc>
           <a:spcPct val="100000"/>
         </a:lnSpc>
@@ -11025,7 +11301,7 @@
           <a:srgbClr val="000000"/>
         </a:buClr>
         <a:buFont typeface="Arial"/>
-        <a:defRPr b="0" i="0" sz="1400" u="none" cap="none" strike="noStrike">
+        <a:defRPr sz="1400" b="0" i="0" u="none" strike="noStrike" cap="none">
           <a:solidFill>
             <a:srgbClr val="000000"/>
           </a:solidFill>
@@ -11035,7 +11311,7 @@
           <a:sym typeface="Arial"/>
         </a:defRPr>
       </a:lvl6pPr>
-      <a:lvl7pPr lvl="6" marR="0" rtl="0" algn="l">
+      <a:lvl7pPr marR="0" lvl="6" algn="l" rtl="0">
         <a:lnSpc>
           <a:spcPct val="100000"/>
         </a:lnSpc>
@@ -11049,7 +11325,7 @@
           <a:srgbClr val="000000"/>
         </a:buClr>
         <a:buFont typeface="Arial"/>
-        <a:defRPr b="0" i="0" sz="1400" u="none" cap="none" strike="noStrike">
+        <a:defRPr sz="1400" b="0" i="0" u="none" strike="noStrike" cap="none">
           <a:solidFill>
             <a:srgbClr val="000000"/>
           </a:solidFill>
@@ -11059,7 +11335,7 @@
           <a:sym typeface="Arial"/>
         </a:defRPr>
       </a:lvl7pPr>
-      <a:lvl8pPr lvl="7" marR="0" rtl="0" algn="l">
+      <a:lvl8pPr marR="0" lvl="7" algn="l" rtl="0">
         <a:lnSpc>
           <a:spcPct val="100000"/>
         </a:lnSpc>
@@ -11073,7 +11349,7 @@
           <a:srgbClr val="000000"/>
         </a:buClr>
         <a:buFont typeface="Arial"/>
-        <a:defRPr b="0" i="0" sz="1400" u="none" cap="none" strike="noStrike">
+        <a:defRPr sz="1400" b="0" i="0" u="none" strike="noStrike" cap="none">
           <a:solidFill>
             <a:srgbClr val="000000"/>
           </a:solidFill>
@@ -11083,7 +11359,7 @@
           <a:sym typeface="Arial"/>
         </a:defRPr>
       </a:lvl8pPr>
-      <a:lvl9pPr lvl="8" marR="0" rtl="0" algn="l">
+      <a:lvl9pPr marR="0" lvl="8" algn="l" rtl="0">
         <a:lnSpc>
           <a:spcPct val="100000"/>
         </a:lnSpc>
@@ -11097,7 +11373,7 @@
           <a:srgbClr val="000000"/>
         </a:buClr>
         <a:buFont typeface="Arial"/>
-        <a:defRPr b="0" i="0" sz="1400" u="none" cap="none" strike="noStrike">
+        <a:defRPr sz="1400" b="0" i="0" u="none" strike="noStrike" cap="none">
           <a:solidFill>
             <a:srgbClr val="000000"/>
           </a:solidFill>
@@ -11109,7 +11385,7 @@
       </a:lvl9pPr>
     </p:bodyStyle>
     <p:otherStyle>
-      <a:defPPr lvl="0" marR="0" rtl="0" algn="l">
+      <a:defPPr marR="0" lvl="0" algn="l" rtl="0">
         <a:lnSpc>
           <a:spcPct val="100000"/>
         </a:lnSpc>
@@ -11120,7 +11396,7 @@
           <a:spcPts val="0"/>
         </a:spcAft>
       </a:defPPr>
-      <a:lvl1pPr lvl="0" marR="0" rtl="0" algn="l">
+      <a:lvl1pPr marR="0" lvl="0" algn="l" rtl="0">
         <a:lnSpc>
           <a:spcPct val="100000"/>
         </a:lnSpc>
@@ -11134,7 +11410,7 @@
           <a:srgbClr val="000000"/>
         </a:buClr>
         <a:buFont typeface="Arial"/>
-        <a:defRPr b="0" i="0" sz="1400" u="none" cap="none" strike="noStrike">
+        <a:defRPr sz="1400" b="0" i="0" u="none" strike="noStrike" cap="none">
           <a:solidFill>
             <a:srgbClr val="000000"/>
           </a:solidFill>
@@ -11144,7 +11420,7 @@
           <a:sym typeface="Arial"/>
         </a:defRPr>
       </a:lvl1pPr>
-      <a:lvl2pPr lvl="1" marR="0" rtl="0" algn="l">
+      <a:lvl2pPr marR="0" lvl="1" algn="l" rtl="0">
         <a:lnSpc>
           <a:spcPct val="100000"/>
         </a:lnSpc>
@@ -11158,7 +11434,7 @@
           <a:srgbClr val="000000"/>
         </a:buClr>
         <a:buFont typeface="Arial"/>
-        <a:defRPr b="0" i="0" sz="1400" u="none" cap="none" strike="noStrike">
+        <a:defRPr sz="1400" b="0" i="0" u="none" strike="noStrike" cap="none">
           <a:solidFill>
             <a:srgbClr val="000000"/>
           </a:solidFill>
@@ -11168,7 +11444,7 @@
           <a:sym typeface="Arial"/>
         </a:defRPr>
       </a:lvl2pPr>
-      <a:lvl3pPr lvl="2" marR="0" rtl="0" algn="l">
+      <a:lvl3pPr marR="0" lvl="2" algn="l" rtl="0">
         <a:lnSpc>
           <a:spcPct val="100000"/>
         </a:lnSpc>
@@ -11182,7 +11458,7 @@
           <a:srgbClr val="000000"/>
         </a:buClr>
         <a:buFont typeface="Arial"/>
-        <a:defRPr b="0" i="0" sz="1400" u="none" cap="none" strike="noStrike">
+        <a:defRPr sz="1400" b="0" i="0" u="none" strike="noStrike" cap="none">
           <a:solidFill>
             <a:srgbClr val="000000"/>
           </a:solidFill>
@@ -11192,7 +11468,7 @@
           <a:sym typeface="Arial"/>
         </a:defRPr>
       </a:lvl3pPr>
-      <a:lvl4pPr lvl="3" marR="0" rtl="0" algn="l">
+      <a:lvl4pPr marR="0" lvl="3" algn="l" rtl="0">
         <a:lnSpc>
           <a:spcPct val="100000"/>
         </a:lnSpc>
@@ -11206,7 +11482,7 @@
           <a:srgbClr val="000000"/>
         </a:buClr>
         <a:buFont typeface="Arial"/>
-        <a:defRPr b="0" i="0" sz="1400" u="none" cap="none" strike="noStrike">
+        <a:defRPr sz="1400" b="0" i="0" u="none" strike="noStrike" cap="none">
           <a:solidFill>
             <a:srgbClr val="000000"/>
           </a:solidFill>
@@ -11216,7 +11492,7 @@
           <a:sym typeface="Arial"/>
         </a:defRPr>
       </a:lvl4pPr>
-      <a:lvl5pPr lvl="4" marR="0" rtl="0" algn="l">
+      <a:lvl5pPr marR="0" lvl="4" algn="l" rtl="0">
         <a:lnSpc>
           <a:spcPct val="100000"/>
         </a:lnSpc>
@@ -11230,7 +11506,7 @@
           <a:srgbClr val="000000"/>
         </a:buClr>
         <a:buFont typeface="Arial"/>
-        <a:defRPr b="0" i="0" sz="1400" u="none" cap="none" strike="noStrike">
+        <a:defRPr sz="1400" b="0" i="0" u="none" strike="noStrike" cap="none">
           <a:solidFill>
             <a:srgbClr val="000000"/>
           </a:solidFill>
@@ -11240,7 +11516,7 @@
           <a:sym typeface="Arial"/>
         </a:defRPr>
       </a:lvl5pPr>
-      <a:lvl6pPr lvl="5" marR="0" rtl="0" algn="l">
+      <a:lvl6pPr marR="0" lvl="5" algn="l" rtl="0">
         <a:lnSpc>
           <a:spcPct val="100000"/>
         </a:lnSpc>
@@ -11254,7 +11530,7 @@
           <a:srgbClr val="000000"/>
         </a:buClr>
         <a:buFont typeface="Arial"/>
-        <a:defRPr b="0" i="0" sz="1400" u="none" cap="none" strike="noStrike">
+        <a:defRPr sz="1400" b="0" i="0" u="none" strike="noStrike" cap="none">
           <a:solidFill>
             <a:srgbClr val="000000"/>
           </a:solidFill>
@@ -11264,7 +11540,7 @@
           <a:sym typeface="Arial"/>
         </a:defRPr>
       </a:lvl6pPr>
-      <a:lvl7pPr lvl="6" marR="0" rtl="0" algn="l">
+      <a:lvl7pPr marR="0" lvl="6" algn="l" rtl="0">
         <a:lnSpc>
           <a:spcPct val="100000"/>
         </a:lnSpc>
@@ -11278,7 +11554,7 @@
           <a:srgbClr val="000000"/>
         </a:buClr>
         <a:buFont typeface="Arial"/>
-        <a:defRPr b="0" i="0" sz="1400" u="none" cap="none" strike="noStrike">
+        <a:defRPr sz="1400" b="0" i="0" u="none" strike="noStrike" cap="none">
           <a:solidFill>
             <a:srgbClr val="000000"/>
           </a:solidFill>
@@ -11288,7 +11564,7 @@
           <a:sym typeface="Arial"/>
         </a:defRPr>
       </a:lvl7pPr>
-      <a:lvl8pPr lvl="7" marR="0" rtl="0" algn="l">
+      <a:lvl8pPr marR="0" lvl="7" algn="l" rtl="0">
         <a:lnSpc>
           <a:spcPct val="100000"/>
         </a:lnSpc>
@@ -11302,7 +11578,7 @@
           <a:srgbClr val="000000"/>
         </a:buClr>
         <a:buFont typeface="Arial"/>
-        <a:defRPr b="0" i="0" sz="1400" u="none" cap="none" strike="noStrike">
+        <a:defRPr sz="1400" b="0" i="0" u="none" strike="noStrike" cap="none">
           <a:solidFill>
             <a:srgbClr val="000000"/>
           </a:solidFill>
@@ -11312,7 +11588,7 @@
           <a:sym typeface="Arial"/>
         </a:defRPr>
       </a:lvl8pPr>
-      <a:lvl9pPr lvl="8" marR="0" rtl="0" algn="l">
+      <a:lvl9pPr marR="0" lvl="8" algn="l" rtl="0">
         <a:lnSpc>
           <a:spcPct val="100000"/>
         </a:lnSpc>
@@ -11326,7 +11602,7 @@
           <a:srgbClr val="000000"/>
         </a:buClr>
         <a:buFont typeface="Arial"/>
-        <a:defRPr b="0" i="0" sz="1400" u="none" cap="none" strike="noStrike">
+        <a:defRPr sz="1400" b="0" i="0" u="none" strike="noStrike" cap="none">
           <a:solidFill>
             <a:srgbClr val="000000"/>
           </a:solidFill>
@@ -11342,11 +11618,11 @@
 </file>
 
 <file path=ppt/slides/slide1.xml><?xml version="1.0" encoding="utf-8"?>
-<p:sld xmlns:a="http://schemas.openxmlformats.org/drawingml/2006/main" xmlns:r="http://schemas.openxmlformats.org/officeDocument/2006/relationships" xmlns:mc="http://schemas.openxmlformats.org/markup-compatibility/2006" xmlns:mv="urn:schemas-microsoft-com:mac:vml" xmlns:p="http://schemas.openxmlformats.org/presentationml/2006/main" xmlns:c="http://schemas.openxmlformats.org/drawingml/2006/chart" xmlns:dgm="http://schemas.openxmlformats.org/drawingml/2006/diagram" xmlns:o="urn:schemas-microsoft-com:office:office" xmlns:v="urn:schemas-microsoft-com:vml" xmlns:pvml="urn:schemas-microsoft-com:office:powerpoint" xmlns:com="http://schemas.openxmlformats.org/drawingml/2006/compatibility" xmlns:p14="http://schemas.microsoft.com/office/powerpoint/2010/main" xmlns:p15="http://schemas.microsoft.com/office/powerpoint/2012/main">
+<p:sld xmlns:a="http://schemas.openxmlformats.org/drawingml/2006/main" xmlns:r="http://schemas.openxmlformats.org/officeDocument/2006/relationships" xmlns:p="http://schemas.openxmlformats.org/presentationml/2006/main">
   <p:cSld>
     <p:spTree>
       <p:nvGrpSpPr>
-        <p:cNvPr id="83" name="Shape 83"/>
+        <p:cNvPr id="1" name="Shape 83"/>
         <p:cNvGrpSpPr/>
         <p:nvPr/>
       </p:nvGrpSpPr>
@@ -11406,12 +11682,12 @@
           </a:ln>
         </p:spPr>
         <p:txBody>
-          <a:bodyPr anchorCtr="0" anchor="t" bIns="91425" lIns="91425" spcFirstLastPara="1" rIns="91425" wrap="square" tIns="91425">
+          <a:bodyPr spcFirstLastPara="1" wrap="square" lIns="91425" tIns="91425" rIns="91425" bIns="91425" anchor="t" anchorCtr="0">
             <a:noAutofit/>
           </a:bodyPr>
           <a:lstStyle/>
           <a:p>
-            <a:pPr indent="0" lvl="0" marL="0" rtl="0" algn="ctr">
+            <a:pPr marL="0" lvl="0" indent="0" algn="ctr" rtl="0">
               <a:spcBef>
                 <a:spcPts val="0"/>
               </a:spcBef>
@@ -11481,11 +11757,11 @@
 </file>
 
 <file path=ppt/slides/slide2.xml><?xml version="1.0" encoding="utf-8"?>
-<p:sld xmlns:a="http://schemas.openxmlformats.org/drawingml/2006/main" xmlns:r="http://schemas.openxmlformats.org/officeDocument/2006/relationships" xmlns:mc="http://schemas.openxmlformats.org/markup-compatibility/2006" xmlns:mv="urn:schemas-microsoft-com:mac:vml" xmlns:p="http://schemas.openxmlformats.org/presentationml/2006/main" xmlns:c="http://schemas.openxmlformats.org/drawingml/2006/chart" xmlns:dgm="http://schemas.openxmlformats.org/drawingml/2006/diagram" xmlns:o="urn:schemas-microsoft-com:office:office" xmlns:v="urn:schemas-microsoft-com:vml" xmlns:pvml="urn:schemas-microsoft-com:office:powerpoint" xmlns:com="http://schemas.openxmlformats.org/drawingml/2006/compatibility" xmlns:p14="http://schemas.microsoft.com/office/powerpoint/2010/main" xmlns:p15="http://schemas.microsoft.com/office/powerpoint/2012/main">
+<p:sld xmlns:a="http://schemas.openxmlformats.org/drawingml/2006/main" xmlns:r="http://schemas.openxmlformats.org/officeDocument/2006/relationships" xmlns:p="http://schemas.openxmlformats.org/presentationml/2006/main">
   <p:cSld>
     <p:spTree>
       <p:nvGrpSpPr>
-        <p:cNvPr id="90" name="Shape 90"/>
+        <p:cNvPr id="1" name="Shape 90"/>
         <p:cNvGrpSpPr/>
         <p:nvPr/>
       </p:nvGrpSpPr>
@@ -11517,12 +11793,12 @@
           </a:ln>
         </p:spPr>
         <p:txBody>
-          <a:bodyPr anchorCtr="0" anchor="ctr" bIns="45700" lIns="91425" spcFirstLastPara="1" rIns="91425" wrap="square" tIns="45700">
+          <a:bodyPr spcFirstLastPara="1" wrap="square" lIns="91425" tIns="45700" rIns="91425" bIns="45700" anchor="ctr" anchorCtr="0">
             <a:noAutofit/>
           </a:bodyPr>
           <a:lstStyle/>
           <a:p>
-            <a:pPr indent="0" lvl="0" marL="0" rtl="0" algn="l">
+            <a:pPr marL="0" lvl="0" indent="0" algn="l" rtl="0">
               <a:spcBef>
                 <a:spcPts val="0"/>
               </a:spcBef>
@@ -11545,7 +11821,7 @@
               <a:t>Usamos o componente </a:t>
             </a:r>
             <a:r>
-              <a:rPr i="1" lang="pt-BR" sz="4000">
+              <a:rPr lang="pt-BR" sz="4000" i="1">
                 <a:solidFill>
                   <a:srgbClr val="41B883"/>
                 </a:solidFill>
@@ -11556,7 +11832,7 @@
               </a:rPr>
               <a:t>&lt;transition&gt;&lt;/transition&gt;</a:t>
             </a:r>
-            <a:endParaRPr i="1" sz="4000">
+            <a:endParaRPr sz="4000" i="1">
               <a:solidFill>
                 <a:srgbClr val="41B883"/>
               </a:solidFill>
@@ -11616,12 +11892,12 @@
           </a:ln>
         </p:spPr>
         <p:txBody>
-          <a:bodyPr anchorCtr="0" anchor="t" bIns="91425" lIns="91425" spcFirstLastPara="1" rIns="91425" wrap="square" tIns="91425">
+          <a:bodyPr spcFirstLastPara="1" wrap="square" lIns="91425" tIns="91425" rIns="91425" bIns="91425" anchor="t" anchorCtr="0">
             <a:noAutofit/>
           </a:bodyPr>
           <a:lstStyle/>
           <a:p>
-            <a:pPr indent="0" lvl="0" marL="0" rtl="0" algn="l">
+            <a:pPr marL="0" lvl="0" indent="0" algn="l" rtl="0">
               <a:spcBef>
                 <a:spcPts val="0"/>
               </a:spcBef>
@@ -11669,7 +11945,7 @@
           <a:blip r:embed="rId4">
             <a:alphaModFix/>
           </a:blip>
-          <a:srcRect b="3340" l="0" r="0" t="3349"/>
+          <a:srcRect t="3349" b="3340"/>
           <a:stretch/>
         </p:blipFill>
         <p:spPr>
@@ -11706,12 +11982,12 @@
           </a:ln>
         </p:spPr>
         <p:txBody>
-          <a:bodyPr anchorCtr="0" anchor="ctr" bIns="45700" lIns="91425" spcFirstLastPara="1" rIns="91425" wrap="square" tIns="45700">
+          <a:bodyPr spcFirstLastPara="1" wrap="square" lIns="91425" tIns="45700" rIns="91425" bIns="45700" anchor="ctr" anchorCtr="0">
             <a:noAutofit/>
           </a:bodyPr>
           <a:lstStyle/>
           <a:p>
-            <a:pPr indent="0" lvl="0" marL="0" marR="0" rtl="0" algn="ctr">
+            <a:pPr marL="0" marR="0" lvl="0" indent="0" algn="ctr" rtl="0">
               <a:spcBef>
                 <a:spcPts val="0"/>
               </a:spcBef>
@@ -11732,7 +12008,7 @@
               </a:rPr>
               <a:t>Como criar?</a:t>
             </a:r>
-            <a:endParaRPr i="0" sz="4800" u="none" cap="none" strike="noStrike">
+            <a:endParaRPr sz="4800" i="0" u="none" strike="noStrike" cap="none">
               <a:solidFill>
                 <a:srgbClr val="41B883"/>
               </a:solidFill>
@@ -11764,12 +12040,12 @@
           </a:ln>
         </p:spPr>
         <p:txBody>
-          <a:bodyPr anchorCtr="0" anchor="ctr" bIns="91425" lIns="91425" spcFirstLastPara="1" rIns="91425" wrap="square" tIns="91425">
+          <a:bodyPr spcFirstLastPara="1" wrap="square" lIns="91425" tIns="91425" rIns="91425" bIns="91425" anchor="ctr" anchorCtr="0">
             <a:noAutofit/>
           </a:bodyPr>
           <a:lstStyle/>
           <a:p>
-            <a:pPr indent="0" lvl="0" marL="0" rtl="0" algn="l">
+            <a:pPr marL="0" lvl="0" indent="0" algn="l" rtl="0">
               <a:spcBef>
                 <a:spcPts val="0"/>
               </a:spcBef>
@@ -11793,58 +12069,10 @@
                 <a:cs typeface="Roboto Light"/>
                 <a:sym typeface="Roboto Light"/>
               </a:rPr>
-              <a:t>Temos acesso </a:t>
+              <a:t>Temos acesso a eventos padrão que podemos criar para monitorar e manipular os diversos momentos de uma animação. Para isso usamos a diretiva </a:t>
             </a:r>
             <a:r>
-              <a:rPr lang="pt-BR" sz="4000">
-                <a:solidFill>
-                  <a:schemeClr val="dk1"/>
-                </a:solidFill>
-                <a:latin typeface="Roboto Light"/>
-                <a:ea typeface="Roboto Light"/>
-                <a:cs typeface="Roboto Light"/>
-                <a:sym typeface="Roboto Light"/>
-              </a:rPr>
-              <a:t>a</a:t>
-            </a:r>
-            <a:r>
-              <a:rPr lang="pt-BR" sz="4000">
-                <a:solidFill>
-                  <a:schemeClr val="dk1"/>
-                </a:solidFill>
-                <a:latin typeface="Roboto Light"/>
-                <a:ea typeface="Roboto Light"/>
-                <a:cs typeface="Roboto Light"/>
-                <a:sym typeface="Roboto Light"/>
-              </a:rPr>
-              <a:t> eventos padrão que podemos criar para monitorar e manipular os diversos momentos de uma animação. Para isso usamos </a:t>
-            </a:r>
-            <a:r>
-              <a:rPr lang="pt-BR" sz="4000">
-                <a:solidFill>
-                  <a:schemeClr val="dk1"/>
-                </a:solidFill>
-                <a:latin typeface="Roboto Light"/>
-                <a:ea typeface="Roboto Light"/>
-                <a:cs typeface="Roboto Light"/>
-                <a:sym typeface="Roboto Light"/>
-              </a:rPr>
-              <a:t>a</a:t>
-            </a:r>
-            <a:r>
-              <a:rPr lang="pt-BR" sz="4000">
-                <a:solidFill>
-                  <a:schemeClr val="dk1"/>
-                </a:solidFill>
-                <a:latin typeface="Roboto Light"/>
-                <a:ea typeface="Roboto Light"/>
-                <a:cs typeface="Roboto Light"/>
-                <a:sym typeface="Roboto Light"/>
-              </a:rPr>
-              <a:t> diretiva </a:t>
-            </a:r>
-            <a:r>
-              <a:rPr i="1" lang="pt-BR" sz="4000">
+              <a:rPr lang="pt-BR" sz="4000" i="1">
                 <a:solidFill>
                   <a:srgbClr val="41B883"/>
                 </a:solidFill>
@@ -11855,7 +12083,7 @@
               </a:rPr>
               <a:t>v-on</a:t>
             </a:r>
-            <a:endParaRPr i="1" sz="4000">
+            <a:endParaRPr sz="4000" i="1">
               <a:solidFill>
                 <a:srgbClr val="41B883"/>
               </a:solidFill>
@@ -11876,11 +12104,11 @@
 </file>
 
 <file path=ppt/slides/slide3.xml><?xml version="1.0" encoding="utf-8"?>
-<p:sld xmlns:a="http://schemas.openxmlformats.org/drawingml/2006/main" xmlns:r="http://schemas.openxmlformats.org/officeDocument/2006/relationships" xmlns:mc="http://schemas.openxmlformats.org/markup-compatibility/2006" xmlns:mv="urn:schemas-microsoft-com:mac:vml" xmlns:p="http://schemas.openxmlformats.org/presentationml/2006/main" xmlns:c="http://schemas.openxmlformats.org/drawingml/2006/chart" xmlns:dgm="http://schemas.openxmlformats.org/drawingml/2006/diagram" xmlns:o="urn:schemas-microsoft-com:office:office" xmlns:v="urn:schemas-microsoft-com:vml" xmlns:pvml="urn:schemas-microsoft-com:office:powerpoint" xmlns:com="http://schemas.openxmlformats.org/drawingml/2006/compatibility" xmlns:p14="http://schemas.microsoft.com/office/powerpoint/2010/main" xmlns:p15="http://schemas.microsoft.com/office/powerpoint/2012/main">
+<p:sld xmlns:a="http://schemas.openxmlformats.org/drawingml/2006/main" xmlns:r="http://schemas.openxmlformats.org/officeDocument/2006/relationships" xmlns:p="http://schemas.openxmlformats.org/presentationml/2006/main">
   <p:cSld>
     <p:spTree>
       <p:nvGrpSpPr>
-        <p:cNvPr id="100" name="Shape 100"/>
+        <p:cNvPr id="1" name="Shape 100"/>
         <p:cNvGrpSpPr/>
         <p:nvPr/>
       </p:nvGrpSpPr>
@@ -11912,12 +12140,12 @@
           </a:ln>
         </p:spPr>
         <p:txBody>
-          <a:bodyPr anchorCtr="0" anchor="ctr" bIns="45700" lIns="91425" spcFirstLastPara="1" rIns="91425" wrap="square" tIns="45700">
+          <a:bodyPr spcFirstLastPara="1" wrap="square" lIns="91425" tIns="45700" rIns="91425" bIns="45700" anchor="ctr" anchorCtr="0">
             <a:noAutofit/>
           </a:bodyPr>
           <a:lstStyle/>
           <a:p>
-            <a:pPr indent="0" lvl="0" marL="0" rtl="0" algn="l">
+            <a:pPr marL="0" lvl="0" indent="0" algn="l" rtl="0">
               <a:spcBef>
                 <a:spcPts val="0"/>
               </a:spcBef>
@@ -11937,19 +12165,7 @@
                 <a:cs typeface="Roboto Light"/>
                 <a:sym typeface="Roboto Light"/>
               </a:rPr>
-              <a:t>Eventos</a:t>
-            </a:r>
-            <a:r>
-              <a:rPr lang="pt-BR" sz="4800" u="sng">
-                <a:solidFill>
-                  <a:schemeClr val="dk1"/>
-                </a:solidFill>
-                <a:latin typeface="Roboto Light"/>
-                <a:ea typeface="Roboto Light"/>
-                <a:cs typeface="Roboto Light"/>
-                <a:sym typeface="Roboto Light"/>
-              </a:rPr>
-              <a:t> de “entrada”</a:t>
+              <a:t>Eventos de “entrada”</a:t>
             </a:r>
             <a:endParaRPr sz="4800" u="sng">
               <a:solidFill>
@@ -12011,12 +12227,12 @@
           </a:ln>
         </p:spPr>
         <p:txBody>
-          <a:bodyPr anchorCtr="0" anchor="t" bIns="91425" lIns="91425" spcFirstLastPara="1" rIns="91425" wrap="square" tIns="91425">
+          <a:bodyPr spcFirstLastPara="1" wrap="square" lIns="91425" tIns="91425" rIns="91425" bIns="91425" anchor="t" anchorCtr="0">
             <a:noAutofit/>
           </a:bodyPr>
           <a:lstStyle/>
           <a:p>
-            <a:pPr indent="0" lvl="0" marL="0" rtl="0" algn="l">
+            <a:pPr marL="0" lvl="0" indent="0" algn="l" rtl="0">
               <a:spcBef>
                 <a:spcPts val="0"/>
               </a:spcBef>
@@ -12064,7 +12280,7 @@
           <a:blip r:embed="rId4">
             <a:alphaModFix/>
           </a:blip>
-          <a:srcRect b="3340" l="0" r="0" t="3349"/>
+          <a:srcRect t="3349" b="3340"/>
           <a:stretch/>
         </p:blipFill>
         <p:spPr>
@@ -12101,12 +12317,12 @@
           </a:ln>
         </p:spPr>
         <p:txBody>
-          <a:bodyPr anchorCtr="0" anchor="ctr" bIns="45700" lIns="91425" spcFirstLastPara="1" rIns="91425" wrap="square" tIns="45700">
+          <a:bodyPr spcFirstLastPara="1" wrap="square" lIns="91425" tIns="45700" rIns="91425" bIns="45700" anchor="ctr" anchorCtr="0">
             <a:noAutofit/>
           </a:bodyPr>
           <a:lstStyle/>
           <a:p>
-            <a:pPr indent="0" lvl="0" marL="0" marR="0" rtl="0" algn="ctr">
+            <a:pPr marL="0" marR="0" lvl="0" indent="0" algn="ctr" rtl="0">
               <a:spcBef>
                 <a:spcPts val="0"/>
               </a:spcBef>
@@ -12125,21 +12341,9 @@
                 <a:cs typeface="Roboto Mono Medium"/>
                 <a:sym typeface="Roboto Mono Medium"/>
               </a:rPr>
-              <a:t>Eventos</a:t>
+              <a:t>Eventos padrão</a:t>
             </a:r>
-            <a:r>
-              <a:rPr lang="pt-BR" sz="4800">
-                <a:solidFill>
-                  <a:srgbClr val="41B883"/>
-                </a:solidFill>
-                <a:latin typeface="Roboto Mono Medium"/>
-                <a:ea typeface="Roboto Mono Medium"/>
-                <a:cs typeface="Roboto Mono Medium"/>
-                <a:sym typeface="Roboto Mono Medium"/>
-              </a:rPr>
-              <a:t> padrão</a:t>
-            </a:r>
-            <a:endParaRPr i="0" sz="4800" u="none" cap="none" strike="noStrike">
+            <a:endParaRPr sz="4800" i="0" u="none" strike="noStrike" cap="none">
               <a:solidFill>
                 <a:srgbClr val="41B883"/>
               </a:solidFill>
@@ -12171,12 +12375,12 @@
           </a:ln>
         </p:spPr>
         <p:txBody>
-          <a:bodyPr anchorCtr="0" anchor="t" bIns="91425" lIns="91425" spcFirstLastPara="1" rIns="91425" wrap="square" tIns="91425">
+          <a:bodyPr spcFirstLastPara="1" wrap="square" lIns="91425" tIns="91425" rIns="91425" bIns="91425" anchor="t" anchorCtr="0">
             <a:noAutofit/>
           </a:bodyPr>
           <a:lstStyle/>
           <a:p>
-            <a:pPr indent="0" lvl="0" marL="0" rtl="0" algn="l">
+            <a:pPr marL="0" lvl="0" indent="0" algn="l" rtl="0">
               <a:spcBef>
                 <a:spcPts val="0"/>
               </a:spcBef>
@@ -12195,21 +12399,9 @@
                 <a:cs typeface="Roboto Light"/>
                 <a:sym typeface="Roboto Light"/>
               </a:rPr>
-              <a:t>Eventos</a:t>
+              <a:t>Eventos de “saída”</a:t>
             </a:r>
-            <a:r>
-              <a:rPr lang="pt-BR" sz="4800" u="sng">
-                <a:solidFill>
-                  <a:schemeClr val="dk1"/>
-                </a:solidFill>
-                <a:latin typeface="Roboto Light"/>
-                <a:ea typeface="Roboto Light"/>
-                <a:cs typeface="Roboto Light"/>
-                <a:sym typeface="Roboto Light"/>
-              </a:rPr>
-              <a:t> de “saída”</a:t>
-            </a:r>
-            <a:endParaRPr i="1" sz="4800" u="sng">
+            <a:endParaRPr sz="4800" i="1" u="sng">
               <a:solidFill>
                 <a:schemeClr val="dk1"/>
               </a:solidFill>
@@ -12241,12 +12433,12 @@
           </a:ln>
         </p:spPr>
         <p:txBody>
-          <a:bodyPr anchorCtr="0" anchor="ctr" bIns="45700" lIns="91425" spcFirstLastPara="1" rIns="91425" wrap="square" tIns="45700">
+          <a:bodyPr spcFirstLastPara="1" wrap="square" lIns="91425" tIns="45700" rIns="91425" bIns="45700" anchor="ctr" anchorCtr="0">
             <a:noAutofit/>
           </a:bodyPr>
           <a:lstStyle/>
           <a:p>
-            <a:pPr indent="0" lvl="0" marL="0" rtl="0" algn="l">
+            <a:pPr marL="0" lvl="0" indent="0" algn="l" rtl="0">
               <a:spcBef>
                 <a:spcPts val="0"/>
               </a:spcBef>
@@ -12300,12 +12492,12 @@
           </a:ln>
         </p:spPr>
         <p:txBody>
-          <a:bodyPr anchorCtr="0" anchor="ctr" bIns="45700" lIns="91425" spcFirstLastPara="1" rIns="91425" wrap="square" tIns="45700">
+          <a:bodyPr spcFirstLastPara="1" wrap="square" lIns="91425" tIns="45700" rIns="91425" bIns="45700" anchor="ctr" anchorCtr="0">
             <a:noAutofit/>
           </a:bodyPr>
           <a:lstStyle/>
           <a:p>
-            <a:pPr indent="0" lvl="0" marL="0" rtl="0" algn="l">
+            <a:pPr marL="0" lvl="0" indent="0" algn="l" rtl="0">
               <a:spcBef>
                 <a:spcPts val="0"/>
               </a:spcBef>
@@ -12363,12 +12555,12 @@
           </a:ln>
         </p:spPr>
         <p:txBody>
-          <a:bodyPr anchorCtr="0" anchor="ctr" bIns="45700" lIns="91425" spcFirstLastPara="1" rIns="91425" wrap="square" tIns="45700">
+          <a:bodyPr spcFirstLastPara="1" wrap="square" lIns="91425" tIns="45700" rIns="91425" bIns="45700" anchor="ctr" anchorCtr="0">
             <a:noAutofit/>
           </a:bodyPr>
           <a:lstStyle/>
           <a:p>
-            <a:pPr indent="0" lvl="0" marL="0" rtl="0" algn="l">
+            <a:pPr marL="0" lvl="0" indent="0" algn="l" rtl="0">
               <a:spcBef>
                 <a:spcPts val="0"/>
               </a:spcBef>
@@ -12426,12 +12618,12 @@
           </a:ln>
         </p:spPr>
         <p:txBody>
-          <a:bodyPr anchorCtr="0" anchor="ctr" bIns="45700" lIns="91425" spcFirstLastPara="1" rIns="91425" wrap="square" tIns="45700">
+          <a:bodyPr spcFirstLastPara="1" wrap="square" lIns="91425" tIns="45700" rIns="91425" bIns="45700" anchor="ctr" anchorCtr="0">
             <a:noAutofit/>
           </a:bodyPr>
           <a:lstStyle/>
           <a:p>
-            <a:pPr indent="0" lvl="0" marL="0" rtl="0" algn="l">
+            <a:pPr marL="0" lvl="0" indent="0" algn="l" rtl="0">
               <a:spcBef>
                 <a:spcPts val="0"/>
               </a:spcBef>
@@ -12442,7 +12634,7 @@
               <a:buNone/>
             </a:pPr>
             <a:r>
-              <a:rPr lang="pt-BR" sz="4800">
+              <a:rPr lang="pt-BR" sz="4800" smtClean="0">
                 <a:solidFill>
                   <a:srgbClr val="41B883"/>
                 </a:solidFill>
@@ -12451,9 +12643,9 @@
                 <a:cs typeface="Roboto Light"/>
                 <a:sym typeface="Roboto Light"/>
               </a:rPr>
-              <a:t>v-on:before-enter</a:t>
+              <a:t>v-on:before-leave</a:t>
             </a:r>
-            <a:endParaRPr sz="4800">
+            <a:endParaRPr sz="4800" dirty="0">
               <a:solidFill>
                 <a:srgbClr val="41B883"/>
               </a:solidFill>
@@ -12485,12 +12677,12 @@
           </a:ln>
         </p:spPr>
         <p:txBody>
-          <a:bodyPr anchorCtr="0" anchor="ctr" bIns="45700" lIns="91425" spcFirstLastPara="1" rIns="91425" wrap="square" tIns="45700">
+          <a:bodyPr spcFirstLastPara="1" wrap="square" lIns="91425" tIns="45700" rIns="91425" bIns="45700" anchor="ctr" anchorCtr="0">
             <a:noAutofit/>
           </a:bodyPr>
           <a:lstStyle/>
           <a:p>
-            <a:pPr indent="0" lvl="0" marL="0" rtl="0" algn="l">
+            <a:pPr marL="0" lvl="0" indent="0" algn="l" rtl="0">
               <a:spcBef>
                 <a:spcPts val="0"/>
               </a:spcBef>
@@ -12544,12 +12736,12 @@
           </a:ln>
         </p:spPr>
         <p:txBody>
-          <a:bodyPr anchorCtr="0" anchor="ctr" bIns="45700" lIns="91425" spcFirstLastPara="1" rIns="91425" wrap="square" tIns="45700">
+          <a:bodyPr spcFirstLastPara="1" wrap="square" lIns="91425" tIns="45700" rIns="91425" bIns="45700" anchor="ctr" anchorCtr="0">
             <a:noAutofit/>
           </a:bodyPr>
           <a:lstStyle/>
           <a:p>
-            <a:pPr indent="0" lvl="0" marL="0" rtl="0" algn="l">
+            <a:pPr marL="0" lvl="0" indent="0" algn="l" rtl="0">
               <a:spcBef>
                 <a:spcPts val="0"/>
               </a:spcBef>
@@ -12603,12 +12795,12 @@
           </a:ln>
         </p:spPr>
         <p:txBody>
-          <a:bodyPr anchorCtr="0" anchor="ctr" bIns="45700" lIns="91425" spcFirstLastPara="1" rIns="91425" wrap="square" tIns="45700">
+          <a:bodyPr spcFirstLastPara="1" wrap="square" lIns="91425" tIns="45700" rIns="91425" bIns="45700" anchor="ctr" anchorCtr="0">
             <a:noAutofit/>
           </a:bodyPr>
           <a:lstStyle/>
           <a:p>
-            <a:pPr indent="0" lvl="0" marL="0" rtl="0" algn="l">
+            <a:pPr marL="0" lvl="0" indent="0" algn="l" rtl="0">
               <a:spcBef>
                 <a:spcPts val="0"/>
               </a:spcBef>
@@ -12628,19 +12820,7 @@
                 <a:cs typeface="Roboto Light"/>
                 <a:sym typeface="Roboto Light"/>
               </a:rPr>
-              <a:t>v-on:</a:t>
-            </a:r>
-            <a:r>
-              <a:rPr lang="pt-BR" sz="4800">
-                <a:solidFill>
-                  <a:srgbClr val="41B883"/>
-                </a:solidFill>
-                <a:latin typeface="Roboto Light"/>
-                <a:ea typeface="Roboto Light"/>
-                <a:cs typeface="Roboto Light"/>
-                <a:sym typeface="Roboto Light"/>
-              </a:rPr>
-              <a:t>enter-cancelled</a:t>
+              <a:t>v-on:enter-cancelled</a:t>
             </a:r>
             <a:endParaRPr sz="4800">
               <a:solidFill>
@@ -12674,12 +12854,12 @@
           </a:ln>
         </p:spPr>
         <p:txBody>
-          <a:bodyPr anchorCtr="0" anchor="ctr" bIns="45700" lIns="91425" spcFirstLastPara="1" rIns="91425" wrap="square" tIns="45700">
+          <a:bodyPr spcFirstLastPara="1" wrap="square" lIns="91425" tIns="45700" rIns="91425" bIns="45700" anchor="ctr" anchorCtr="0">
             <a:noAutofit/>
           </a:bodyPr>
           <a:lstStyle/>
           <a:p>
-            <a:pPr indent="0" lvl="0" marL="0" rtl="0" algn="l">
+            <a:pPr marL="0" lvl="0" indent="0" algn="l" rtl="0">
               <a:spcBef>
                 <a:spcPts val="0"/>
               </a:spcBef>
@@ -12722,11 +12902,11 @@
 </file>
 
 <file path=ppt/slides/slide4.xml><?xml version="1.0" encoding="utf-8"?>
-<p:sld xmlns:a="http://schemas.openxmlformats.org/drawingml/2006/main" xmlns:r="http://schemas.openxmlformats.org/officeDocument/2006/relationships" xmlns:mc="http://schemas.openxmlformats.org/markup-compatibility/2006" xmlns:mv="urn:schemas-microsoft-com:mac:vml" xmlns:p="http://schemas.openxmlformats.org/presentationml/2006/main" xmlns:c="http://schemas.openxmlformats.org/drawingml/2006/chart" xmlns:dgm="http://schemas.openxmlformats.org/drawingml/2006/diagram" xmlns:o="urn:schemas-microsoft-com:office:office" xmlns:v="urn:schemas-microsoft-com:vml" xmlns:pvml="urn:schemas-microsoft-com:office:powerpoint" xmlns:com="http://schemas.openxmlformats.org/drawingml/2006/compatibility" xmlns:p14="http://schemas.microsoft.com/office/powerpoint/2010/main" xmlns:p15="http://schemas.microsoft.com/office/powerpoint/2012/main">
+<p:sld xmlns:a="http://schemas.openxmlformats.org/drawingml/2006/main" xmlns:r="http://schemas.openxmlformats.org/officeDocument/2006/relationships" xmlns:p="http://schemas.openxmlformats.org/presentationml/2006/main">
   <p:cSld>
     <p:spTree>
       <p:nvGrpSpPr>
-        <p:cNvPr id="118" name="Shape 118"/>
+        <p:cNvPr id="1" name="Shape 118"/>
         <p:cNvGrpSpPr/>
         <p:nvPr/>
       </p:nvGrpSpPr>
@@ -12748,7 +12928,7 @@
           <a:blip r:embed="rId3">
             <a:alphaModFix/>
           </a:blip>
-          <a:srcRect b="0" l="0" r="0" t="0"/>
+          <a:srcRect/>
           <a:stretch/>
         </p:blipFill>
         <p:spPr>
@@ -12774,7 +12954,288 @@
 </file>
 
 <file path=ppt/theme/theme1.xml><?xml version="1.0" encoding="utf-8"?>
-<a:theme xmlns:a="http://schemas.openxmlformats.org/drawingml/2006/main" xmlns:r="http://schemas.openxmlformats.org/officeDocument/2006/relationships">
+<a:theme xmlns:a="http://schemas.openxmlformats.org/drawingml/2006/main" name="Tema do Office">
+  <a:themeElements>
+    <a:clrScheme name="Escritório">
+      <a:dk1>
+        <a:srgbClr val="000000"/>
+      </a:dk1>
+      <a:lt1>
+        <a:srgbClr val="FFFFFF"/>
+      </a:lt1>
+      <a:dk2>
+        <a:srgbClr val="44546A"/>
+      </a:dk2>
+      <a:lt2>
+        <a:srgbClr val="E7E6E6"/>
+      </a:lt2>
+      <a:accent1>
+        <a:srgbClr val="5B9BD5"/>
+      </a:accent1>
+      <a:accent2>
+        <a:srgbClr val="ED7D31"/>
+      </a:accent2>
+      <a:accent3>
+        <a:srgbClr val="A5A5A5"/>
+      </a:accent3>
+      <a:accent4>
+        <a:srgbClr val="FFC000"/>
+      </a:accent4>
+      <a:accent5>
+        <a:srgbClr val="4472C4"/>
+      </a:accent5>
+      <a:accent6>
+        <a:srgbClr val="70AD47"/>
+      </a:accent6>
+      <a:hlink>
+        <a:srgbClr val="0563C1"/>
+      </a:hlink>
+      <a:folHlink>
+        <a:srgbClr val="954F72"/>
+      </a:folHlink>
+    </a:clrScheme>
+    <a:fontScheme name="Office">
+      <a:majorFont>
+        <a:latin typeface="Arial"/>
+        <a:ea typeface=""/>
+        <a:cs typeface=""/>
+        <a:font script="Jpan" typeface="ＭＳ Ｐゴシック"/>
+        <a:font script="Hang" typeface="맑은 고딕"/>
+        <a:font script="Hans" typeface="宋体"/>
+        <a:font script="Hant" typeface="新細明體"/>
+        <a:font script="Arab" typeface="Times New Roman"/>
+        <a:font script="Hebr" typeface="Times New Roman"/>
+        <a:font script="Thai" typeface="Angsana New"/>
+        <a:font script="Ethi" typeface="Nyala"/>
+        <a:font script="Beng" typeface="Vrinda"/>
+        <a:font script="Gujr" typeface="Shruti"/>
+        <a:font script="Khmr" typeface="MoolBoran"/>
+        <a:font script="Knda" typeface="Tunga"/>
+        <a:font script="Guru" typeface="Raavi"/>
+        <a:font script="Cans" typeface="Euphemia"/>
+        <a:font script="Cher" typeface="Plantagenet Cherokee"/>
+        <a:font script="Yiii" typeface="Microsoft Yi Baiti"/>
+        <a:font script="Tibt" typeface="Microsoft Himalaya"/>
+        <a:font script="Thaa" typeface="MV Boli"/>
+        <a:font script="Deva" typeface="Mangal"/>
+        <a:font script="Telu" typeface="Gautami"/>
+        <a:font script="Taml" typeface="Latha"/>
+        <a:font script="Syrc" typeface="Estrangelo Edessa"/>
+        <a:font script="Orya" typeface="Kalinga"/>
+        <a:font script="Mlym" typeface="Kartika"/>
+        <a:font script="Laoo" typeface="DokChampa"/>
+        <a:font script="Sinh" typeface="Iskoola Pota"/>
+        <a:font script="Mong" typeface="Mongolian Baiti"/>
+        <a:font script="Viet" typeface="Times New Roman"/>
+        <a:font script="Uigh" typeface="Microsoft Uighur"/>
+        <a:font script="Geor" typeface="Sylfaen"/>
+      </a:majorFont>
+      <a:minorFont>
+        <a:latin typeface="Arial"/>
+        <a:ea typeface=""/>
+        <a:cs typeface=""/>
+        <a:font script="Jpan" typeface="ＭＳ Ｐゴシック"/>
+        <a:font script="Hang" typeface="맑은 고딕"/>
+        <a:font script="Hans" typeface="宋体"/>
+        <a:font script="Hant" typeface="新細明體"/>
+        <a:font script="Arab" typeface="Arial"/>
+        <a:font script="Hebr" typeface="Arial"/>
+        <a:font script="Thai" typeface="Cordia New"/>
+        <a:font script="Ethi" typeface="Nyala"/>
+        <a:font script="Beng" typeface="Vrinda"/>
+        <a:font script="Gujr" typeface="Shruti"/>
+        <a:font script="Khmr" typeface="DaunPenh"/>
+        <a:font script="Knda" typeface="Tunga"/>
+        <a:font script="Guru" typeface="Raavi"/>
+        <a:font script="Cans" typeface="Euphemia"/>
+        <a:font script="Cher" typeface="Plantagenet Cherokee"/>
+        <a:font script="Yiii" typeface="Microsoft Yi Baiti"/>
+        <a:font script="Tibt" typeface="Microsoft Himalaya"/>
+        <a:font script="Thaa" typeface="MV Boli"/>
+        <a:font script="Deva" typeface="Mangal"/>
+        <a:font script="Telu" typeface="Gautami"/>
+        <a:font script="Taml" typeface="Latha"/>
+        <a:font script="Syrc" typeface="Estrangelo Edessa"/>
+        <a:font script="Orya" typeface="Kalinga"/>
+        <a:font script="Mlym" typeface="Kartika"/>
+        <a:font script="Laoo" typeface="DokChampa"/>
+        <a:font script="Sinh" typeface="Iskoola Pota"/>
+        <a:font script="Mong" typeface="Mongolian Baiti"/>
+        <a:font script="Viet" typeface="Arial"/>
+        <a:font script="Uigh" typeface="Microsoft Uighur"/>
+        <a:font script="Geor" typeface="Sylfaen"/>
+      </a:minorFont>
+    </a:fontScheme>
+    <a:fmtScheme name="Office">
+      <a:fillStyleLst>
+        <a:solidFill>
+          <a:schemeClr val="phClr"/>
+        </a:solidFill>
+        <a:gradFill rotWithShape="1">
+          <a:gsLst>
+            <a:gs pos="0">
+              <a:schemeClr val="phClr">
+                <a:tint val="50000"/>
+                <a:satMod val="300000"/>
+              </a:schemeClr>
+            </a:gs>
+            <a:gs pos="35000">
+              <a:schemeClr val="phClr">
+                <a:tint val="37000"/>
+                <a:satMod val="300000"/>
+              </a:schemeClr>
+            </a:gs>
+            <a:gs pos="100000">
+              <a:schemeClr val="phClr">
+                <a:tint val="15000"/>
+                <a:satMod val="350000"/>
+              </a:schemeClr>
+            </a:gs>
+          </a:gsLst>
+          <a:lin ang="16200000" scaled="1"/>
+        </a:gradFill>
+        <a:gradFill rotWithShape="1">
+          <a:gsLst>
+            <a:gs pos="0">
+              <a:schemeClr val="phClr">
+                <a:tint val="100000"/>
+                <a:shade val="100000"/>
+                <a:satMod val="130000"/>
+              </a:schemeClr>
+            </a:gs>
+            <a:gs pos="100000">
+              <a:schemeClr val="phClr">
+                <a:tint val="50000"/>
+                <a:shade val="100000"/>
+                <a:satMod val="350000"/>
+              </a:schemeClr>
+            </a:gs>
+          </a:gsLst>
+          <a:lin ang="16200000" scaled="0"/>
+        </a:gradFill>
+      </a:fillStyleLst>
+      <a:lnStyleLst>
+        <a:ln w="9525" cap="flat" cmpd="sng" algn="ctr">
+          <a:solidFill>
+            <a:schemeClr val="phClr">
+              <a:shade val="95000"/>
+              <a:satMod val="105000"/>
+            </a:schemeClr>
+          </a:solidFill>
+          <a:prstDash val="solid"/>
+        </a:ln>
+        <a:ln w="25400" cap="flat" cmpd="sng" algn="ctr">
+          <a:solidFill>
+            <a:schemeClr val="phClr"/>
+          </a:solidFill>
+          <a:prstDash val="solid"/>
+        </a:ln>
+        <a:ln w="38100" cap="flat" cmpd="sng" algn="ctr">
+          <a:solidFill>
+            <a:schemeClr val="phClr"/>
+          </a:solidFill>
+          <a:prstDash val="solid"/>
+        </a:ln>
+      </a:lnStyleLst>
+      <a:effectStyleLst>
+        <a:effectStyle>
+          <a:effectLst>
+            <a:outerShdw blurRad="40000" dist="20000" dir="5400000" rotWithShape="0">
+              <a:srgbClr val="000000">
+                <a:alpha val="38000"/>
+              </a:srgbClr>
+            </a:outerShdw>
+          </a:effectLst>
+        </a:effectStyle>
+        <a:effectStyle>
+          <a:effectLst>
+            <a:outerShdw blurRad="40000" dist="23000" dir="5400000" rotWithShape="0">
+              <a:srgbClr val="000000">
+                <a:alpha val="35000"/>
+              </a:srgbClr>
+            </a:outerShdw>
+          </a:effectLst>
+        </a:effectStyle>
+        <a:effectStyle>
+          <a:effectLst>
+            <a:outerShdw blurRad="40000" dist="23000" dir="5400000" rotWithShape="0">
+              <a:srgbClr val="000000">
+                <a:alpha val="35000"/>
+              </a:srgbClr>
+            </a:outerShdw>
+          </a:effectLst>
+          <a:scene3d>
+            <a:camera prst="orthographicFront">
+              <a:rot lat="0" lon="0" rev="0"/>
+            </a:camera>
+            <a:lightRig rig="threePt" dir="t">
+              <a:rot lat="0" lon="0" rev="1200000"/>
+            </a:lightRig>
+          </a:scene3d>
+          <a:sp3d>
+            <a:bevelT w="63500" h="25400"/>
+          </a:sp3d>
+        </a:effectStyle>
+      </a:effectStyleLst>
+      <a:bgFillStyleLst>
+        <a:solidFill>
+          <a:schemeClr val="phClr"/>
+        </a:solidFill>
+        <a:gradFill rotWithShape="1">
+          <a:gsLst>
+            <a:gs pos="0">
+              <a:schemeClr val="phClr">
+                <a:tint val="40000"/>
+                <a:satMod val="350000"/>
+              </a:schemeClr>
+            </a:gs>
+            <a:gs pos="40000">
+              <a:schemeClr val="phClr">
+                <a:tint val="45000"/>
+                <a:shade val="99000"/>
+                <a:satMod val="350000"/>
+              </a:schemeClr>
+            </a:gs>
+            <a:gs pos="100000">
+              <a:schemeClr val="phClr">
+                <a:shade val="20000"/>
+                <a:satMod val="255000"/>
+              </a:schemeClr>
+            </a:gs>
+          </a:gsLst>
+          <a:path path="circle">
+            <a:fillToRect l="50000" t="-80000" r="50000" b="180000"/>
+          </a:path>
+        </a:gradFill>
+        <a:gradFill rotWithShape="1">
+          <a:gsLst>
+            <a:gs pos="0">
+              <a:schemeClr val="phClr">
+                <a:tint val="80000"/>
+                <a:satMod val="300000"/>
+              </a:schemeClr>
+            </a:gs>
+            <a:gs pos="100000">
+              <a:schemeClr val="phClr">
+                <a:shade val="30000"/>
+                <a:satMod val="200000"/>
+              </a:schemeClr>
+            </a:gs>
+          </a:gsLst>
+          <a:path path="circle">
+            <a:fillToRect l="50000" t="50000" r="50000" b="50000"/>
+          </a:path>
+        </a:gradFill>
+      </a:bgFillStyleLst>
+    </a:fmtScheme>
+  </a:themeElements>
+  <a:objectDefaults/>
+  <a:extraClrSchemeLst/>
+</a:theme>
+</file>
+
+<file path=ppt/theme/theme2.xml><?xml version="1.0" encoding="utf-8"?>
+<a:theme xmlns:a="http://schemas.openxmlformats.org/drawingml/2006/main">
   <a:themeElements>
     <a:clrScheme name="Default">
       <a:dk1>
@@ -13049,284 +13510,7 @@
       </a:bgFillStyleLst>
     </a:fmtScheme>
   </a:themeElements>
-</a:theme>
-</file>
-
-<file path=ppt/theme/theme2.xml><?xml version="1.0" encoding="utf-8"?>
-<a:theme xmlns:a="http://schemas.openxmlformats.org/drawingml/2006/main" xmlns:r="http://schemas.openxmlformats.org/officeDocument/2006/relationships" name="Tema do Office">
-  <a:themeElements>
-    <a:clrScheme name="Escritório">
-      <a:dk1>
-        <a:srgbClr val="000000"/>
-      </a:dk1>
-      <a:lt1>
-        <a:srgbClr val="FFFFFF"/>
-      </a:lt1>
-      <a:dk2>
-        <a:srgbClr val="44546A"/>
-      </a:dk2>
-      <a:lt2>
-        <a:srgbClr val="E7E6E6"/>
-      </a:lt2>
-      <a:accent1>
-        <a:srgbClr val="5B9BD5"/>
-      </a:accent1>
-      <a:accent2>
-        <a:srgbClr val="ED7D31"/>
-      </a:accent2>
-      <a:accent3>
-        <a:srgbClr val="A5A5A5"/>
-      </a:accent3>
-      <a:accent4>
-        <a:srgbClr val="FFC000"/>
-      </a:accent4>
-      <a:accent5>
-        <a:srgbClr val="4472C4"/>
-      </a:accent5>
-      <a:accent6>
-        <a:srgbClr val="70AD47"/>
-      </a:accent6>
-      <a:hlink>
-        <a:srgbClr val="0563C1"/>
-      </a:hlink>
-      <a:folHlink>
-        <a:srgbClr val="954F72"/>
-      </a:folHlink>
-    </a:clrScheme>
-    <a:fontScheme name="Office">
-      <a:majorFont>
-        <a:latin typeface="Arial"/>
-        <a:ea typeface=""/>
-        <a:cs typeface=""/>
-        <a:font script="Jpan" typeface="ＭＳ Ｐゴシック"/>
-        <a:font script="Hang" typeface="맑은 고딕"/>
-        <a:font script="Hans" typeface="宋体"/>
-        <a:font script="Hant" typeface="新細明體"/>
-        <a:font script="Arab" typeface="Times New Roman"/>
-        <a:font script="Hebr" typeface="Times New Roman"/>
-        <a:font script="Thai" typeface="Angsana New"/>
-        <a:font script="Ethi" typeface="Nyala"/>
-        <a:font script="Beng" typeface="Vrinda"/>
-        <a:font script="Gujr" typeface="Shruti"/>
-        <a:font script="Khmr" typeface="MoolBoran"/>
-        <a:font script="Knda" typeface="Tunga"/>
-        <a:font script="Guru" typeface="Raavi"/>
-        <a:font script="Cans" typeface="Euphemia"/>
-        <a:font script="Cher" typeface="Plantagenet Cherokee"/>
-        <a:font script="Yiii" typeface="Microsoft Yi Baiti"/>
-        <a:font script="Tibt" typeface="Microsoft Himalaya"/>
-        <a:font script="Thaa" typeface="MV Boli"/>
-        <a:font script="Deva" typeface="Mangal"/>
-        <a:font script="Telu" typeface="Gautami"/>
-        <a:font script="Taml" typeface="Latha"/>
-        <a:font script="Syrc" typeface="Estrangelo Edessa"/>
-        <a:font script="Orya" typeface="Kalinga"/>
-        <a:font script="Mlym" typeface="Kartika"/>
-        <a:font script="Laoo" typeface="DokChampa"/>
-        <a:font script="Sinh" typeface="Iskoola Pota"/>
-        <a:font script="Mong" typeface="Mongolian Baiti"/>
-        <a:font script="Viet" typeface="Times New Roman"/>
-        <a:font script="Uigh" typeface="Microsoft Uighur"/>
-        <a:font script="Geor" typeface="Sylfaen"/>
-      </a:majorFont>
-      <a:minorFont>
-        <a:latin typeface="Arial"/>
-        <a:ea typeface=""/>
-        <a:cs typeface=""/>
-        <a:font script="Jpan" typeface="ＭＳ Ｐゴシック"/>
-        <a:font script="Hang" typeface="맑은 고딕"/>
-        <a:font script="Hans" typeface="宋体"/>
-        <a:font script="Hant" typeface="新細明體"/>
-        <a:font script="Arab" typeface="Arial"/>
-        <a:font script="Hebr" typeface="Arial"/>
-        <a:font script="Thai" typeface="Cordia New"/>
-        <a:font script="Ethi" typeface="Nyala"/>
-        <a:font script="Beng" typeface="Vrinda"/>
-        <a:font script="Gujr" typeface="Shruti"/>
-        <a:font script="Khmr" typeface="DaunPenh"/>
-        <a:font script="Knda" typeface="Tunga"/>
-        <a:font script="Guru" typeface="Raavi"/>
-        <a:font script="Cans" typeface="Euphemia"/>
-        <a:font script="Cher" typeface="Plantagenet Cherokee"/>
-        <a:font script="Yiii" typeface="Microsoft Yi Baiti"/>
-        <a:font script="Tibt" typeface="Microsoft Himalaya"/>
-        <a:font script="Thaa" typeface="MV Boli"/>
-        <a:font script="Deva" typeface="Mangal"/>
-        <a:font script="Telu" typeface="Gautami"/>
-        <a:font script="Taml" typeface="Latha"/>
-        <a:font script="Syrc" typeface="Estrangelo Edessa"/>
-        <a:font script="Orya" typeface="Kalinga"/>
-        <a:font script="Mlym" typeface="Kartika"/>
-        <a:font script="Laoo" typeface="DokChampa"/>
-        <a:font script="Sinh" typeface="Iskoola Pota"/>
-        <a:font script="Mong" typeface="Mongolian Baiti"/>
-        <a:font script="Viet" typeface="Arial"/>
-        <a:font script="Uigh" typeface="Microsoft Uighur"/>
-        <a:font script="Geor" typeface="Sylfaen"/>
-      </a:minorFont>
-    </a:fontScheme>
-    <a:fmtScheme name="Office">
-      <a:fillStyleLst>
-        <a:solidFill>
-          <a:schemeClr val="phClr"/>
-        </a:solidFill>
-        <a:gradFill rotWithShape="1">
-          <a:gsLst>
-            <a:gs pos="0">
-              <a:schemeClr val="phClr">
-                <a:tint val="50000"/>
-                <a:satMod val="300000"/>
-              </a:schemeClr>
-            </a:gs>
-            <a:gs pos="35000">
-              <a:schemeClr val="phClr">
-                <a:tint val="37000"/>
-                <a:satMod val="300000"/>
-              </a:schemeClr>
-            </a:gs>
-            <a:gs pos="100000">
-              <a:schemeClr val="phClr">
-                <a:tint val="15000"/>
-                <a:satMod val="350000"/>
-              </a:schemeClr>
-            </a:gs>
-          </a:gsLst>
-          <a:lin ang="16200000" scaled="1"/>
-        </a:gradFill>
-        <a:gradFill rotWithShape="1">
-          <a:gsLst>
-            <a:gs pos="0">
-              <a:schemeClr val="phClr">
-                <a:tint val="100000"/>
-                <a:shade val="100000"/>
-                <a:satMod val="130000"/>
-              </a:schemeClr>
-            </a:gs>
-            <a:gs pos="100000">
-              <a:schemeClr val="phClr">
-                <a:tint val="50000"/>
-                <a:shade val="100000"/>
-                <a:satMod val="350000"/>
-              </a:schemeClr>
-            </a:gs>
-          </a:gsLst>
-          <a:lin ang="16200000" scaled="0"/>
-        </a:gradFill>
-      </a:fillStyleLst>
-      <a:lnStyleLst>
-        <a:ln w="9525" cap="flat" cmpd="sng" algn="ctr">
-          <a:solidFill>
-            <a:schemeClr val="phClr">
-              <a:shade val="95000"/>
-              <a:satMod val="105000"/>
-            </a:schemeClr>
-          </a:solidFill>
-          <a:prstDash val="solid"/>
-        </a:ln>
-        <a:ln w="25400" cap="flat" cmpd="sng" algn="ctr">
-          <a:solidFill>
-            <a:schemeClr val="phClr"/>
-          </a:solidFill>
-          <a:prstDash val="solid"/>
-        </a:ln>
-        <a:ln w="38100" cap="flat" cmpd="sng" algn="ctr">
-          <a:solidFill>
-            <a:schemeClr val="phClr"/>
-          </a:solidFill>
-          <a:prstDash val="solid"/>
-        </a:ln>
-      </a:lnStyleLst>
-      <a:effectStyleLst>
-        <a:effectStyle>
-          <a:effectLst>
-            <a:outerShdw blurRad="40000" dist="20000" dir="5400000" rotWithShape="0">
-              <a:srgbClr val="000000">
-                <a:alpha val="38000"/>
-              </a:srgbClr>
-            </a:outerShdw>
-          </a:effectLst>
-        </a:effectStyle>
-        <a:effectStyle>
-          <a:effectLst>
-            <a:outerShdw blurRad="40000" dist="23000" dir="5400000" rotWithShape="0">
-              <a:srgbClr val="000000">
-                <a:alpha val="35000"/>
-              </a:srgbClr>
-            </a:outerShdw>
-          </a:effectLst>
-        </a:effectStyle>
-        <a:effectStyle>
-          <a:effectLst>
-            <a:outerShdw blurRad="40000" dist="23000" dir="5400000" rotWithShape="0">
-              <a:srgbClr val="000000">
-                <a:alpha val="35000"/>
-              </a:srgbClr>
-            </a:outerShdw>
-          </a:effectLst>
-          <a:scene3d>
-            <a:camera prst="orthographicFront">
-              <a:rot lat="0" lon="0" rev="0"/>
-            </a:camera>
-            <a:lightRig rig="threePt" dir="t">
-              <a:rot lat="0" lon="0" rev="1200000"/>
-            </a:lightRig>
-          </a:scene3d>
-          <a:sp3d>
-            <a:bevelT w="63500" h="25400"/>
-          </a:sp3d>
-        </a:effectStyle>
-      </a:effectStyleLst>
-      <a:bgFillStyleLst>
-        <a:solidFill>
-          <a:schemeClr val="phClr"/>
-        </a:solidFill>
-        <a:gradFill rotWithShape="1">
-          <a:gsLst>
-            <a:gs pos="0">
-              <a:schemeClr val="phClr">
-                <a:tint val="40000"/>
-                <a:satMod val="350000"/>
-              </a:schemeClr>
-            </a:gs>
-            <a:gs pos="40000">
-              <a:schemeClr val="phClr">
-                <a:tint val="45000"/>
-                <a:shade val="99000"/>
-                <a:satMod val="350000"/>
-              </a:schemeClr>
-            </a:gs>
-            <a:gs pos="100000">
-              <a:schemeClr val="phClr">
-                <a:shade val="20000"/>
-                <a:satMod val="255000"/>
-              </a:schemeClr>
-            </a:gs>
-          </a:gsLst>
-          <a:path path="circle">
-            <a:fillToRect l="50000" t="-80000" r="50000" b="180000"/>
-          </a:path>
-        </a:gradFill>
-        <a:gradFill rotWithShape="1">
-          <a:gsLst>
-            <a:gs pos="0">
-              <a:schemeClr val="phClr">
-                <a:tint val="80000"/>
-                <a:satMod val="300000"/>
-              </a:schemeClr>
-            </a:gs>
-            <a:gs pos="100000">
-              <a:schemeClr val="phClr">
-                <a:shade val="30000"/>
-                <a:satMod val="200000"/>
-              </a:schemeClr>
-            </a:gs>
-          </a:gsLst>
-          <a:path path="circle">
-            <a:fillToRect l="50000" t="50000" r="50000" b="50000"/>
-          </a:path>
-        </a:gradFill>
-      </a:bgFillStyleLst>
-    </a:fmtScheme>
-  </a:themeElements>
+  <a:objectDefaults/>
+  <a:extraClrSchemeLst/>
 </a:theme>
 </file>